--- a/Documents/UI.pptx
+++ b/Documents/UI.pptx
@@ -5,14 +5,15 @@
     <p:sldMasterId id="2147483684" r:id="rId1"/>
   </p:sldMasterIdLst>
   <p:notesMasterIdLst>
-    <p:notesMasterId r:id="rId7"/>
+    <p:notesMasterId r:id="rId8"/>
   </p:notesMasterIdLst>
   <p:sldIdLst>
     <p:sldId id="256" r:id="rId2"/>
-    <p:sldId id="257" r:id="rId3"/>
-    <p:sldId id="260" r:id="rId4"/>
-    <p:sldId id="258" r:id="rId5"/>
+    <p:sldId id="261" r:id="rId3"/>
+    <p:sldId id="257" r:id="rId4"/>
+    <p:sldId id="260" r:id="rId5"/>
     <p:sldId id="259" r:id="rId6"/>
+    <p:sldId id="258" r:id="rId7"/>
   </p:sldIdLst>
   <p:sldSz cx="7199313" cy="10799763"/>
   <p:notesSz cx="6858000" cy="9144000"/>
@@ -117,13 +118,17 @@
         <p14:section name="Untitled Section" id="{0B178691-2D57-4963-A4F3-8CFF6431AE3C}">
           <p14:sldIdLst>
             <p14:sldId id="256"/>
+            <p14:sldId id="261"/>
             <p14:sldId id="257"/>
             <p14:sldId id="260"/>
+            <p14:sldId id="259"/>
             <p14:sldId id="258"/>
-            <p14:sldId id="259"/>
           </p14:sldIdLst>
         </p14:section>
       </p14:sectionLst>
+    </p:ext>
+    <p:ext uri="{EFAFB233-063F-42B5-8137-9DF3F51BA10A}">
+      <p15:sldGuideLst xmlns:p15="http://schemas.microsoft.com/office/powerpoint/2012/main"/>
     </p:ext>
   </p:extLst>
 </p:presentation>
@@ -211,7 +216,7 @@
           <a:p>
             <a:fld id="{65D2CF22-5DE7-4573-B2C7-F2FD6A1B0721}" type="datetimeFigureOut">
               <a:rPr lang="en-GB" smtClean="0"/>
-              <a:t>02/02/2021</a:t>
+              <a:t>05/02/2021</a:t>
             </a:fld>
             <a:endParaRPr lang="en-GB"/>
           </a:p>
@@ -544,7 +549,91 @@
           <a:p>
             <a:fld id="{C5F5AF91-7CEE-4C0C-A9A6-6056F4379684}" type="slidenum">
               <a:rPr lang="en-GB" smtClean="0"/>
-              <a:t>2</a:t>
+              <a:t>1</a:t>
+            </a:fld>
+            <a:endParaRPr lang="en-GB"/>
+          </a:p>
+        </p:txBody>
+      </p:sp>
+    </p:spTree>
+    <p:extLst>
+      <p:ext uri="{BB962C8B-B14F-4D97-AF65-F5344CB8AC3E}">
+        <p14:creationId xmlns:p14="http://schemas.microsoft.com/office/powerpoint/2010/main" val="1966244331"/>
+      </p:ext>
+    </p:extLst>
+  </p:cSld>
+  <p:clrMapOvr>
+    <a:masterClrMapping/>
+  </p:clrMapOvr>
+</p:notes>
+</file>
+
+<file path=ppt/notesSlides/notesSlide2.xml><?xml version="1.0" encoding="utf-8"?>
+<p:notes xmlns:a="http://schemas.openxmlformats.org/drawingml/2006/main" xmlns:r="http://schemas.openxmlformats.org/officeDocument/2006/relationships" xmlns:p="http://schemas.openxmlformats.org/presentationml/2006/main">
+  <p:cSld>
+    <p:spTree>
+      <p:nvGrpSpPr>
+        <p:cNvPr id="1" name=""/>
+        <p:cNvGrpSpPr/>
+        <p:nvPr/>
+      </p:nvGrpSpPr>
+      <p:grpSpPr>
+        <a:xfrm>
+          <a:off x="0" y="0"/>
+          <a:ext cx="0" cy="0"/>
+          <a:chOff x="0" y="0"/>
+          <a:chExt cx="0" cy="0"/>
+        </a:xfrm>
+      </p:grpSpPr>
+      <p:sp>
+        <p:nvSpPr>
+          <p:cNvPr id="2" name="Slide Image Placeholder 1"/>
+          <p:cNvSpPr>
+            <a:spLocks noGrp="1" noRot="1" noChangeAspect="1"/>
+          </p:cNvSpPr>
+          <p:nvPr>
+            <p:ph type="sldImg"/>
+          </p:nvPr>
+        </p:nvSpPr>
+        <p:spPr/>
+      </p:sp>
+      <p:sp>
+        <p:nvSpPr>
+          <p:cNvPr id="3" name="Notes Placeholder 2"/>
+          <p:cNvSpPr>
+            <a:spLocks noGrp="1"/>
+          </p:cNvSpPr>
+          <p:nvPr>
+            <p:ph type="body" idx="1"/>
+          </p:nvPr>
+        </p:nvSpPr>
+        <p:spPr/>
+        <p:txBody>
+          <a:bodyPr/>
+          <a:lstStyle/>
+          <a:p>
+            <a:endParaRPr lang="en-GB" dirty="0"/>
+          </a:p>
+        </p:txBody>
+      </p:sp>
+      <p:sp>
+        <p:nvSpPr>
+          <p:cNvPr id="4" name="Slide Number Placeholder 3"/>
+          <p:cNvSpPr>
+            <a:spLocks noGrp="1"/>
+          </p:cNvSpPr>
+          <p:nvPr>
+            <p:ph type="sldNum" sz="quarter" idx="5"/>
+          </p:nvPr>
+        </p:nvSpPr>
+        <p:spPr/>
+        <p:txBody>
+          <a:bodyPr/>
+          <a:lstStyle/>
+          <a:p>
+            <a:fld id="{C5F5AF91-7CEE-4C0C-A9A6-6056F4379684}" type="slidenum">
+              <a:rPr lang="en-GB" smtClean="0"/>
+              <a:t>3</a:t>
             </a:fld>
             <a:endParaRPr lang="en-GB"/>
           </a:p>
@@ -554,6 +643,90 @@
     <p:extLst>
       <p:ext uri="{BB962C8B-B14F-4D97-AF65-F5344CB8AC3E}">
         <p14:creationId xmlns:p14="http://schemas.microsoft.com/office/powerpoint/2010/main" val="1859944818"/>
+      </p:ext>
+    </p:extLst>
+  </p:cSld>
+  <p:clrMapOvr>
+    <a:masterClrMapping/>
+  </p:clrMapOvr>
+</p:notes>
+</file>
+
+<file path=ppt/notesSlides/notesSlide3.xml><?xml version="1.0" encoding="utf-8"?>
+<p:notes xmlns:a="http://schemas.openxmlformats.org/drawingml/2006/main" xmlns:r="http://schemas.openxmlformats.org/officeDocument/2006/relationships" xmlns:p="http://schemas.openxmlformats.org/presentationml/2006/main">
+  <p:cSld>
+    <p:spTree>
+      <p:nvGrpSpPr>
+        <p:cNvPr id="1" name=""/>
+        <p:cNvGrpSpPr/>
+        <p:nvPr/>
+      </p:nvGrpSpPr>
+      <p:grpSpPr>
+        <a:xfrm>
+          <a:off x="0" y="0"/>
+          <a:ext cx="0" cy="0"/>
+          <a:chOff x="0" y="0"/>
+          <a:chExt cx="0" cy="0"/>
+        </a:xfrm>
+      </p:grpSpPr>
+      <p:sp>
+        <p:nvSpPr>
+          <p:cNvPr id="2" name="Slide Image Placeholder 1"/>
+          <p:cNvSpPr>
+            <a:spLocks noGrp="1" noRot="1" noChangeAspect="1"/>
+          </p:cNvSpPr>
+          <p:nvPr>
+            <p:ph type="sldImg"/>
+          </p:nvPr>
+        </p:nvSpPr>
+        <p:spPr/>
+      </p:sp>
+      <p:sp>
+        <p:nvSpPr>
+          <p:cNvPr id="3" name="Notes Placeholder 2"/>
+          <p:cNvSpPr>
+            <a:spLocks noGrp="1"/>
+          </p:cNvSpPr>
+          <p:nvPr>
+            <p:ph type="body" idx="1"/>
+          </p:nvPr>
+        </p:nvSpPr>
+        <p:spPr/>
+        <p:txBody>
+          <a:bodyPr/>
+          <a:lstStyle/>
+          <a:p>
+            <a:endParaRPr lang="en-GB" dirty="0"/>
+          </a:p>
+        </p:txBody>
+      </p:sp>
+      <p:sp>
+        <p:nvSpPr>
+          <p:cNvPr id="4" name="Slide Number Placeholder 3"/>
+          <p:cNvSpPr>
+            <a:spLocks noGrp="1"/>
+          </p:cNvSpPr>
+          <p:nvPr>
+            <p:ph type="sldNum" sz="quarter" idx="5"/>
+          </p:nvPr>
+        </p:nvSpPr>
+        <p:spPr/>
+        <p:txBody>
+          <a:bodyPr/>
+          <a:lstStyle/>
+          <a:p>
+            <a:fld id="{C5F5AF91-7CEE-4C0C-A9A6-6056F4379684}" type="slidenum">
+              <a:rPr lang="en-GB" smtClean="0"/>
+              <a:t>5</a:t>
+            </a:fld>
+            <a:endParaRPr lang="en-GB"/>
+          </a:p>
+        </p:txBody>
+      </p:sp>
+    </p:spTree>
+    <p:extLst>
+      <p:ext uri="{BB962C8B-B14F-4D97-AF65-F5344CB8AC3E}">
+        <p14:creationId xmlns:p14="http://schemas.microsoft.com/office/powerpoint/2010/main" val="282739748"/>
       </p:ext>
     </p:extLst>
   </p:cSld>
@@ -694,7 +867,7 @@
           <a:p>
             <a:fld id="{7728408F-BD63-4741-B54F-A0ABC6703005}" type="datetimeFigureOut">
               <a:rPr lang="en-GB" smtClean="0"/>
-              <a:t>02/02/2021</a:t>
+              <a:t>05/02/2021</a:t>
             </a:fld>
             <a:endParaRPr lang="en-GB"/>
           </a:p>
@@ -864,7 +1037,7 @@
           <a:p>
             <a:fld id="{7728408F-BD63-4741-B54F-A0ABC6703005}" type="datetimeFigureOut">
               <a:rPr lang="en-GB" smtClean="0"/>
-              <a:t>02/02/2021</a:t>
+              <a:t>05/02/2021</a:t>
             </a:fld>
             <a:endParaRPr lang="en-GB"/>
           </a:p>
@@ -1044,7 +1217,7 @@
           <a:p>
             <a:fld id="{7728408F-BD63-4741-B54F-A0ABC6703005}" type="datetimeFigureOut">
               <a:rPr lang="en-GB" smtClean="0"/>
-              <a:t>02/02/2021</a:t>
+              <a:t>05/02/2021</a:t>
             </a:fld>
             <a:endParaRPr lang="en-GB"/>
           </a:p>
@@ -1214,7 +1387,7 @@
           <a:p>
             <a:fld id="{7728408F-BD63-4741-B54F-A0ABC6703005}" type="datetimeFigureOut">
               <a:rPr lang="en-GB" smtClean="0"/>
-              <a:t>02/02/2021</a:t>
+              <a:t>05/02/2021</a:t>
             </a:fld>
             <a:endParaRPr lang="en-GB"/>
           </a:p>
@@ -1458,7 +1631,7 @@
           <a:p>
             <a:fld id="{7728408F-BD63-4741-B54F-A0ABC6703005}" type="datetimeFigureOut">
               <a:rPr lang="en-GB" smtClean="0"/>
-              <a:t>02/02/2021</a:t>
+              <a:t>05/02/2021</a:t>
             </a:fld>
             <a:endParaRPr lang="en-GB"/>
           </a:p>
@@ -1690,7 +1863,7 @@
           <a:p>
             <a:fld id="{7728408F-BD63-4741-B54F-A0ABC6703005}" type="datetimeFigureOut">
               <a:rPr lang="en-GB" smtClean="0"/>
-              <a:t>02/02/2021</a:t>
+              <a:t>05/02/2021</a:t>
             </a:fld>
             <a:endParaRPr lang="en-GB"/>
           </a:p>
@@ -2057,7 +2230,7 @@
           <a:p>
             <a:fld id="{7728408F-BD63-4741-B54F-A0ABC6703005}" type="datetimeFigureOut">
               <a:rPr lang="en-GB" smtClean="0"/>
-              <a:t>02/02/2021</a:t>
+              <a:t>05/02/2021</a:t>
             </a:fld>
             <a:endParaRPr lang="en-GB"/>
           </a:p>
@@ -2175,7 +2348,7 @@
           <a:p>
             <a:fld id="{7728408F-BD63-4741-B54F-A0ABC6703005}" type="datetimeFigureOut">
               <a:rPr lang="en-GB" smtClean="0"/>
-              <a:t>02/02/2021</a:t>
+              <a:t>05/02/2021</a:t>
             </a:fld>
             <a:endParaRPr lang="en-GB"/>
           </a:p>
@@ -2270,7 +2443,7 @@
           <a:p>
             <a:fld id="{7728408F-BD63-4741-B54F-A0ABC6703005}" type="datetimeFigureOut">
               <a:rPr lang="en-GB" smtClean="0"/>
-              <a:t>02/02/2021</a:t>
+              <a:t>05/02/2021</a:t>
             </a:fld>
             <a:endParaRPr lang="en-GB"/>
           </a:p>
@@ -2547,7 +2720,7 @@
           <a:p>
             <a:fld id="{7728408F-BD63-4741-B54F-A0ABC6703005}" type="datetimeFigureOut">
               <a:rPr lang="en-GB" smtClean="0"/>
-              <a:t>02/02/2021</a:t>
+              <a:t>05/02/2021</a:t>
             </a:fld>
             <a:endParaRPr lang="en-GB"/>
           </a:p>
@@ -2804,7 +2977,7 @@
           <a:p>
             <a:fld id="{7728408F-BD63-4741-B54F-A0ABC6703005}" type="datetimeFigureOut">
               <a:rPr lang="en-GB" smtClean="0"/>
-              <a:t>02/02/2021</a:t>
+              <a:t>05/02/2021</a:t>
             </a:fld>
             <a:endParaRPr lang="en-GB"/>
           </a:p>
@@ -3017,7 +3190,7 @@
           <a:p>
             <a:fld id="{7728408F-BD63-4741-B54F-A0ABC6703005}" type="datetimeFigureOut">
               <a:rPr lang="en-GB" smtClean="0"/>
-              <a:t>02/02/2021</a:t>
+              <a:t>05/02/2021</a:t>
             </a:fld>
             <a:endParaRPr lang="en-GB"/>
           </a:p>
@@ -3425,6 +3598,7 @@
       <p:sp>
         <p:nvSpPr>
           <p:cNvPr id="4" name="Rectangle: Rounded Corners 3">
+            <a:hlinkClick r:id="rId3" action="ppaction://hlinksldjump"/>
             <a:extLst>
               <a:ext uri="{FF2B5EF4-FFF2-40B4-BE49-F238E27FC236}">
                 <a16:creationId xmlns:a16="http://schemas.microsoft.com/office/drawing/2014/main" id="{BDDD0DB5-6AA5-4593-8BF9-607B33D06404}"/>
@@ -3471,6 +3645,7 @@
       <p:sp>
         <p:nvSpPr>
           <p:cNvPr id="5" name="Rectangle: Rounded Corners 4">
+            <a:hlinkClick r:id="rId4" action="ppaction://hlinksldjump"/>
             <a:extLst>
               <a:ext uri="{FF2B5EF4-FFF2-40B4-BE49-F238E27FC236}">
                 <a16:creationId xmlns:a16="http://schemas.microsoft.com/office/drawing/2014/main" id="{60B8516B-BB78-489B-9B6E-9A17F34BBB0C}"/>
@@ -3517,6 +3692,7 @@
       <p:sp>
         <p:nvSpPr>
           <p:cNvPr id="7" name="TextBox 6">
+            <a:hlinkClick r:id="rId3" action="ppaction://hlinksldjump"/>
             <a:extLst>
               <a:ext uri="{FF2B5EF4-FFF2-40B4-BE49-F238E27FC236}">
                 <a16:creationId xmlns:a16="http://schemas.microsoft.com/office/drawing/2014/main" id="{F5F28539-F504-46C5-81B1-975C12E68E2C}"/>
@@ -3556,6 +3732,7 @@
       <p:sp>
         <p:nvSpPr>
           <p:cNvPr id="8" name="TextBox 7">
+            <a:hlinkClick r:id="rId4" action="ppaction://hlinksldjump"/>
             <a:extLst>
               <a:ext uri="{FF2B5EF4-FFF2-40B4-BE49-F238E27FC236}">
                 <a16:creationId xmlns:a16="http://schemas.microsoft.com/office/drawing/2014/main" id="{C01DD660-BD8C-44C4-92BC-ABB6C25D6D64}"/>
@@ -3595,6 +3772,7 @@
       <p:sp>
         <p:nvSpPr>
           <p:cNvPr id="9" name="Rectangle: Rounded Corners 8">
+            <a:hlinkClick r:id="rId5" action="ppaction://hlinksldjump"/>
             <a:extLst>
               <a:ext uri="{FF2B5EF4-FFF2-40B4-BE49-F238E27FC236}">
                 <a16:creationId xmlns:a16="http://schemas.microsoft.com/office/drawing/2014/main" id="{C73E0B96-689D-4C06-A6E4-3BF36B4933F3}"/>
@@ -3606,7 +3784,7 @@
         </p:nvSpPr>
         <p:spPr>
           <a:xfrm>
-            <a:off x="1379095" y="6488244"/>
+            <a:off x="1379095" y="7877333"/>
             <a:ext cx="4429594" cy="891914"/>
           </a:xfrm>
           <a:prstGeom prst="roundRect">
@@ -3641,6 +3819,7 @@
       <p:sp>
         <p:nvSpPr>
           <p:cNvPr id="10" name="TextBox 9">
+            <a:hlinkClick r:id="rId5" action="ppaction://hlinksldjump"/>
             <a:extLst>
               <a:ext uri="{FF2B5EF4-FFF2-40B4-BE49-F238E27FC236}">
                 <a16:creationId xmlns:a16="http://schemas.microsoft.com/office/drawing/2014/main" id="{5237677D-C514-4185-B0CC-7A920694BAD1}"/>
@@ -3652,7 +3831,7 @@
         </p:nvSpPr>
         <p:spPr>
           <a:xfrm>
-            <a:off x="1516802" y="6641813"/>
+            <a:off x="1516802" y="8030902"/>
             <a:ext cx="4154179" cy="584775"/>
           </a:xfrm>
           <a:prstGeom prst="rect">
@@ -3679,10 +3858,10 @@
       </p:sp>
       <p:sp>
         <p:nvSpPr>
-          <p:cNvPr id="11" name="Rectangle: Rounded Corners 10">
-            <a:extLst>
-              <a:ext uri="{FF2B5EF4-FFF2-40B4-BE49-F238E27FC236}">
-                <a16:creationId xmlns:a16="http://schemas.microsoft.com/office/drawing/2014/main" id="{7F6384A4-442A-4061-9287-1F387B68F1F4}"/>
+          <p:cNvPr id="13" name="Oval 12">
+            <a:extLst>
+              <a:ext uri="{FF2B5EF4-FFF2-40B4-BE49-F238E27FC236}">
+                <a16:creationId xmlns:a16="http://schemas.microsoft.com/office/drawing/2014/main" id="{7E2718BC-2432-44C6-AD04-84D616FA9448}"/>
               </a:ext>
             </a:extLst>
           </p:cNvPr>
@@ -3691,12 +3870,17 @@
         </p:nvSpPr>
         <p:spPr>
           <a:xfrm>
-            <a:off x="1379095" y="7877333"/>
-            <a:ext cx="4429594" cy="891914"/>
-          </a:xfrm>
-          <a:prstGeom prst="roundRect">
-            <a:avLst/>
-          </a:prstGeom>
+            <a:off x="1943243" y="657733"/>
+            <a:ext cx="3312826" cy="2578308"/>
+          </a:xfrm>
+          <a:prstGeom prst="ellipse">
+            <a:avLst/>
+          </a:prstGeom>
+          <a:ln>
+            <a:solidFill>
+              <a:schemeClr val="tx1"/>
+            </a:solidFill>
+          </a:ln>
         </p:spPr>
         <p:style>
           <a:lnRef idx="2">
@@ -3725,10 +3909,10 @@
       </p:sp>
       <p:sp>
         <p:nvSpPr>
-          <p:cNvPr id="12" name="TextBox 11">
-            <a:extLst>
-              <a:ext uri="{FF2B5EF4-FFF2-40B4-BE49-F238E27FC236}">
-                <a16:creationId xmlns:a16="http://schemas.microsoft.com/office/drawing/2014/main" id="{8DA70DC7-1C0D-40D4-AEB8-3BF7DEAECFC7}"/>
+          <p:cNvPr id="15" name="TextBox 14">
+            <a:extLst>
+              <a:ext uri="{FF2B5EF4-FFF2-40B4-BE49-F238E27FC236}">
+                <a16:creationId xmlns:a16="http://schemas.microsoft.com/office/drawing/2014/main" id="{DA33BB53-8F8E-4617-882E-877DBB703507}"/>
               </a:ext>
             </a:extLst>
           </p:cNvPr>
@@ -3737,7 +3921,7 @@
         </p:nvSpPr>
         <p:spPr>
           <a:xfrm>
-            <a:off x="1516802" y="8030902"/>
+            <a:off x="1522566" y="1654499"/>
             <a:ext cx="4154179" cy="584775"/>
           </a:xfrm>
           <a:prstGeom prst="rect">
@@ -3752,22 +3936,69 @@
           <a:lstStyle/>
           <a:p>
             <a:pPr algn="ctr"/>
+            <a:r>
+              <a:rPr lang="en-GB" sz="3200" dirty="0" err="1">
+                <a:latin typeface="Aharoni" panose="02010803020104030203" pitchFamily="2" charset="-79"/>
+                <a:cs typeface="Aharoni" panose="02010803020104030203" pitchFamily="2" charset="-79"/>
+              </a:rPr>
+              <a:t>Avrg</a:t>
+            </a:r>
             <a:r>
               <a:rPr lang="en-GB" sz="3200" dirty="0">
                 <a:latin typeface="Aharoni" panose="02010803020104030203" pitchFamily="2" charset="-79"/>
                 <a:cs typeface="Aharoni" panose="02010803020104030203" pitchFamily="2" charset="-79"/>
               </a:rPr>
-              <a:t>Settings</a:t>
-            </a:r>
-          </a:p>
-        </p:txBody>
-      </p:sp>
-      <p:sp>
-        <p:nvSpPr>
-          <p:cNvPr id="13" name="Oval 12">
-            <a:extLst>
-              <a:ext uri="{FF2B5EF4-FFF2-40B4-BE49-F238E27FC236}">
-                <a16:creationId xmlns:a16="http://schemas.microsoft.com/office/drawing/2014/main" id="{7E2718BC-2432-44C6-AD04-84D616FA9448}"/>
+              <a:t> Happiness</a:t>
+            </a:r>
+          </a:p>
+        </p:txBody>
+      </p:sp>
+      <p:sp>
+        <p:nvSpPr>
+          <p:cNvPr id="17" name="TextBox 16">
+            <a:extLst>
+              <a:ext uri="{FF2B5EF4-FFF2-40B4-BE49-F238E27FC236}">
+                <a16:creationId xmlns:a16="http://schemas.microsoft.com/office/drawing/2014/main" id="{69E66B3A-CB00-4155-BEB7-7CECC7CCA7D3}"/>
+              </a:ext>
+            </a:extLst>
+          </p:cNvPr>
+          <p:cNvSpPr txBox="1"/>
+          <p:nvPr/>
+        </p:nvSpPr>
+        <p:spPr>
+          <a:xfrm>
+            <a:off x="1516802" y="2128524"/>
+            <a:ext cx="4154179" cy="461665"/>
+          </a:xfrm>
+          <a:prstGeom prst="rect">
+            <a:avLst/>
+          </a:prstGeom>
+          <a:noFill/>
+        </p:spPr>
+        <p:txBody>
+          <a:bodyPr wrap="square" rtlCol="0">
+            <a:spAutoFit/>
+          </a:bodyPr>
+          <a:lstStyle/>
+          <a:p>
+            <a:pPr algn="ctr"/>
+            <a:r>
+              <a:rPr lang="en-GB" sz="2400" dirty="0">
+                <a:latin typeface="Aharoni" panose="02010803020104030203" pitchFamily="2" charset="-79"/>
+                <a:cs typeface="Aharoni" panose="02010803020104030203" pitchFamily="2" charset="-79"/>
+              </a:rPr>
+              <a:t>or needs to focus on</a:t>
+            </a:r>
+          </a:p>
+        </p:txBody>
+      </p:sp>
+      <p:sp>
+        <p:nvSpPr>
+          <p:cNvPr id="20" name="Rectangle: Rounded Corners 19">
+            <a:hlinkClick r:id="rId6" action="ppaction://hlinksldjump"/>
+            <a:extLst>
+              <a:ext uri="{FF2B5EF4-FFF2-40B4-BE49-F238E27FC236}">
+                <a16:creationId xmlns:a16="http://schemas.microsoft.com/office/drawing/2014/main" id="{EA896C57-4E4A-42C6-AF41-77CCB46C84F4}"/>
               </a:ext>
             </a:extLst>
           </p:cNvPr>
@@ -3776,17 +4007,12 @@
         </p:nvSpPr>
         <p:spPr>
           <a:xfrm>
-            <a:off x="1943243" y="657733"/>
-            <a:ext cx="3312826" cy="2578308"/>
-          </a:xfrm>
-          <a:prstGeom prst="ellipse">
-            <a:avLst/>
-          </a:prstGeom>
-          <a:ln>
-            <a:solidFill>
-              <a:schemeClr val="tx1"/>
-            </a:solidFill>
-          </a:ln>
+            <a:off x="1379095" y="6488244"/>
+            <a:ext cx="4429594" cy="891914"/>
+          </a:xfrm>
+          <a:prstGeom prst="roundRect">
+            <a:avLst/>
+          </a:prstGeom>
         </p:spPr>
         <p:style>
           <a:lnRef idx="2">
@@ -3815,10 +4041,11 @@
       </p:sp>
       <p:sp>
         <p:nvSpPr>
-          <p:cNvPr id="15" name="TextBox 14">
-            <a:extLst>
-              <a:ext uri="{FF2B5EF4-FFF2-40B4-BE49-F238E27FC236}">
-                <a16:creationId xmlns:a16="http://schemas.microsoft.com/office/drawing/2014/main" id="{DA33BB53-8F8E-4617-882E-877DBB703507}"/>
+          <p:cNvPr id="21" name="TextBox 20">
+            <a:hlinkClick r:id="rId6" action="ppaction://hlinksldjump"/>
+            <a:extLst>
+              <a:ext uri="{FF2B5EF4-FFF2-40B4-BE49-F238E27FC236}">
+                <a16:creationId xmlns:a16="http://schemas.microsoft.com/office/drawing/2014/main" id="{5F7EB2EC-ECD5-412E-8CD6-160E8159C2FA}"/>
               </a:ext>
             </a:extLst>
           </p:cNvPr>
@@ -3827,7 +4054,7 @@
         </p:nvSpPr>
         <p:spPr>
           <a:xfrm>
-            <a:off x="1522566" y="1654499"/>
+            <a:off x="1516802" y="6641813"/>
             <a:ext cx="4154179" cy="584775"/>
           </a:xfrm>
           <a:prstGeom prst="rect">
@@ -3842,58 +4069,12 @@
           <a:lstStyle/>
           <a:p>
             <a:pPr algn="ctr"/>
-            <a:r>
-              <a:rPr lang="en-GB" sz="3200" dirty="0" err="1">
-                <a:latin typeface="Aharoni" panose="02010803020104030203" pitchFamily="2" charset="-79"/>
-                <a:cs typeface="Aharoni" panose="02010803020104030203" pitchFamily="2" charset="-79"/>
-              </a:rPr>
-              <a:t>Avrg</a:t>
-            </a:r>
             <a:r>
               <a:rPr lang="en-GB" sz="3200" dirty="0">
                 <a:latin typeface="Aharoni" panose="02010803020104030203" pitchFamily="2" charset="-79"/>
                 <a:cs typeface="Aharoni" panose="02010803020104030203" pitchFamily="2" charset="-79"/>
               </a:rPr>
-              <a:t> Happiness</a:t>
-            </a:r>
-          </a:p>
-        </p:txBody>
-      </p:sp>
-      <p:sp>
-        <p:nvSpPr>
-          <p:cNvPr id="17" name="TextBox 16">
-            <a:extLst>
-              <a:ext uri="{FF2B5EF4-FFF2-40B4-BE49-F238E27FC236}">
-                <a16:creationId xmlns:a16="http://schemas.microsoft.com/office/drawing/2014/main" id="{69E66B3A-CB00-4155-BEB7-7CECC7CCA7D3}"/>
-              </a:ext>
-            </a:extLst>
-          </p:cNvPr>
-          <p:cNvSpPr txBox="1"/>
-          <p:nvPr/>
-        </p:nvSpPr>
-        <p:spPr>
-          <a:xfrm>
-            <a:off x="1516802" y="2128524"/>
-            <a:ext cx="4154179" cy="461665"/>
-          </a:xfrm>
-          <a:prstGeom prst="rect">
-            <a:avLst/>
-          </a:prstGeom>
-          <a:noFill/>
-        </p:spPr>
-        <p:txBody>
-          <a:bodyPr wrap="square" rtlCol="0">
-            <a:spAutoFit/>
-          </a:bodyPr>
-          <a:lstStyle/>
-          <a:p>
-            <a:pPr algn="ctr"/>
-            <a:r>
-              <a:rPr lang="en-GB" sz="2400" dirty="0">
-                <a:latin typeface="Aharoni" panose="02010803020104030203" pitchFamily="2" charset="-79"/>
-                <a:cs typeface="Aharoni" panose="02010803020104030203" pitchFamily="2" charset="-79"/>
-              </a:rPr>
-              <a:t>or needs to focus on</a:t>
+              <a:t>Settings</a:t>
             </a:r>
           </a:p>
         </p:txBody>
@@ -3930,10 +4111,11 @@
       </p:grpSpPr>
       <p:sp>
         <p:nvSpPr>
-          <p:cNvPr id="81" name="Rectangle 80">
-            <a:extLst>
-              <a:ext uri="{FF2B5EF4-FFF2-40B4-BE49-F238E27FC236}">
-                <a16:creationId xmlns:a16="http://schemas.microsoft.com/office/drawing/2014/main" id="{EF122ECE-1445-4D27-971B-ABFE441916A0}"/>
+          <p:cNvPr id="4" name="Rectangle 3">
+            <a:hlinkClick r:id="rId2" action="ppaction://hlinksldjump"/>
+            <a:extLst>
+              <a:ext uri="{FF2B5EF4-FFF2-40B4-BE49-F238E27FC236}">
+                <a16:creationId xmlns:a16="http://schemas.microsoft.com/office/drawing/2014/main" id="{662CBA74-AB45-440E-9AB2-AEA8F030BDA6}"/>
               </a:ext>
             </a:extLst>
           </p:cNvPr>
@@ -3942,7 +4124,229 @@
         </p:nvSpPr>
         <p:spPr>
           <a:xfrm>
-            <a:off x="622564" y="959363"/>
+            <a:off x="4287188" y="10073390"/>
+            <a:ext cx="2912126" cy="749887"/>
+          </a:xfrm>
+          <a:prstGeom prst="rect">
+            <a:avLst/>
+          </a:prstGeom>
+          <a:solidFill>
+            <a:schemeClr val="accent2"/>
+          </a:solidFill>
+          <a:ln>
+            <a:solidFill>
+              <a:schemeClr val="tx1"/>
+            </a:solidFill>
+          </a:ln>
+        </p:spPr>
+        <p:style>
+          <a:lnRef idx="2">
+            <a:schemeClr val="accent1">
+              <a:shade val="50000"/>
+            </a:schemeClr>
+          </a:lnRef>
+          <a:fillRef idx="1">
+            <a:schemeClr val="accent1"/>
+          </a:fillRef>
+          <a:effectRef idx="0">
+            <a:schemeClr val="accent1"/>
+          </a:effectRef>
+          <a:fontRef idx="minor">
+            <a:schemeClr val="lt1"/>
+          </a:fontRef>
+        </p:style>
+        <p:txBody>
+          <a:bodyPr rtlCol="0" anchor="ctr"/>
+          <a:lstStyle/>
+          <a:p>
+            <a:pPr algn="ctr"/>
+            <a:endParaRPr lang="en-GB"/>
+          </a:p>
+        </p:txBody>
+      </p:sp>
+      <p:sp>
+        <p:nvSpPr>
+          <p:cNvPr id="5" name="TextBox 4">
+            <a:hlinkClick r:id="rId2" action="ppaction://hlinksldjump"/>
+            <a:extLst>
+              <a:ext uri="{FF2B5EF4-FFF2-40B4-BE49-F238E27FC236}">
+                <a16:creationId xmlns:a16="http://schemas.microsoft.com/office/drawing/2014/main" id="{0E6C1E09-E200-4565-9509-244D8227F582}"/>
+              </a:ext>
+            </a:extLst>
+          </p:cNvPr>
+          <p:cNvSpPr txBox="1"/>
+          <p:nvPr/>
+        </p:nvSpPr>
+        <p:spPr>
+          <a:xfrm>
+            <a:off x="4746405" y="10155945"/>
+            <a:ext cx="1993692" cy="584775"/>
+          </a:xfrm>
+          <a:prstGeom prst="rect">
+            <a:avLst/>
+          </a:prstGeom>
+          <a:noFill/>
+        </p:spPr>
+        <p:txBody>
+          <a:bodyPr wrap="square" rtlCol="0">
+            <a:spAutoFit/>
+          </a:bodyPr>
+          <a:lstStyle/>
+          <a:p>
+            <a:pPr algn="ctr"/>
+            <a:r>
+              <a:rPr lang="en-GB" sz="3200" dirty="0"/>
+              <a:t>Next</a:t>
+            </a:r>
+          </a:p>
+        </p:txBody>
+      </p:sp>
+      <p:sp>
+        <p:nvSpPr>
+          <p:cNvPr id="6" name="Rectangle 5">
+            <a:hlinkClick r:id="rId3" action="ppaction://hlinksldjump"/>
+            <a:extLst>
+              <a:ext uri="{FF2B5EF4-FFF2-40B4-BE49-F238E27FC236}">
+                <a16:creationId xmlns:a16="http://schemas.microsoft.com/office/drawing/2014/main" id="{46E36EA6-338C-4298-8CE2-65E33E9D8DB7}"/>
+              </a:ext>
+            </a:extLst>
+          </p:cNvPr>
+          <p:cNvSpPr/>
+          <p:nvPr/>
+        </p:nvSpPr>
+        <p:spPr>
+          <a:xfrm>
+            <a:off x="0" y="10073390"/>
+            <a:ext cx="2912126" cy="749887"/>
+          </a:xfrm>
+          <a:prstGeom prst="rect">
+            <a:avLst/>
+          </a:prstGeom>
+          <a:solidFill>
+            <a:schemeClr val="accent2"/>
+          </a:solidFill>
+          <a:ln>
+            <a:solidFill>
+              <a:schemeClr val="tx1"/>
+            </a:solidFill>
+          </a:ln>
+        </p:spPr>
+        <p:style>
+          <a:lnRef idx="2">
+            <a:schemeClr val="accent1">
+              <a:shade val="50000"/>
+            </a:schemeClr>
+          </a:lnRef>
+          <a:fillRef idx="1">
+            <a:schemeClr val="accent1"/>
+          </a:fillRef>
+          <a:effectRef idx="0">
+            <a:schemeClr val="accent1"/>
+          </a:effectRef>
+          <a:fontRef idx="minor">
+            <a:schemeClr val="lt1"/>
+          </a:fontRef>
+        </p:style>
+        <p:txBody>
+          <a:bodyPr rtlCol="0" anchor="ctr"/>
+          <a:lstStyle/>
+          <a:p>
+            <a:pPr algn="ctr"/>
+            <a:endParaRPr lang="en-GB"/>
+          </a:p>
+        </p:txBody>
+      </p:sp>
+      <p:sp>
+        <p:nvSpPr>
+          <p:cNvPr id="7" name="TextBox 6">
+            <a:hlinkClick r:id="rId3" action="ppaction://hlinksldjump"/>
+            <a:extLst>
+              <a:ext uri="{FF2B5EF4-FFF2-40B4-BE49-F238E27FC236}">
+                <a16:creationId xmlns:a16="http://schemas.microsoft.com/office/drawing/2014/main" id="{DDE772DE-1E43-4885-84A1-904F576C0909}"/>
+              </a:ext>
+            </a:extLst>
+          </p:cNvPr>
+          <p:cNvSpPr txBox="1"/>
+          <p:nvPr/>
+        </p:nvSpPr>
+        <p:spPr>
+          <a:xfrm>
+            <a:off x="417807" y="10099747"/>
+            <a:ext cx="1993692" cy="584775"/>
+          </a:xfrm>
+          <a:prstGeom prst="rect">
+            <a:avLst/>
+          </a:prstGeom>
+          <a:noFill/>
+        </p:spPr>
+        <p:txBody>
+          <a:bodyPr wrap="square" rtlCol="0">
+            <a:spAutoFit/>
+          </a:bodyPr>
+          <a:lstStyle/>
+          <a:p>
+            <a:pPr algn="ctr"/>
+            <a:r>
+              <a:rPr lang="en-GB" sz="3200" dirty="0"/>
+              <a:t>Back</a:t>
+            </a:r>
+          </a:p>
+        </p:txBody>
+      </p:sp>
+      <p:sp>
+        <p:nvSpPr>
+          <p:cNvPr id="8" name="TextBox 7">
+            <a:extLst>
+              <a:ext uri="{FF2B5EF4-FFF2-40B4-BE49-F238E27FC236}">
+                <a16:creationId xmlns:a16="http://schemas.microsoft.com/office/drawing/2014/main" id="{73901D70-9AEA-4B32-AE4B-6248552F6830}"/>
+              </a:ext>
+            </a:extLst>
+          </p:cNvPr>
+          <p:cNvSpPr txBox="1"/>
+          <p:nvPr/>
+        </p:nvSpPr>
+        <p:spPr>
+          <a:xfrm>
+            <a:off x="768533" y="187361"/>
+            <a:ext cx="5673777" cy="646331"/>
+          </a:xfrm>
+          <a:prstGeom prst="rect">
+            <a:avLst/>
+          </a:prstGeom>
+          <a:noFill/>
+        </p:spPr>
+        <p:txBody>
+          <a:bodyPr wrap="square" rtlCol="0">
+            <a:spAutoFit/>
+          </a:bodyPr>
+          <a:lstStyle/>
+          <a:p>
+            <a:pPr algn="ctr"/>
+            <a:r>
+              <a:rPr lang="en-GB" sz="3600" dirty="0">
+                <a:latin typeface="Aharoni" panose="02010803020104030203" pitchFamily="2" charset="-79"/>
+                <a:cs typeface="Aharoni" panose="02010803020104030203" pitchFamily="2" charset="-79"/>
+              </a:rPr>
+              <a:t>Rate your day</a:t>
+            </a:r>
+          </a:p>
+        </p:txBody>
+      </p:sp>
+      <p:sp>
+        <p:nvSpPr>
+          <p:cNvPr id="9" name="Rectangle 8">
+            <a:extLst>
+              <a:ext uri="{FF2B5EF4-FFF2-40B4-BE49-F238E27FC236}">
+                <a16:creationId xmlns:a16="http://schemas.microsoft.com/office/drawing/2014/main" id="{2474381D-02E3-453B-B1D8-F5C915F844B4}"/>
+              </a:ext>
+            </a:extLst>
+          </p:cNvPr>
+          <p:cNvSpPr/>
+          <p:nvPr/>
+        </p:nvSpPr>
+        <p:spPr>
+          <a:xfrm>
+            <a:off x="562604" y="2061140"/>
             <a:ext cx="5954183" cy="1806322"/>
           </a:xfrm>
           <a:prstGeom prst="rect">
@@ -3984,10 +4388,10 @@
       </p:sp>
       <p:sp>
         <p:nvSpPr>
-          <p:cNvPr id="16" name="Oval 15">
-            <a:extLst>
-              <a:ext uri="{FF2B5EF4-FFF2-40B4-BE49-F238E27FC236}">
-                <a16:creationId xmlns:a16="http://schemas.microsoft.com/office/drawing/2014/main" id="{E5279A27-CFAB-4C00-A93A-7B903A566B51}"/>
+          <p:cNvPr id="10" name="Oval 9">
+            <a:extLst>
+              <a:ext uri="{FF2B5EF4-FFF2-40B4-BE49-F238E27FC236}">
+                <a16:creationId xmlns:a16="http://schemas.microsoft.com/office/drawing/2014/main" id="{ACC5DF2D-0849-44C6-9FAB-DE729CAE58DA}"/>
               </a:ext>
             </a:extLst>
           </p:cNvPr>
@@ -3996,7 +4400,7 @@
         </p:nvSpPr>
         <p:spPr>
           <a:xfrm>
-            <a:off x="622564" y="1768838"/>
+            <a:off x="562604" y="2870615"/>
             <a:ext cx="900000" cy="900000"/>
           </a:xfrm>
           <a:prstGeom prst="ellipse">
@@ -4030,10 +4434,10 @@
       </p:sp>
       <p:sp>
         <p:nvSpPr>
-          <p:cNvPr id="17" name="Oval 16">
-            <a:extLst>
-              <a:ext uri="{FF2B5EF4-FFF2-40B4-BE49-F238E27FC236}">
-                <a16:creationId xmlns:a16="http://schemas.microsoft.com/office/drawing/2014/main" id="{DCD66515-5226-424A-9EA0-F6228E9192C8}"/>
+          <p:cNvPr id="11" name="Oval 10">
+            <a:extLst>
+              <a:ext uri="{FF2B5EF4-FFF2-40B4-BE49-F238E27FC236}">
+                <a16:creationId xmlns:a16="http://schemas.microsoft.com/office/drawing/2014/main" id="{A0E6E1F0-E39E-41B8-8D93-09F52EE764AF}"/>
               </a:ext>
             </a:extLst>
           </p:cNvPr>
@@ -4042,7 +4446,7 @@
         </p:nvSpPr>
         <p:spPr>
           <a:xfrm>
-            <a:off x="5676747" y="1768838"/>
+            <a:off x="5616787" y="2870615"/>
             <a:ext cx="900000" cy="900000"/>
           </a:xfrm>
           <a:prstGeom prst="ellipse">
@@ -4076,22 +4480,22 @@
       </p:sp>
       <p:cxnSp>
         <p:nvCxnSpPr>
-          <p:cNvPr id="18" name="Straight Connector 17">
-            <a:extLst>
-              <a:ext uri="{FF2B5EF4-FFF2-40B4-BE49-F238E27FC236}">
-                <a16:creationId xmlns:a16="http://schemas.microsoft.com/office/drawing/2014/main" id="{4F2D94E2-4F57-4E01-8BE8-0EFE89A25D09}"/>
+          <p:cNvPr id="12" name="Straight Connector 11">
+            <a:extLst>
+              <a:ext uri="{FF2B5EF4-FFF2-40B4-BE49-F238E27FC236}">
+                <a16:creationId xmlns:a16="http://schemas.microsoft.com/office/drawing/2014/main" id="{17666080-F42B-49D3-A012-4FA3710F2A61}"/>
               </a:ext>
             </a:extLst>
           </p:cNvPr>
           <p:cNvCxnSpPr>
-            <a:stCxn id="16" idx="6"/>
-            <a:endCxn id="17" idx="2"/>
+            <a:stCxn id="10" idx="6"/>
+            <a:endCxn id="11" idx="2"/>
           </p:cNvCxnSpPr>
           <p:nvPr/>
         </p:nvCxnSpPr>
         <p:spPr>
           <a:xfrm>
-            <a:off x="1522564" y="2218838"/>
+            <a:off x="1462604" y="3320615"/>
             <a:ext cx="4154183" cy="0"/>
           </a:xfrm>
           <a:prstGeom prst="line">
@@ -4120,10 +4524,10 @@
       </p:cxnSp>
       <p:cxnSp>
         <p:nvCxnSpPr>
-          <p:cNvPr id="19" name="Straight Connector 18">
-            <a:extLst>
-              <a:ext uri="{FF2B5EF4-FFF2-40B4-BE49-F238E27FC236}">
-                <a16:creationId xmlns:a16="http://schemas.microsoft.com/office/drawing/2014/main" id="{7A7496F2-F976-45EC-914A-05A6D4182F7D}"/>
+          <p:cNvPr id="13" name="Straight Connector 12">
+            <a:extLst>
+              <a:ext uri="{FF2B5EF4-FFF2-40B4-BE49-F238E27FC236}">
+                <a16:creationId xmlns:a16="http://schemas.microsoft.com/office/drawing/2014/main" id="{5586A1BE-856A-481D-9837-E6635BB3D6C2}"/>
               </a:ext>
             </a:extLst>
           </p:cNvPr>
@@ -4134,7 +4538,7 @@
         </p:nvCxnSpPr>
         <p:spPr>
           <a:xfrm>
-            <a:off x="2016650" y="1937772"/>
+            <a:off x="1956690" y="3039549"/>
             <a:ext cx="0" cy="562131"/>
           </a:xfrm>
           <a:prstGeom prst="line">
@@ -4163,10 +4567,10 @@
       </p:cxnSp>
       <p:cxnSp>
         <p:nvCxnSpPr>
-          <p:cNvPr id="20" name="Straight Connector 19">
-            <a:extLst>
-              <a:ext uri="{FF2B5EF4-FFF2-40B4-BE49-F238E27FC236}">
-                <a16:creationId xmlns:a16="http://schemas.microsoft.com/office/drawing/2014/main" id="{0E04D869-E34C-4AA7-BEE3-9603B2B61E16}"/>
+          <p:cNvPr id="14" name="Straight Connector 13">
+            <a:extLst>
+              <a:ext uri="{FF2B5EF4-FFF2-40B4-BE49-F238E27FC236}">
+                <a16:creationId xmlns:a16="http://schemas.microsoft.com/office/drawing/2014/main" id="{277B77EC-2B23-4D54-BF12-736E9D011C8D}"/>
               </a:ext>
             </a:extLst>
           </p:cNvPr>
@@ -4177,7 +4581,7 @@
         </p:nvCxnSpPr>
         <p:spPr>
           <a:xfrm>
-            <a:off x="5182073" y="1925574"/>
+            <a:off x="5122113" y="3027351"/>
             <a:ext cx="0" cy="562131"/>
           </a:xfrm>
           <a:prstGeom prst="line">
@@ -4206,10 +4610,10 @@
       </p:cxnSp>
       <p:cxnSp>
         <p:nvCxnSpPr>
-          <p:cNvPr id="21" name="Straight Connector 20">
-            <a:extLst>
-              <a:ext uri="{FF2B5EF4-FFF2-40B4-BE49-F238E27FC236}">
-                <a16:creationId xmlns:a16="http://schemas.microsoft.com/office/drawing/2014/main" id="{7BA43706-9F53-4BA5-9AAD-F9A861DCDFF1}"/>
+          <p:cNvPr id="15" name="Straight Connector 14">
+            <a:extLst>
+              <a:ext uri="{FF2B5EF4-FFF2-40B4-BE49-F238E27FC236}">
+                <a16:creationId xmlns:a16="http://schemas.microsoft.com/office/drawing/2014/main" id="{D2241809-AEC2-48D2-831C-6B4A77D37225}"/>
               </a:ext>
             </a:extLst>
           </p:cNvPr>
@@ -4220,7 +4624,7 @@
         </p:nvCxnSpPr>
         <p:spPr>
           <a:xfrm>
-            <a:off x="4412578" y="1925573"/>
+            <a:off x="4352618" y="3027350"/>
             <a:ext cx="0" cy="562131"/>
           </a:xfrm>
           <a:prstGeom prst="line">
@@ -4249,10 +4653,10 @@
       </p:cxnSp>
       <p:cxnSp>
         <p:nvCxnSpPr>
-          <p:cNvPr id="22" name="Straight Connector 21">
-            <a:extLst>
-              <a:ext uri="{FF2B5EF4-FFF2-40B4-BE49-F238E27FC236}">
-                <a16:creationId xmlns:a16="http://schemas.microsoft.com/office/drawing/2014/main" id="{4C6EFD07-221B-403A-AB8E-93DC73C87D45}"/>
+          <p:cNvPr id="16" name="Straight Connector 15">
+            <a:extLst>
+              <a:ext uri="{FF2B5EF4-FFF2-40B4-BE49-F238E27FC236}">
+                <a16:creationId xmlns:a16="http://schemas.microsoft.com/office/drawing/2014/main" id="{A9927521-A3CE-455B-94CA-E993D6FFFF49}"/>
               </a:ext>
             </a:extLst>
           </p:cNvPr>
@@ -4263,7 +4667,7 @@
         </p:nvCxnSpPr>
         <p:spPr>
           <a:xfrm>
-            <a:off x="2726185" y="1908672"/>
+            <a:off x="2666225" y="3010449"/>
             <a:ext cx="0" cy="562131"/>
           </a:xfrm>
           <a:prstGeom prst="line">
@@ -4292,10 +4696,10 @@
       </p:cxnSp>
       <p:cxnSp>
         <p:nvCxnSpPr>
-          <p:cNvPr id="23" name="Straight Connector 22">
-            <a:extLst>
-              <a:ext uri="{FF2B5EF4-FFF2-40B4-BE49-F238E27FC236}">
-                <a16:creationId xmlns:a16="http://schemas.microsoft.com/office/drawing/2014/main" id="{277787F9-E4E2-4FF8-B50D-98B682F9DFB0}"/>
+          <p:cNvPr id="17" name="Straight Connector 16">
+            <a:extLst>
+              <a:ext uri="{FF2B5EF4-FFF2-40B4-BE49-F238E27FC236}">
+                <a16:creationId xmlns:a16="http://schemas.microsoft.com/office/drawing/2014/main" id="{130336F4-AFF5-4EE9-81C3-7E2EB73A035D}"/>
               </a:ext>
             </a:extLst>
           </p:cNvPr>
@@ -4306,7 +4710,7 @@
         </p:nvCxnSpPr>
         <p:spPr>
           <a:xfrm>
-            <a:off x="3555158" y="1925572"/>
+            <a:off x="3495198" y="3027349"/>
             <a:ext cx="0" cy="562131"/>
           </a:xfrm>
           <a:prstGeom prst="line">
@@ -4335,10 +4739,10 @@
       </p:cxnSp>
       <p:sp>
         <p:nvSpPr>
-          <p:cNvPr id="24" name="Arrow: Right 23">
-            <a:extLst>
-              <a:ext uri="{FF2B5EF4-FFF2-40B4-BE49-F238E27FC236}">
-                <a16:creationId xmlns:a16="http://schemas.microsoft.com/office/drawing/2014/main" id="{B26046E6-2C19-45A2-8944-82CE595BFC83}"/>
+          <p:cNvPr id="18" name="Arrow: Right 17">
+            <a:extLst>
+              <a:ext uri="{FF2B5EF4-FFF2-40B4-BE49-F238E27FC236}">
+                <a16:creationId xmlns:a16="http://schemas.microsoft.com/office/drawing/2014/main" id="{75AC8047-BCB9-48A2-AE66-EFD39F3FC16A}"/>
               </a:ext>
             </a:extLst>
           </p:cNvPr>
@@ -4347,7 +4751,7 @@
         </p:nvSpPr>
         <p:spPr>
           <a:xfrm rot="5400000">
-            <a:off x="3265830" y="1611667"/>
+            <a:off x="3205870" y="2713444"/>
             <a:ext cx="569621" cy="539642"/>
           </a:xfrm>
           <a:prstGeom prst="rightArrow">
@@ -4392,10 +4796,10 @@
       </p:sp>
       <p:sp>
         <p:nvSpPr>
-          <p:cNvPr id="80" name="TextBox 79">
-            <a:extLst>
-              <a:ext uri="{FF2B5EF4-FFF2-40B4-BE49-F238E27FC236}">
-                <a16:creationId xmlns:a16="http://schemas.microsoft.com/office/drawing/2014/main" id="{F4B84738-39F5-4B30-95F3-9F7B10CC74C2}"/>
+          <p:cNvPr id="19" name="TextBox 18">
+            <a:extLst>
+              <a:ext uri="{FF2B5EF4-FFF2-40B4-BE49-F238E27FC236}">
+                <a16:creationId xmlns:a16="http://schemas.microsoft.com/office/drawing/2014/main" id="{79753204-3B88-4A9B-AC7D-5501E11D72D9}"/>
               </a:ext>
             </a:extLst>
           </p:cNvPr>
@@ -4404,7 +4808,7 @@
         </p:nvSpPr>
         <p:spPr>
           <a:xfrm>
-            <a:off x="1522568" y="959363"/>
+            <a:off x="1462608" y="2061140"/>
             <a:ext cx="4154179" cy="584775"/>
           </a:xfrm>
           <a:prstGeom prst="rect">
@@ -4424,17 +4828,17 @@
                 <a:latin typeface="Aharoni" panose="02010803020104030203" pitchFamily="2" charset="-79"/>
                 <a:cs typeface="Aharoni" panose="02010803020104030203" pitchFamily="2" charset="-79"/>
               </a:rPr>
-              <a:t>Sleep</a:t>
-            </a:r>
-          </a:p>
-        </p:txBody>
-      </p:sp>
-      <p:sp>
-        <p:nvSpPr>
-          <p:cNvPr id="82" name="Rectangle 81">
-            <a:extLst>
-              <a:ext uri="{FF2B5EF4-FFF2-40B4-BE49-F238E27FC236}">
-                <a16:creationId xmlns:a16="http://schemas.microsoft.com/office/drawing/2014/main" id="{F717FB9A-6DDA-494F-A429-B4A96023F2B8}"/>
+              <a:t>Happiness</a:t>
+            </a:r>
+          </a:p>
+        </p:txBody>
+      </p:sp>
+      <p:sp>
+        <p:nvSpPr>
+          <p:cNvPr id="20" name="Rectangle 19">
+            <a:extLst>
+              <a:ext uri="{FF2B5EF4-FFF2-40B4-BE49-F238E27FC236}">
+                <a16:creationId xmlns:a16="http://schemas.microsoft.com/office/drawing/2014/main" id="{2EA90CF2-EE84-44FD-B2B5-332B5D9FF6F8}"/>
               </a:ext>
             </a:extLst>
           </p:cNvPr>
@@ -4443,7 +4847,7 @@
         </p:nvSpPr>
         <p:spPr>
           <a:xfrm>
-            <a:off x="622564" y="2775602"/>
+            <a:off x="562600" y="4861155"/>
             <a:ext cx="5954183" cy="1806322"/>
           </a:xfrm>
           <a:prstGeom prst="rect">
@@ -4485,10 +4889,10 @@
       </p:sp>
       <p:sp>
         <p:nvSpPr>
-          <p:cNvPr id="83" name="Oval 82">
-            <a:extLst>
-              <a:ext uri="{FF2B5EF4-FFF2-40B4-BE49-F238E27FC236}">
-                <a16:creationId xmlns:a16="http://schemas.microsoft.com/office/drawing/2014/main" id="{ECD5818C-C8F0-43C0-B54A-F2769864F874}"/>
+          <p:cNvPr id="21" name="Oval 20">
+            <a:extLst>
+              <a:ext uri="{FF2B5EF4-FFF2-40B4-BE49-F238E27FC236}">
+                <a16:creationId xmlns:a16="http://schemas.microsoft.com/office/drawing/2014/main" id="{83908903-5D63-45CB-B2E8-6DE8FDFE8331}"/>
               </a:ext>
             </a:extLst>
           </p:cNvPr>
@@ -4497,7 +4901,7 @@
         </p:nvSpPr>
         <p:spPr>
           <a:xfrm>
-            <a:off x="622564" y="3585077"/>
+            <a:off x="562600" y="5670630"/>
             <a:ext cx="900000" cy="900000"/>
           </a:xfrm>
           <a:prstGeom prst="ellipse">
@@ -4531,10 +4935,10 @@
       </p:sp>
       <p:sp>
         <p:nvSpPr>
-          <p:cNvPr id="84" name="Oval 83">
-            <a:extLst>
-              <a:ext uri="{FF2B5EF4-FFF2-40B4-BE49-F238E27FC236}">
-                <a16:creationId xmlns:a16="http://schemas.microsoft.com/office/drawing/2014/main" id="{EA2ECEDE-75D2-44BE-8C8A-01968D77880A}"/>
+          <p:cNvPr id="22" name="Oval 21">
+            <a:extLst>
+              <a:ext uri="{FF2B5EF4-FFF2-40B4-BE49-F238E27FC236}">
+                <a16:creationId xmlns:a16="http://schemas.microsoft.com/office/drawing/2014/main" id="{DE2F678F-B8CA-4FE3-94FE-A95F62DA940F}"/>
               </a:ext>
             </a:extLst>
           </p:cNvPr>
@@ -4543,7 +4947,7 @@
         </p:nvSpPr>
         <p:spPr>
           <a:xfrm>
-            <a:off x="5676747" y="3585077"/>
+            <a:off x="5616783" y="5670630"/>
             <a:ext cx="900000" cy="900000"/>
           </a:xfrm>
           <a:prstGeom prst="ellipse">
@@ -4577,22 +4981,22 @@
       </p:sp>
       <p:cxnSp>
         <p:nvCxnSpPr>
-          <p:cNvPr id="85" name="Straight Connector 84">
-            <a:extLst>
-              <a:ext uri="{FF2B5EF4-FFF2-40B4-BE49-F238E27FC236}">
-                <a16:creationId xmlns:a16="http://schemas.microsoft.com/office/drawing/2014/main" id="{40CFFDF8-B8E5-436D-A9D3-AF46AC862B98}"/>
+          <p:cNvPr id="23" name="Straight Connector 22">
+            <a:extLst>
+              <a:ext uri="{FF2B5EF4-FFF2-40B4-BE49-F238E27FC236}">
+                <a16:creationId xmlns:a16="http://schemas.microsoft.com/office/drawing/2014/main" id="{9F30BDAF-1314-43E4-B9CB-8C34C2D789EA}"/>
               </a:ext>
             </a:extLst>
           </p:cNvPr>
           <p:cNvCxnSpPr>
-            <a:stCxn id="83" idx="6"/>
-            <a:endCxn id="84" idx="2"/>
+            <a:stCxn id="21" idx="6"/>
+            <a:endCxn id="22" idx="2"/>
           </p:cNvCxnSpPr>
           <p:nvPr/>
         </p:nvCxnSpPr>
         <p:spPr>
           <a:xfrm>
-            <a:off x="1522564" y="4035077"/>
+            <a:off x="1462600" y="6120630"/>
             <a:ext cx="4154183" cy="0"/>
           </a:xfrm>
           <a:prstGeom prst="line">
@@ -4621,10 +5025,10 @@
       </p:cxnSp>
       <p:cxnSp>
         <p:nvCxnSpPr>
-          <p:cNvPr id="86" name="Straight Connector 85">
-            <a:extLst>
-              <a:ext uri="{FF2B5EF4-FFF2-40B4-BE49-F238E27FC236}">
-                <a16:creationId xmlns:a16="http://schemas.microsoft.com/office/drawing/2014/main" id="{75EAE935-D2C4-4196-AA09-D7C0A4751496}"/>
+          <p:cNvPr id="24" name="Straight Connector 23">
+            <a:extLst>
+              <a:ext uri="{FF2B5EF4-FFF2-40B4-BE49-F238E27FC236}">
+                <a16:creationId xmlns:a16="http://schemas.microsoft.com/office/drawing/2014/main" id="{AFF48A94-384D-40A7-BAAE-536D45F0B1E3}"/>
               </a:ext>
             </a:extLst>
           </p:cNvPr>
@@ -4635,7 +5039,7 @@
         </p:nvCxnSpPr>
         <p:spPr>
           <a:xfrm>
-            <a:off x="2016650" y="3754011"/>
+            <a:off x="1956686" y="5839564"/>
             <a:ext cx="0" cy="562131"/>
           </a:xfrm>
           <a:prstGeom prst="line">
@@ -4664,10 +5068,10 @@
       </p:cxnSp>
       <p:cxnSp>
         <p:nvCxnSpPr>
-          <p:cNvPr id="87" name="Straight Connector 86">
-            <a:extLst>
-              <a:ext uri="{FF2B5EF4-FFF2-40B4-BE49-F238E27FC236}">
-                <a16:creationId xmlns:a16="http://schemas.microsoft.com/office/drawing/2014/main" id="{C4D03FC2-F9A3-4A94-A147-823AB019068C}"/>
+          <p:cNvPr id="25" name="Straight Connector 24">
+            <a:extLst>
+              <a:ext uri="{FF2B5EF4-FFF2-40B4-BE49-F238E27FC236}">
+                <a16:creationId xmlns:a16="http://schemas.microsoft.com/office/drawing/2014/main" id="{1E5CB0F9-7185-4F58-9314-BE10164C40D8}"/>
               </a:ext>
             </a:extLst>
           </p:cNvPr>
@@ -4678,7 +5082,7 @@
         </p:nvCxnSpPr>
         <p:spPr>
           <a:xfrm>
-            <a:off x="5182073" y="3741813"/>
+            <a:off x="5122109" y="5827366"/>
             <a:ext cx="0" cy="562131"/>
           </a:xfrm>
           <a:prstGeom prst="line">
@@ -4707,10 +5111,10 @@
       </p:cxnSp>
       <p:cxnSp>
         <p:nvCxnSpPr>
-          <p:cNvPr id="88" name="Straight Connector 87">
-            <a:extLst>
-              <a:ext uri="{FF2B5EF4-FFF2-40B4-BE49-F238E27FC236}">
-                <a16:creationId xmlns:a16="http://schemas.microsoft.com/office/drawing/2014/main" id="{AEB7FFD4-57E1-4EE3-A083-F5F26F7CEC10}"/>
+          <p:cNvPr id="26" name="Straight Connector 25">
+            <a:extLst>
+              <a:ext uri="{FF2B5EF4-FFF2-40B4-BE49-F238E27FC236}">
+                <a16:creationId xmlns:a16="http://schemas.microsoft.com/office/drawing/2014/main" id="{F03A9F54-820B-49E5-9562-CD30AF010FE8}"/>
               </a:ext>
             </a:extLst>
           </p:cNvPr>
@@ -4721,7 +5125,7 @@
         </p:nvCxnSpPr>
         <p:spPr>
           <a:xfrm>
-            <a:off x="4412578" y="3741812"/>
+            <a:off x="4352614" y="5827365"/>
             <a:ext cx="0" cy="562131"/>
           </a:xfrm>
           <a:prstGeom prst="line">
@@ -4750,10 +5154,10 @@
       </p:cxnSp>
       <p:cxnSp>
         <p:nvCxnSpPr>
-          <p:cNvPr id="89" name="Straight Connector 88">
-            <a:extLst>
-              <a:ext uri="{FF2B5EF4-FFF2-40B4-BE49-F238E27FC236}">
-                <a16:creationId xmlns:a16="http://schemas.microsoft.com/office/drawing/2014/main" id="{62067EA3-D0CC-4CB2-AA52-579339FB9F9D}"/>
+          <p:cNvPr id="27" name="Straight Connector 26">
+            <a:extLst>
+              <a:ext uri="{FF2B5EF4-FFF2-40B4-BE49-F238E27FC236}">
+                <a16:creationId xmlns:a16="http://schemas.microsoft.com/office/drawing/2014/main" id="{D2790943-FBAE-4840-A962-303D28E12DE1}"/>
               </a:ext>
             </a:extLst>
           </p:cNvPr>
@@ -4764,7 +5168,7 @@
         </p:nvCxnSpPr>
         <p:spPr>
           <a:xfrm>
-            <a:off x="2726185" y="3724911"/>
+            <a:off x="2666221" y="5810464"/>
             <a:ext cx="0" cy="562131"/>
           </a:xfrm>
           <a:prstGeom prst="line">
@@ -4793,10 +5197,10 @@
       </p:cxnSp>
       <p:cxnSp>
         <p:nvCxnSpPr>
-          <p:cNvPr id="90" name="Straight Connector 89">
-            <a:extLst>
-              <a:ext uri="{FF2B5EF4-FFF2-40B4-BE49-F238E27FC236}">
-                <a16:creationId xmlns:a16="http://schemas.microsoft.com/office/drawing/2014/main" id="{9DD4A87B-BF12-4E3F-A19F-A3B4079AFE7A}"/>
+          <p:cNvPr id="28" name="Straight Connector 27">
+            <a:extLst>
+              <a:ext uri="{FF2B5EF4-FFF2-40B4-BE49-F238E27FC236}">
+                <a16:creationId xmlns:a16="http://schemas.microsoft.com/office/drawing/2014/main" id="{953B744A-81FC-4ED0-A64D-866CC5812D16}"/>
               </a:ext>
             </a:extLst>
           </p:cNvPr>
@@ -4807,7 +5211,7 @@
         </p:nvCxnSpPr>
         <p:spPr>
           <a:xfrm>
-            <a:off x="3555158" y="3741811"/>
+            <a:off x="3495194" y="5827364"/>
             <a:ext cx="0" cy="562131"/>
           </a:xfrm>
           <a:prstGeom prst="line">
@@ -4836,10 +5240,10 @@
       </p:cxnSp>
       <p:sp>
         <p:nvSpPr>
-          <p:cNvPr id="91" name="Arrow: Right 90">
-            <a:extLst>
-              <a:ext uri="{FF2B5EF4-FFF2-40B4-BE49-F238E27FC236}">
-                <a16:creationId xmlns:a16="http://schemas.microsoft.com/office/drawing/2014/main" id="{29401ABB-E2E2-4581-A2EB-5B2F8A1C5B88}"/>
+          <p:cNvPr id="29" name="Arrow: Right 28">
+            <a:extLst>
+              <a:ext uri="{FF2B5EF4-FFF2-40B4-BE49-F238E27FC236}">
+                <a16:creationId xmlns:a16="http://schemas.microsoft.com/office/drawing/2014/main" id="{1AC99BC4-49E9-49B0-8D20-AD984F8C0F51}"/>
               </a:ext>
             </a:extLst>
           </p:cNvPr>
@@ -4848,7 +5252,7 @@
         </p:nvSpPr>
         <p:spPr>
           <a:xfrm rot="5400000">
-            <a:off x="3265830" y="3427906"/>
+            <a:off x="3205866" y="5513459"/>
             <a:ext cx="569621" cy="539642"/>
           </a:xfrm>
           <a:prstGeom prst="rightArrow">
@@ -4893,10 +5297,10 @@
       </p:sp>
       <p:sp>
         <p:nvSpPr>
-          <p:cNvPr id="92" name="TextBox 91">
-            <a:extLst>
-              <a:ext uri="{FF2B5EF4-FFF2-40B4-BE49-F238E27FC236}">
-                <a16:creationId xmlns:a16="http://schemas.microsoft.com/office/drawing/2014/main" id="{442407C1-9418-4923-9F6D-FF4A9841F1A1}"/>
+          <p:cNvPr id="30" name="TextBox 29">
+            <a:extLst>
+              <a:ext uri="{FF2B5EF4-FFF2-40B4-BE49-F238E27FC236}">
+                <a16:creationId xmlns:a16="http://schemas.microsoft.com/office/drawing/2014/main" id="{D045F8F9-A7F4-4622-940B-6D06F6D7D495}"/>
               </a:ext>
             </a:extLst>
           </p:cNvPr>
@@ -4905,7 +5309,7 @@
         </p:nvSpPr>
         <p:spPr>
           <a:xfrm>
-            <a:off x="1522568" y="2775602"/>
+            <a:off x="1462604" y="4861155"/>
             <a:ext cx="4154179" cy="584775"/>
           </a:xfrm>
           <a:prstGeom prst="rect">
@@ -4925,1729 +5329,7 @@
                 <a:latin typeface="Aharoni" panose="02010803020104030203" pitchFamily="2" charset="-79"/>
                 <a:cs typeface="Aharoni" panose="02010803020104030203" pitchFamily="2" charset="-79"/>
               </a:rPr>
-              <a:t>Sleep</a:t>
-            </a:r>
-          </a:p>
-        </p:txBody>
-      </p:sp>
-      <p:sp>
-        <p:nvSpPr>
-          <p:cNvPr id="93" name="Rectangle 92">
-            <a:extLst>
-              <a:ext uri="{FF2B5EF4-FFF2-40B4-BE49-F238E27FC236}">
-                <a16:creationId xmlns:a16="http://schemas.microsoft.com/office/drawing/2014/main" id="{96AFF58B-8CC6-4FFF-8B0B-B3622D2C9A7B}"/>
-              </a:ext>
-            </a:extLst>
-          </p:cNvPr>
-          <p:cNvSpPr/>
-          <p:nvPr/>
-        </p:nvSpPr>
-        <p:spPr>
-          <a:xfrm>
-            <a:off x="622564" y="4575002"/>
-            <a:ext cx="5954183" cy="1806322"/>
-          </a:xfrm>
-          <a:prstGeom prst="rect">
-            <a:avLst/>
-          </a:prstGeom>
-          <a:solidFill>
-            <a:schemeClr val="bg1"/>
-          </a:solidFill>
-          <a:ln>
-            <a:solidFill>
-              <a:schemeClr val="tx1"/>
-            </a:solidFill>
-          </a:ln>
-        </p:spPr>
-        <p:style>
-          <a:lnRef idx="2">
-            <a:schemeClr val="accent1">
-              <a:shade val="50000"/>
-            </a:schemeClr>
-          </a:lnRef>
-          <a:fillRef idx="1">
-            <a:schemeClr val="accent1"/>
-          </a:fillRef>
-          <a:effectRef idx="0">
-            <a:schemeClr val="accent1"/>
-          </a:effectRef>
-          <a:fontRef idx="minor">
-            <a:schemeClr val="lt1"/>
-          </a:fontRef>
-        </p:style>
-        <p:txBody>
-          <a:bodyPr rtlCol="0" anchor="ctr"/>
-          <a:lstStyle/>
-          <a:p>
-            <a:pPr algn="ctr"/>
-            <a:endParaRPr lang="en-GB"/>
-          </a:p>
-        </p:txBody>
-      </p:sp>
-      <p:sp>
-        <p:nvSpPr>
-          <p:cNvPr id="94" name="Oval 93">
-            <a:extLst>
-              <a:ext uri="{FF2B5EF4-FFF2-40B4-BE49-F238E27FC236}">
-                <a16:creationId xmlns:a16="http://schemas.microsoft.com/office/drawing/2014/main" id="{DEC2B640-874E-4187-BAD2-AD6BCE44021B}"/>
-              </a:ext>
-            </a:extLst>
-          </p:cNvPr>
-          <p:cNvSpPr/>
-          <p:nvPr/>
-        </p:nvSpPr>
-        <p:spPr>
-          <a:xfrm>
-            <a:off x="622564" y="5384477"/>
-            <a:ext cx="900000" cy="900000"/>
-          </a:xfrm>
-          <a:prstGeom prst="ellipse">
-            <a:avLst/>
-          </a:prstGeom>
-        </p:spPr>
-        <p:style>
-          <a:lnRef idx="2">
-            <a:schemeClr val="dk1">
-              <a:shade val="50000"/>
-            </a:schemeClr>
-          </a:lnRef>
-          <a:fillRef idx="1">
-            <a:schemeClr val="dk1"/>
-          </a:fillRef>
-          <a:effectRef idx="0">
-            <a:schemeClr val="dk1"/>
-          </a:effectRef>
-          <a:fontRef idx="minor">
-            <a:schemeClr val="lt1"/>
-          </a:fontRef>
-        </p:style>
-        <p:txBody>
-          <a:bodyPr rtlCol="0" anchor="ctr"/>
-          <a:lstStyle/>
-          <a:p>
-            <a:pPr algn="ctr"/>
-            <a:endParaRPr lang="en-GB"/>
-          </a:p>
-        </p:txBody>
-      </p:sp>
-      <p:sp>
-        <p:nvSpPr>
-          <p:cNvPr id="95" name="Oval 94">
-            <a:extLst>
-              <a:ext uri="{FF2B5EF4-FFF2-40B4-BE49-F238E27FC236}">
-                <a16:creationId xmlns:a16="http://schemas.microsoft.com/office/drawing/2014/main" id="{B3EA54B1-CD07-476C-94C3-72399DC82143}"/>
-              </a:ext>
-            </a:extLst>
-          </p:cNvPr>
-          <p:cNvSpPr/>
-          <p:nvPr/>
-        </p:nvSpPr>
-        <p:spPr>
-          <a:xfrm>
-            <a:off x="5676747" y="5384477"/>
-            <a:ext cx="900000" cy="900000"/>
-          </a:xfrm>
-          <a:prstGeom prst="ellipse">
-            <a:avLst/>
-          </a:prstGeom>
-        </p:spPr>
-        <p:style>
-          <a:lnRef idx="2">
-            <a:schemeClr val="dk1">
-              <a:shade val="50000"/>
-            </a:schemeClr>
-          </a:lnRef>
-          <a:fillRef idx="1">
-            <a:schemeClr val="dk1"/>
-          </a:fillRef>
-          <a:effectRef idx="0">
-            <a:schemeClr val="dk1"/>
-          </a:effectRef>
-          <a:fontRef idx="minor">
-            <a:schemeClr val="lt1"/>
-          </a:fontRef>
-        </p:style>
-        <p:txBody>
-          <a:bodyPr rtlCol="0" anchor="ctr"/>
-          <a:lstStyle/>
-          <a:p>
-            <a:pPr algn="ctr"/>
-            <a:endParaRPr lang="en-GB"/>
-          </a:p>
-        </p:txBody>
-      </p:sp>
-      <p:cxnSp>
-        <p:nvCxnSpPr>
-          <p:cNvPr id="96" name="Straight Connector 95">
-            <a:extLst>
-              <a:ext uri="{FF2B5EF4-FFF2-40B4-BE49-F238E27FC236}">
-                <a16:creationId xmlns:a16="http://schemas.microsoft.com/office/drawing/2014/main" id="{5364E210-971A-4405-83D6-1F78AA11E33B}"/>
-              </a:ext>
-            </a:extLst>
-          </p:cNvPr>
-          <p:cNvCxnSpPr>
-            <a:stCxn id="94" idx="6"/>
-            <a:endCxn id="95" idx="2"/>
-          </p:cNvCxnSpPr>
-          <p:nvPr/>
-        </p:nvCxnSpPr>
-        <p:spPr>
-          <a:xfrm>
-            <a:off x="1522564" y="5834477"/>
-            <a:ext cx="4154183" cy="0"/>
-          </a:xfrm>
-          <a:prstGeom prst="line">
-            <a:avLst/>
-          </a:prstGeom>
-          <a:ln w="76200">
-            <a:solidFill>
-              <a:schemeClr val="tx1"/>
-            </a:solidFill>
-          </a:ln>
-        </p:spPr>
-        <p:style>
-          <a:lnRef idx="1">
-            <a:schemeClr val="dk1"/>
-          </a:lnRef>
-          <a:fillRef idx="0">
-            <a:schemeClr val="dk1"/>
-          </a:fillRef>
-          <a:effectRef idx="0">
-            <a:schemeClr val="dk1"/>
-          </a:effectRef>
-          <a:fontRef idx="minor">
-            <a:schemeClr val="tx1"/>
-          </a:fontRef>
-        </p:style>
-      </p:cxnSp>
-      <p:cxnSp>
-        <p:nvCxnSpPr>
-          <p:cNvPr id="97" name="Straight Connector 96">
-            <a:extLst>
-              <a:ext uri="{FF2B5EF4-FFF2-40B4-BE49-F238E27FC236}">
-                <a16:creationId xmlns:a16="http://schemas.microsoft.com/office/drawing/2014/main" id="{77DC8436-6A63-47EB-8D73-6606DEE740B4}"/>
-              </a:ext>
-            </a:extLst>
-          </p:cNvPr>
-          <p:cNvCxnSpPr>
-            <a:cxnSpLocks/>
-          </p:cNvCxnSpPr>
-          <p:nvPr/>
-        </p:nvCxnSpPr>
-        <p:spPr>
-          <a:xfrm>
-            <a:off x="2016650" y="5553411"/>
-            <a:ext cx="0" cy="562131"/>
-          </a:xfrm>
-          <a:prstGeom prst="line">
-            <a:avLst/>
-          </a:prstGeom>
-          <a:ln w="57150">
-            <a:solidFill>
-              <a:schemeClr val="tx1"/>
-            </a:solidFill>
-          </a:ln>
-        </p:spPr>
-        <p:style>
-          <a:lnRef idx="1">
-            <a:schemeClr val="accent1"/>
-          </a:lnRef>
-          <a:fillRef idx="0">
-            <a:schemeClr val="accent1"/>
-          </a:fillRef>
-          <a:effectRef idx="0">
-            <a:schemeClr val="accent1"/>
-          </a:effectRef>
-          <a:fontRef idx="minor">
-            <a:schemeClr val="tx1"/>
-          </a:fontRef>
-        </p:style>
-      </p:cxnSp>
-      <p:cxnSp>
-        <p:nvCxnSpPr>
-          <p:cNvPr id="98" name="Straight Connector 97">
-            <a:extLst>
-              <a:ext uri="{FF2B5EF4-FFF2-40B4-BE49-F238E27FC236}">
-                <a16:creationId xmlns:a16="http://schemas.microsoft.com/office/drawing/2014/main" id="{8084A674-B0DE-4245-91F6-02385C1DEB20}"/>
-              </a:ext>
-            </a:extLst>
-          </p:cNvPr>
-          <p:cNvCxnSpPr>
-            <a:cxnSpLocks/>
-          </p:cNvCxnSpPr>
-          <p:nvPr/>
-        </p:nvCxnSpPr>
-        <p:spPr>
-          <a:xfrm>
-            <a:off x="5182073" y="5541213"/>
-            <a:ext cx="0" cy="562131"/>
-          </a:xfrm>
-          <a:prstGeom prst="line">
-            <a:avLst/>
-          </a:prstGeom>
-          <a:ln w="57150">
-            <a:solidFill>
-              <a:schemeClr val="tx1"/>
-            </a:solidFill>
-          </a:ln>
-        </p:spPr>
-        <p:style>
-          <a:lnRef idx="1">
-            <a:schemeClr val="accent1"/>
-          </a:lnRef>
-          <a:fillRef idx="0">
-            <a:schemeClr val="accent1"/>
-          </a:fillRef>
-          <a:effectRef idx="0">
-            <a:schemeClr val="accent1"/>
-          </a:effectRef>
-          <a:fontRef idx="minor">
-            <a:schemeClr val="tx1"/>
-          </a:fontRef>
-        </p:style>
-      </p:cxnSp>
-      <p:cxnSp>
-        <p:nvCxnSpPr>
-          <p:cNvPr id="99" name="Straight Connector 98">
-            <a:extLst>
-              <a:ext uri="{FF2B5EF4-FFF2-40B4-BE49-F238E27FC236}">
-                <a16:creationId xmlns:a16="http://schemas.microsoft.com/office/drawing/2014/main" id="{0A183880-B97B-40B9-9823-FE12D3C21064}"/>
-              </a:ext>
-            </a:extLst>
-          </p:cNvPr>
-          <p:cNvCxnSpPr>
-            <a:cxnSpLocks/>
-          </p:cNvCxnSpPr>
-          <p:nvPr/>
-        </p:nvCxnSpPr>
-        <p:spPr>
-          <a:xfrm>
-            <a:off x="4412578" y="5541212"/>
-            <a:ext cx="0" cy="562131"/>
-          </a:xfrm>
-          <a:prstGeom prst="line">
-            <a:avLst/>
-          </a:prstGeom>
-          <a:ln w="57150">
-            <a:solidFill>
-              <a:schemeClr val="tx1"/>
-            </a:solidFill>
-          </a:ln>
-        </p:spPr>
-        <p:style>
-          <a:lnRef idx="1">
-            <a:schemeClr val="accent1"/>
-          </a:lnRef>
-          <a:fillRef idx="0">
-            <a:schemeClr val="accent1"/>
-          </a:fillRef>
-          <a:effectRef idx="0">
-            <a:schemeClr val="accent1"/>
-          </a:effectRef>
-          <a:fontRef idx="minor">
-            <a:schemeClr val="tx1"/>
-          </a:fontRef>
-        </p:style>
-      </p:cxnSp>
-      <p:cxnSp>
-        <p:nvCxnSpPr>
-          <p:cNvPr id="100" name="Straight Connector 99">
-            <a:extLst>
-              <a:ext uri="{FF2B5EF4-FFF2-40B4-BE49-F238E27FC236}">
-                <a16:creationId xmlns:a16="http://schemas.microsoft.com/office/drawing/2014/main" id="{A4DF8FE6-611C-413B-884D-B4563C1F95EE}"/>
-              </a:ext>
-            </a:extLst>
-          </p:cNvPr>
-          <p:cNvCxnSpPr>
-            <a:cxnSpLocks/>
-          </p:cNvCxnSpPr>
-          <p:nvPr/>
-        </p:nvCxnSpPr>
-        <p:spPr>
-          <a:xfrm>
-            <a:off x="2726185" y="5524311"/>
-            <a:ext cx="0" cy="562131"/>
-          </a:xfrm>
-          <a:prstGeom prst="line">
-            <a:avLst/>
-          </a:prstGeom>
-          <a:ln w="57150">
-            <a:solidFill>
-              <a:schemeClr val="tx1"/>
-            </a:solidFill>
-          </a:ln>
-        </p:spPr>
-        <p:style>
-          <a:lnRef idx="1">
-            <a:schemeClr val="accent1"/>
-          </a:lnRef>
-          <a:fillRef idx="0">
-            <a:schemeClr val="accent1"/>
-          </a:fillRef>
-          <a:effectRef idx="0">
-            <a:schemeClr val="accent1"/>
-          </a:effectRef>
-          <a:fontRef idx="minor">
-            <a:schemeClr val="tx1"/>
-          </a:fontRef>
-        </p:style>
-      </p:cxnSp>
-      <p:cxnSp>
-        <p:nvCxnSpPr>
-          <p:cNvPr id="101" name="Straight Connector 100">
-            <a:extLst>
-              <a:ext uri="{FF2B5EF4-FFF2-40B4-BE49-F238E27FC236}">
-                <a16:creationId xmlns:a16="http://schemas.microsoft.com/office/drawing/2014/main" id="{0A00445A-999E-42D4-80C7-9410300D62DB}"/>
-              </a:ext>
-            </a:extLst>
-          </p:cNvPr>
-          <p:cNvCxnSpPr>
-            <a:cxnSpLocks/>
-          </p:cNvCxnSpPr>
-          <p:nvPr/>
-        </p:nvCxnSpPr>
-        <p:spPr>
-          <a:xfrm>
-            <a:off x="3555158" y="5541211"/>
-            <a:ext cx="0" cy="562131"/>
-          </a:xfrm>
-          <a:prstGeom prst="line">
-            <a:avLst/>
-          </a:prstGeom>
-          <a:ln w="57150">
-            <a:solidFill>
-              <a:schemeClr val="tx1"/>
-            </a:solidFill>
-          </a:ln>
-        </p:spPr>
-        <p:style>
-          <a:lnRef idx="1">
-            <a:schemeClr val="accent1"/>
-          </a:lnRef>
-          <a:fillRef idx="0">
-            <a:schemeClr val="accent1"/>
-          </a:fillRef>
-          <a:effectRef idx="0">
-            <a:schemeClr val="accent1"/>
-          </a:effectRef>
-          <a:fontRef idx="minor">
-            <a:schemeClr val="tx1"/>
-          </a:fontRef>
-        </p:style>
-      </p:cxnSp>
-      <p:sp>
-        <p:nvSpPr>
-          <p:cNvPr id="102" name="Arrow: Right 101">
-            <a:extLst>
-              <a:ext uri="{FF2B5EF4-FFF2-40B4-BE49-F238E27FC236}">
-                <a16:creationId xmlns:a16="http://schemas.microsoft.com/office/drawing/2014/main" id="{96DFAA2F-48FD-433D-94F7-1C91715B0FD7}"/>
-              </a:ext>
-            </a:extLst>
-          </p:cNvPr>
-          <p:cNvSpPr/>
-          <p:nvPr/>
-        </p:nvSpPr>
-        <p:spPr>
-          <a:xfrm rot="5400000">
-            <a:off x="3265830" y="5227306"/>
-            <a:ext cx="569621" cy="539642"/>
-          </a:xfrm>
-          <a:prstGeom prst="rightArrow">
-            <a:avLst>
-              <a:gd name="adj1" fmla="val 23451"/>
-              <a:gd name="adj2" fmla="val 37273"/>
-            </a:avLst>
-          </a:prstGeom>
-          <a:solidFill>
-            <a:schemeClr val="tx2"/>
-          </a:solidFill>
-          <a:ln>
-            <a:solidFill>
-              <a:schemeClr val="tx1"/>
-            </a:solidFill>
-          </a:ln>
-        </p:spPr>
-        <p:style>
-          <a:lnRef idx="2">
-            <a:schemeClr val="dk1">
-              <a:shade val="50000"/>
-            </a:schemeClr>
-          </a:lnRef>
-          <a:fillRef idx="1">
-            <a:schemeClr val="dk1"/>
-          </a:fillRef>
-          <a:effectRef idx="0">
-            <a:schemeClr val="dk1"/>
-          </a:effectRef>
-          <a:fontRef idx="minor">
-            <a:schemeClr val="lt1"/>
-          </a:fontRef>
-        </p:style>
-        <p:txBody>
-          <a:bodyPr rtlCol="0" anchor="ctr"/>
-          <a:lstStyle/>
-          <a:p>
-            <a:pPr algn="ctr"/>
-            <a:endParaRPr lang="en-GB"/>
-          </a:p>
-        </p:txBody>
-      </p:sp>
-      <p:sp>
-        <p:nvSpPr>
-          <p:cNvPr id="103" name="TextBox 102">
-            <a:extLst>
-              <a:ext uri="{FF2B5EF4-FFF2-40B4-BE49-F238E27FC236}">
-                <a16:creationId xmlns:a16="http://schemas.microsoft.com/office/drawing/2014/main" id="{F9682134-AF7A-49C6-9E05-C6F79F33404C}"/>
-              </a:ext>
-            </a:extLst>
-          </p:cNvPr>
-          <p:cNvSpPr txBox="1"/>
-          <p:nvPr/>
-        </p:nvSpPr>
-        <p:spPr>
-          <a:xfrm>
-            <a:off x="1522568" y="4575002"/>
-            <a:ext cx="4154179" cy="584775"/>
-          </a:xfrm>
-          <a:prstGeom prst="rect">
-            <a:avLst/>
-          </a:prstGeom>
-          <a:noFill/>
-        </p:spPr>
-        <p:txBody>
-          <a:bodyPr wrap="square" rtlCol="0">
-            <a:spAutoFit/>
-          </a:bodyPr>
-          <a:lstStyle/>
-          <a:p>
-            <a:pPr algn="ctr"/>
-            <a:r>
-              <a:rPr lang="en-GB" sz="3200">
-                <a:latin typeface="Aharoni" panose="02010803020104030203" pitchFamily="2" charset="-79"/>
-                <a:cs typeface="Aharoni" panose="02010803020104030203" pitchFamily="2" charset="-79"/>
-              </a:rPr>
-              <a:t>Sleep</a:t>
-            </a:r>
-          </a:p>
-        </p:txBody>
-      </p:sp>
-      <p:sp>
-        <p:nvSpPr>
-          <p:cNvPr id="104" name="Rectangle 103">
-            <a:extLst>
-              <a:ext uri="{FF2B5EF4-FFF2-40B4-BE49-F238E27FC236}">
-                <a16:creationId xmlns:a16="http://schemas.microsoft.com/office/drawing/2014/main" id="{EC6736BD-263E-49B2-B834-27BB4C14F130}"/>
-              </a:ext>
-            </a:extLst>
-          </p:cNvPr>
-          <p:cNvSpPr/>
-          <p:nvPr/>
-        </p:nvSpPr>
-        <p:spPr>
-          <a:xfrm>
-            <a:off x="622564" y="6391241"/>
-            <a:ext cx="5954183" cy="1806322"/>
-          </a:xfrm>
-          <a:prstGeom prst="rect">
-            <a:avLst/>
-          </a:prstGeom>
-          <a:solidFill>
-            <a:schemeClr val="bg1"/>
-          </a:solidFill>
-          <a:ln>
-            <a:solidFill>
-              <a:schemeClr val="tx1"/>
-            </a:solidFill>
-          </a:ln>
-        </p:spPr>
-        <p:style>
-          <a:lnRef idx="2">
-            <a:schemeClr val="accent1">
-              <a:shade val="50000"/>
-            </a:schemeClr>
-          </a:lnRef>
-          <a:fillRef idx="1">
-            <a:schemeClr val="accent1"/>
-          </a:fillRef>
-          <a:effectRef idx="0">
-            <a:schemeClr val="accent1"/>
-          </a:effectRef>
-          <a:fontRef idx="minor">
-            <a:schemeClr val="lt1"/>
-          </a:fontRef>
-        </p:style>
-        <p:txBody>
-          <a:bodyPr rtlCol="0" anchor="ctr"/>
-          <a:lstStyle/>
-          <a:p>
-            <a:pPr algn="ctr"/>
-            <a:endParaRPr lang="en-GB"/>
-          </a:p>
-        </p:txBody>
-      </p:sp>
-      <p:sp>
-        <p:nvSpPr>
-          <p:cNvPr id="105" name="Oval 104">
-            <a:extLst>
-              <a:ext uri="{FF2B5EF4-FFF2-40B4-BE49-F238E27FC236}">
-                <a16:creationId xmlns:a16="http://schemas.microsoft.com/office/drawing/2014/main" id="{376A783F-C42C-4302-933C-1D668B3BA780}"/>
-              </a:ext>
-            </a:extLst>
-          </p:cNvPr>
-          <p:cNvSpPr/>
-          <p:nvPr/>
-        </p:nvSpPr>
-        <p:spPr>
-          <a:xfrm>
-            <a:off x="622564" y="7200716"/>
-            <a:ext cx="900000" cy="900000"/>
-          </a:xfrm>
-          <a:prstGeom prst="ellipse">
-            <a:avLst/>
-          </a:prstGeom>
-        </p:spPr>
-        <p:style>
-          <a:lnRef idx="2">
-            <a:schemeClr val="dk1">
-              <a:shade val="50000"/>
-            </a:schemeClr>
-          </a:lnRef>
-          <a:fillRef idx="1">
-            <a:schemeClr val="dk1"/>
-          </a:fillRef>
-          <a:effectRef idx="0">
-            <a:schemeClr val="dk1"/>
-          </a:effectRef>
-          <a:fontRef idx="minor">
-            <a:schemeClr val="lt1"/>
-          </a:fontRef>
-        </p:style>
-        <p:txBody>
-          <a:bodyPr rtlCol="0" anchor="ctr"/>
-          <a:lstStyle/>
-          <a:p>
-            <a:pPr algn="ctr"/>
-            <a:endParaRPr lang="en-GB"/>
-          </a:p>
-        </p:txBody>
-      </p:sp>
-      <p:sp>
-        <p:nvSpPr>
-          <p:cNvPr id="106" name="Oval 105">
-            <a:extLst>
-              <a:ext uri="{FF2B5EF4-FFF2-40B4-BE49-F238E27FC236}">
-                <a16:creationId xmlns:a16="http://schemas.microsoft.com/office/drawing/2014/main" id="{9320F3FC-EC6F-45C0-96B6-32CDD9B1A825}"/>
-              </a:ext>
-            </a:extLst>
-          </p:cNvPr>
-          <p:cNvSpPr/>
-          <p:nvPr/>
-        </p:nvSpPr>
-        <p:spPr>
-          <a:xfrm>
-            <a:off x="5676747" y="7200716"/>
-            <a:ext cx="900000" cy="900000"/>
-          </a:xfrm>
-          <a:prstGeom prst="ellipse">
-            <a:avLst/>
-          </a:prstGeom>
-        </p:spPr>
-        <p:style>
-          <a:lnRef idx="2">
-            <a:schemeClr val="dk1">
-              <a:shade val="50000"/>
-            </a:schemeClr>
-          </a:lnRef>
-          <a:fillRef idx="1">
-            <a:schemeClr val="dk1"/>
-          </a:fillRef>
-          <a:effectRef idx="0">
-            <a:schemeClr val="dk1"/>
-          </a:effectRef>
-          <a:fontRef idx="minor">
-            <a:schemeClr val="lt1"/>
-          </a:fontRef>
-        </p:style>
-        <p:txBody>
-          <a:bodyPr rtlCol="0" anchor="ctr"/>
-          <a:lstStyle/>
-          <a:p>
-            <a:pPr algn="ctr"/>
-            <a:endParaRPr lang="en-GB"/>
-          </a:p>
-        </p:txBody>
-      </p:sp>
-      <p:cxnSp>
-        <p:nvCxnSpPr>
-          <p:cNvPr id="107" name="Straight Connector 106">
-            <a:extLst>
-              <a:ext uri="{FF2B5EF4-FFF2-40B4-BE49-F238E27FC236}">
-                <a16:creationId xmlns:a16="http://schemas.microsoft.com/office/drawing/2014/main" id="{B79C9472-A8E4-4E56-AC9C-3C166EF15EBF}"/>
-              </a:ext>
-            </a:extLst>
-          </p:cNvPr>
-          <p:cNvCxnSpPr>
-            <a:stCxn id="105" idx="6"/>
-            <a:endCxn id="106" idx="2"/>
-          </p:cNvCxnSpPr>
-          <p:nvPr/>
-        </p:nvCxnSpPr>
-        <p:spPr>
-          <a:xfrm>
-            <a:off x="1522564" y="7650716"/>
-            <a:ext cx="4154183" cy="0"/>
-          </a:xfrm>
-          <a:prstGeom prst="line">
-            <a:avLst/>
-          </a:prstGeom>
-          <a:ln w="76200">
-            <a:solidFill>
-              <a:schemeClr val="tx1"/>
-            </a:solidFill>
-          </a:ln>
-        </p:spPr>
-        <p:style>
-          <a:lnRef idx="1">
-            <a:schemeClr val="dk1"/>
-          </a:lnRef>
-          <a:fillRef idx="0">
-            <a:schemeClr val="dk1"/>
-          </a:fillRef>
-          <a:effectRef idx="0">
-            <a:schemeClr val="dk1"/>
-          </a:effectRef>
-          <a:fontRef idx="minor">
-            <a:schemeClr val="tx1"/>
-          </a:fontRef>
-        </p:style>
-      </p:cxnSp>
-      <p:cxnSp>
-        <p:nvCxnSpPr>
-          <p:cNvPr id="108" name="Straight Connector 107">
-            <a:extLst>
-              <a:ext uri="{FF2B5EF4-FFF2-40B4-BE49-F238E27FC236}">
-                <a16:creationId xmlns:a16="http://schemas.microsoft.com/office/drawing/2014/main" id="{D0212C8B-FC61-48CC-AB91-0225485BFB58}"/>
-              </a:ext>
-            </a:extLst>
-          </p:cNvPr>
-          <p:cNvCxnSpPr>
-            <a:cxnSpLocks/>
-          </p:cNvCxnSpPr>
-          <p:nvPr/>
-        </p:nvCxnSpPr>
-        <p:spPr>
-          <a:xfrm>
-            <a:off x="2016650" y="7369650"/>
-            <a:ext cx="0" cy="562131"/>
-          </a:xfrm>
-          <a:prstGeom prst="line">
-            <a:avLst/>
-          </a:prstGeom>
-          <a:ln w="57150">
-            <a:solidFill>
-              <a:schemeClr val="tx1"/>
-            </a:solidFill>
-          </a:ln>
-        </p:spPr>
-        <p:style>
-          <a:lnRef idx="1">
-            <a:schemeClr val="accent1"/>
-          </a:lnRef>
-          <a:fillRef idx="0">
-            <a:schemeClr val="accent1"/>
-          </a:fillRef>
-          <a:effectRef idx="0">
-            <a:schemeClr val="accent1"/>
-          </a:effectRef>
-          <a:fontRef idx="minor">
-            <a:schemeClr val="tx1"/>
-          </a:fontRef>
-        </p:style>
-      </p:cxnSp>
-      <p:cxnSp>
-        <p:nvCxnSpPr>
-          <p:cNvPr id="109" name="Straight Connector 108">
-            <a:extLst>
-              <a:ext uri="{FF2B5EF4-FFF2-40B4-BE49-F238E27FC236}">
-                <a16:creationId xmlns:a16="http://schemas.microsoft.com/office/drawing/2014/main" id="{463CCB55-80EA-4D4E-AA52-63CDCD58240D}"/>
-              </a:ext>
-            </a:extLst>
-          </p:cNvPr>
-          <p:cNvCxnSpPr>
-            <a:cxnSpLocks/>
-          </p:cNvCxnSpPr>
-          <p:nvPr/>
-        </p:nvCxnSpPr>
-        <p:spPr>
-          <a:xfrm>
-            <a:off x="5182073" y="7357452"/>
-            <a:ext cx="0" cy="562131"/>
-          </a:xfrm>
-          <a:prstGeom prst="line">
-            <a:avLst/>
-          </a:prstGeom>
-          <a:ln w="57150">
-            <a:solidFill>
-              <a:schemeClr val="tx1"/>
-            </a:solidFill>
-          </a:ln>
-        </p:spPr>
-        <p:style>
-          <a:lnRef idx="1">
-            <a:schemeClr val="accent1"/>
-          </a:lnRef>
-          <a:fillRef idx="0">
-            <a:schemeClr val="accent1"/>
-          </a:fillRef>
-          <a:effectRef idx="0">
-            <a:schemeClr val="accent1"/>
-          </a:effectRef>
-          <a:fontRef idx="minor">
-            <a:schemeClr val="tx1"/>
-          </a:fontRef>
-        </p:style>
-      </p:cxnSp>
-      <p:cxnSp>
-        <p:nvCxnSpPr>
-          <p:cNvPr id="110" name="Straight Connector 109">
-            <a:extLst>
-              <a:ext uri="{FF2B5EF4-FFF2-40B4-BE49-F238E27FC236}">
-                <a16:creationId xmlns:a16="http://schemas.microsoft.com/office/drawing/2014/main" id="{FB67F9DF-A23E-416A-A2B3-9F5D87E9AB02}"/>
-              </a:ext>
-            </a:extLst>
-          </p:cNvPr>
-          <p:cNvCxnSpPr>
-            <a:cxnSpLocks/>
-          </p:cNvCxnSpPr>
-          <p:nvPr/>
-        </p:nvCxnSpPr>
-        <p:spPr>
-          <a:xfrm>
-            <a:off x="4412578" y="7357451"/>
-            <a:ext cx="0" cy="562131"/>
-          </a:xfrm>
-          <a:prstGeom prst="line">
-            <a:avLst/>
-          </a:prstGeom>
-          <a:ln w="57150">
-            <a:solidFill>
-              <a:schemeClr val="tx1"/>
-            </a:solidFill>
-          </a:ln>
-        </p:spPr>
-        <p:style>
-          <a:lnRef idx="1">
-            <a:schemeClr val="accent1"/>
-          </a:lnRef>
-          <a:fillRef idx="0">
-            <a:schemeClr val="accent1"/>
-          </a:fillRef>
-          <a:effectRef idx="0">
-            <a:schemeClr val="accent1"/>
-          </a:effectRef>
-          <a:fontRef idx="minor">
-            <a:schemeClr val="tx1"/>
-          </a:fontRef>
-        </p:style>
-      </p:cxnSp>
-      <p:cxnSp>
-        <p:nvCxnSpPr>
-          <p:cNvPr id="111" name="Straight Connector 110">
-            <a:extLst>
-              <a:ext uri="{FF2B5EF4-FFF2-40B4-BE49-F238E27FC236}">
-                <a16:creationId xmlns:a16="http://schemas.microsoft.com/office/drawing/2014/main" id="{A7433967-8311-4867-805E-8E1755733356}"/>
-              </a:ext>
-            </a:extLst>
-          </p:cNvPr>
-          <p:cNvCxnSpPr>
-            <a:cxnSpLocks/>
-          </p:cNvCxnSpPr>
-          <p:nvPr/>
-        </p:nvCxnSpPr>
-        <p:spPr>
-          <a:xfrm>
-            <a:off x="2726185" y="7340550"/>
-            <a:ext cx="0" cy="562131"/>
-          </a:xfrm>
-          <a:prstGeom prst="line">
-            <a:avLst/>
-          </a:prstGeom>
-          <a:ln w="57150">
-            <a:solidFill>
-              <a:schemeClr val="tx1"/>
-            </a:solidFill>
-          </a:ln>
-        </p:spPr>
-        <p:style>
-          <a:lnRef idx="1">
-            <a:schemeClr val="accent1"/>
-          </a:lnRef>
-          <a:fillRef idx="0">
-            <a:schemeClr val="accent1"/>
-          </a:fillRef>
-          <a:effectRef idx="0">
-            <a:schemeClr val="accent1"/>
-          </a:effectRef>
-          <a:fontRef idx="minor">
-            <a:schemeClr val="tx1"/>
-          </a:fontRef>
-        </p:style>
-      </p:cxnSp>
-      <p:cxnSp>
-        <p:nvCxnSpPr>
-          <p:cNvPr id="112" name="Straight Connector 111">
-            <a:extLst>
-              <a:ext uri="{FF2B5EF4-FFF2-40B4-BE49-F238E27FC236}">
-                <a16:creationId xmlns:a16="http://schemas.microsoft.com/office/drawing/2014/main" id="{24758EF0-DAA0-4EE9-AEEA-FC57370A6AF7}"/>
-              </a:ext>
-            </a:extLst>
-          </p:cNvPr>
-          <p:cNvCxnSpPr>
-            <a:cxnSpLocks/>
-          </p:cNvCxnSpPr>
-          <p:nvPr/>
-        </p:nvCxnSpPr>
-        <p:spPr>
-          <a:xfrm>
-            <a:off x="3555158" y="7357450"/>
-            <a:ext cx="0" cy="562131"/>
-          </a:xfrm>
-          <a:prstGeom prst="line">
-            <a:avLst/>
-          </a:prstGeom>
-          <a:ln w="57150">
-            <a:solidFill>
-              <a:schemeClr val="tx1"/>
-            </a:solidFill>
-          </a:ln>
-        </p:spPr>
-        <p:style>
-          <a:lnRef idx="1">
-            <a:schemeClr val="accent1"/>
-          </a:lnRef>
-          <a:fillRef idx="0">
-            <a:schemeClr val="accent1"/>
-          </a:fillRef>
-          <a:effectRef idx="0">
-            <a:schemeClr val="accent1"/>
-          </a:effectRef>
-          <a:fontRef idx="minor">
-            <a:schemeClr val="tx1"/>
-          </a:fontRef>
-        </p:style>
-      </p:cxnSp>
-      <p:sp>
-        <p:nvSpPr>
-          <p:cNvPr id="113" name="Arrow: Right 112">
-            <a:extLst>
-              <a:ext uri="{FF2B5EF4-FFF2-40B4-BE49-F238E27FC236}">
-                <a16:creationId xmlns:a16="http://schemas.microsoft.com/office/drawing/2014/main" id="{8475F752-78EC-49A1-8D99-A9AD75F54904}"/>
-              </a:ext>
-            </a:extLst>
-          </p:cNvPr>
-          <p:cNvSpPr/>
-          <p:nvPr/>
-        </p:nvSpPr>
-        <p:spPr>
-          <a:xfrm rot="5400000">
-            <a:off x="3265830" y="7043545"/>
-            <a:ext cx="569621" cy="539642"/>
-          </a:xfrm>
-          <a:prstGeom prst="rightArrow">
-            <a:avLst>
-              <a:gd name="adj1" fmla="val 23451"/>
-              <a:gd name="adj2" fmla="val 37273"/>
-            </a:avLst>
-          </a:prstGeom>
-          <a:solidFill>
-            <a:schemeClr val="tx2"/>
-          </a:solidFill>
-          <a:ln>
-            <a:solidFill>
-              <a:schemeClr val="tx1"/>
-            </a:solidFill>
-          </a:ln>
-        </p:spPr>
-        <p:style>
-          <a:lnRef idx="2">
-            <a:schemeClr val="dk1">
-              <a:shade val="50000"/>
-            </a:schemeClr>
-          </a:lnRef>
-          <a:fillRef idx="1">
-            <a:schemeClr val="dk1"/>
-          </a:fillRef>
-          <a:effectRef idx="0">
-            <a:schemeClr val="dk1"/>
-          </a:effectRef>
-          <a:fontRef idx="minor">
-            <a:schemeClr val="lt1"/>
-          </a:fontRef>
-        </p:style>
-        <p:txBody>
-          <a:bodyPr rtlCol="0" anchor="ctr"/>
-          <a:lstStyle/>
-          <a:p>
-            <a:pPr algn="ctr"/>
-            <a:endParaRPr lang="en-GB"/>
-          </a:p>
-        </p:txBody>
-      </p:sp>
-      <p:sp>
-        <p:nvSpPr>
-          <p:cNvPr id="114" name="TextBox 113">
-            <a:extLst>
-              <a:ext uri="{FF2B5EF4-FFF2-40B4-BE49-F238E27FC236}">
-                <a16:creationId xmlns:a16="http://schemas.microsoft.com/office/drawing/2014/main" id="{4EBFED37-1F83-4AAF-8F2D-83D4FCDCFA7A}"/>
-              </a:ext>
-            </a:extLst>
-          </p:cNvPr>
-          <p:cNvSpPr txBox="1"/>
-          <p:nvPr/>
-        </p:nvSpPr>
-        <p:spPr>
-          <a:xfrm>
-            <a:off x="1522568" y="6391241"/>
-            <a:ext cx="4154179" cy="584775"/>
-          </a:xfrm>
-          <a:prstGeom prst="rect">
-            <a:avLst/>
-          </a:prstGeom>
-          <a:noFill/>
-        </p:spPr>
-        <p:txBody>
-          <a:bodyPr wrap="square" rtlCol="0">
-            <a:spAutoFit/>
-          </a:bodyPr>
-          <a:lstStyle/>
-          <a:p>
-            <a:pPr algn="ctr"/>
-            <a:r>
-              <a:rPr lang="en-GB" sz="3200">
-                <a:latin typeface="Aharoni" panose="02010803020104030203" pitchFamily="2" charset="-79"/>
-                <a:cs typeface="Aharoni" panose="02010803020104030203" pitchFamily="2" charset="-79"/>
-              </a:rPr>
-              <a:t>Sleep</a:t>
-            </a:r>
-          </a:p>
-        </p:txBody>
-      </p:sp>
-      <p:sp>
-        <p:nvSpPr>
-          <p:cNvPr id="135" name="Rectangle 134">
-            <a:extLst>
-              <a:ext uri="{FF2B5EF4-FFF2-40B4-BE49-F238E27FC236}">
-                <a16:creationId xmlns:a16="http://schemas.microsoft.com/office/drawing/2014/main" id="{2B31B5B6-2956-43B8-9C2A-B796F7615BF6}"/>
-              </a:ext>
-            </a:extLst>
-          </p:cNvPr>
-          <p:cNvSpPr/>
-          <p:nvPr/>
-        </p:nvSpPr>
-        <p:spPr>
-          <a:xfrm>
-            <a:off x="622564" y="8207480"/>
-            <a:ext cx="5954183" cy="1806322"/>
-          </a:xfrm>
-          <a:prstGeom prst="rect">
-            <a:avLst/>
-          </a:prstGeom>
-          <a:solidFill>
-            <a:schemeClr val="bg1"/>
-          </a:solidFill>
-          <a:ln>
-            <a:solidFill>
-              <a:schemeClr val="tx1"/>
-            </a:solidFill>
-          </a:ln>
-        </p:spPr>
-        <p:style>
-          <a:lnRef idx="2">
-            <a:schemeClr val="accent1">
-              <a:shade val="50000"/>
-            </a:schemeClr>
-          </a:lnRef>
-          <a:fillRef idx="1">
-            <a:schemeClr val="accent1"/>
-          </a:fillRef>
-          <a:effectRef idx="0">
-            <a:schemeClr val="accent1"/>
-          </a:effectRef>
-          <a:fontRef idx="minor">
-            <a:schemeClr val="lt1"/>
-          </a:fontRef>
-        </p:style>
-        <p:txBody>
-          <a:bodyPr rtlCol="0" anchor="ctr"/>
-          <a:lstStyle/>
-          <a:p>
-            <a:pPr algn="ctr"/>
-            <a:endParaRPr lang="en-GB"/>
-          </a:p>
-        </p:txBody>
-      </p:sp>
-      <p:sp>
-        <p:nvSpPr>
-          <p:cNvPr id="136" name="Oval 135">
-            <a:extLst>
-              <a:ext uri="{FF2B5EF4-FFF2-40B4-BE49-F238E27FC236}">
-                <a16:creationId xmlns:a16="http://schemas.microsoft.com/office/drawing/2014/main" id="{1258C7E3-54D1-4C23-9A16-BCD70BDFB33D}"/>
-              </a:ext>
-            </a:extLst>
-          </p:cNvPr>
-          <p:cNvSpPr/>
-          <p:nvPr/>
-        </p:nvSpPr>
-        <p:spPr>
-          <a:xfrm>
-            <a:off x="622564" y="9016955"/>
-            <a:ext cx="900000" cy="900000"/>
-          </a:xfrm>
-          <a:prstGeom prst="ellipse">
-            <a:avLst/>
-          </a:prstGeom>
-        </p:spPr>
-        <p:style>
-          <a:lnRef idx="2">
-            <a:schemeClr val="dk1">
-              <a:shade val="50000"/>
-            </a:schemeClr>
-          </a:lnRef>
-          <a:fillRef idx="1">
-            <a:schemeClr val="dk1"/>
-          </a:fillRef>
-          <a:effectRef idx="0">
-            <a:schemeClr val="dk1"/>
-          </a:effectRef>
-          <a:fontRef idx="minor">
-            <a:schemeClr val="lt1"/>
-          </a:fontRef>
-        </p:style>
-        <p:txBody>
-          <a:bodyPr rtlCol="0" anchor="ctr"/>
-          <a:lstStyle/>
-          <a:p>
-            <a:pPr algn="ctr"/>
-            <a:endParaRPr lang="en-GB"/>
-          </a:p>
-        </p:txBody>
-      </p:sp>
-      <p:sp>
-        <p:nvSpPr>
-          <p:cNvPr id="137" name="Oval 136">
-            <a:extLst>
-              <a:ext uri="{FF2B5EF4-FFF2-40B4-BE49-F238E27FC236}">
-                <a16:creationId xmlns:a16="http://schemas.microsoft.com/office/drawing/2014/main" id="{33DEAE77-BD45-431B-B2F4-5D2C4FA46CB2}"/>
-              </a:ext>
-            </a:extLst>
-          </p:cNvPr>
-          <p:cNvSpPr/>
-          <p:nvPr/>
-        </p:nvSpPr>
-        <p:spPr>
-          <a:xfrm>
-            <a:off x="5676747" y="9016955"/>
-            <a:ext cx="900000" cy="900000"/>
-          </a:xfrm>
-          <a:prstGeom prst="ellipse">
-            <a:avLst/>
-          </a:prstGeom>
-        </p:spPr>
-        <p:style>
-          <a:lnRef idx="2">
-            <a:schemeClr val="dk1">
-              <a:shade val="50000"/>
-            </a:schemeClr>
-          </a:lnRef>
-          <a:fillRef idx="1">
-            <a:schemeClr val="dk1"/>
-          </a:fillRef>
-          <a:effectRef idx="0">
-            <a:schemeClr val="dk1"/>
-          </a:effectRef>
-          <a:fontRef idx="minor">
-            <a:schemeClr val="lt1"/>
-          </a:fontRef>
-        </p:style>
-        <p:txBody>
-          <a:bodyPr rtlCol="0" anchor="ctr"/>
-          <a:lstStyle/>
-          <a:p>
-            <a:pPr algn="ctr"/>
-            <a:endParaRPr lang="en-GB"/>
-          </a:p>
-        </p:txBody>
-      </p:sp>
-      <p:cxnSp>
-        <p:nvCxnSpPr>
-          <p:cNvPr id="138" name="Straight Connector 137">
-            <a:extLst>
-              <a:ext uri="{FF2B5EF4-FFF2-40B4-BE49-F238E27FC236}">
-                <a16:creationId xmlns:a16="http://schemas.microsoft.com/office/drawing/2014/main" id="{8661E972-1E30-4613-8693-9A2E62C7DD0C}"/>
-              </a:ext>
-            </a:extLst>
-          </p:cNvPr>
-          <p:cNvCxnSpPr>
-            <a:stCxn id="136" idx="6"/>
-            <a:endCxn id="137" idx="2"/>
-          </p:cNvCxnSpPr>
-          <p:nvPr/>
-        </p:nvCxnSpPr>
-        <p:spPr>
-          <a:xfrm>
-            <a:off x="1522564" y="9466955"/>
-            <a:ext cx="4154183" cy="0"/>
-          </a:xfrm>
-          <a:prstGeom prst="line">
-            <a:avLst/>
-          </a:prstGeom>
-          <a:ln w="76200">
-            <a:solidFill>
-              <a:schemeClr val="tx1"/>
-            </a:solidFill>
-          </a:ln>
-        </p:spPr>
-        <p:style>
-          <a:lnRef idx="1">
-            <a:schemeClr val="dk1"/>
-          </a:lnRef>
-          <a:fillRef idx="0">
-            <a:schemeClr val="dk1"/>
-          </a:fillRef>
-          <a:effectRef idx="0">
-            <a:schemeClr val="dk1"/>
-          </a:effectRef>
-          <a:fontRef idx="minor">
-            <a:schemeClr val="tx1"/>
-          </a:fontRef>
-        </p:style>
-      </p:cxnSp>
-      <p:cxnSp>
-        <p:nvCxnSpPr>
-          <p:cNvPr id="139" name="Straight Connector 138">
-            <a:extLst>
-              <a:ext uri="{FF2B5EF4-FFF2-40B4-BE49-F238E27FC236}">
-                <a16:creationId xmlns:a16="http://schemas.microsoft.com/office/drawing/2014/main" id="{EE43A415-7CF4-45A4-8466-C4566F20F8CB}"/>
-              </a:ext>
-            </a:extLst>
-          </p:cNvPr>
-          <p:cNvCxnSpPr>
-            <a:cxnSpLocks/>
-          </p:cNvCxnSpPr>
-          <p:nvPr/>
-        </p:nvCxnSpPr>
-        <p:spPr>
-          <a:xfrm>
-            <a:off x="2016650" y="9185889"/>
-            <a:ext cx="0" cy="562131"/>
-          </a:xfrm>
-          <a:prstGeom prst="line">
-            <a:avLst/>
-          </a:prstGeom>
-          <a:ln w="57150">
-            <a:solidFill>
-              <a:schemeClr val="tx1"/>
-            </a:solidFill>
-          </a:ln>
-        </p:spPr>
-        <p:style>
-          <a:lnRef idx="1">
-            <a:schemeClr val="accent1"/>
-          </a:lnRef>
-          <a:fillRef idx="0">
-            <a:schemeClr val="accent1"/>
-          </a:fillRef>
-          <a:effectRef idx="0">
-            <a:schemeClr val="accent1"/>
-          </a:effectRef>
-          <a:fontRef idx="minor">
-            <a:schemeClr val="tx1"/>
-          </a:fontRef>
-        </p:style>
-      </p:cxnSp>
-      <p:cxnSp>
-        <p:nvCxnSpPr>
-          <p:cNvPr id="140" name="Straight Connector 139">
-            <a:extLst>
-              <a:ext uri="{FF2B5EF4-FFF2-40B4-BE49-F238E27FC236}">
-                <a16:creationId xmlns:a16="http://schemas.microsoft.com/office/drawing/2014/main" id="{8228A744-BFDB-40A6-85D2-6ED7DE899309}"/>
-              </a:ext>
-            </a:extLst>
-          </p:cNvPr>
-          <p:cNvCxnSpPr>
-            <a:cxnSpLocks/>
-          </p:cNvCxnSpPr>
-          <p:nvPr/>
-        </p:nvCxnSpPr>
-        <p:spPr>
-          <a:xfrm>
-            <a:off x="5182073" y="9173691"/>
-            <a:ext cx="0" cy="562131"/>
-          </a:xfrm>
-          <a:prstGeom prst="line">
-            <a:avLst/>
-          </a:prstGeom>
-          <a:ln w="57150">
-            <a:solidFill>
-              <a:schemeClr val="tx1"/>
-            </a:solidFill>
-          </a:ln>
-        </p:spPr>
-        <p:style>
-          <a:lnRef idx="1">
-            <a:schemeClr val="accent1"/>
-          </a:lnRef>
-          <a:fillRef idx="0">
-            <a:schemeClr val="accent1"/>
-          </a:fillRef>
-          <a:effectRef idx="0">
-            <a:schemeClr val="accent1"/>
-          </a:effectRef>
-          <a:fontRef idx="minor">
-            <a:schemeClr val="tx1"/>
-          </a:fontRef>
-        </p:style>
-      </p:cxnSp>
-      <p:cxnSp>
-        <p:nvCxnSpPr>
-          <p:cNvPr id="141" name="Straight Connector 140">
-            <a:extLst>
-              <a:ext uri="{FF2B5EF4-FFF2-40B4-BE49-F238E27FC236}">
-                <a16:creationId xmlns:a16="http://schemas.microsoft.com/office/drawing/2014/main" id="{0DCD717B-42F9-4E3E-9433-192969AFE456}"/>
-              </a:ext>
-            </a:extLst>
-          </p:cNvPr>
-          <p:cNvCxnSpPr>
-            <a:cxnSpLocks/>
-          </p:cNvCxnSpPr>
-          <p:nvPr/>
-        </p:nvCxnSpPr>
-        <p:spPr>
-          <a:xfrm>
-            <a:off x="4412578" y="9173690"/>
-            <a:ext cx="0" cy="562131"/>
-          </a:xfrm>
-          <a:prstGeom prst="line">
-            <a:avLst/>
-          </a:prstGeom>
-          <a:ln w="57150">
-            <a:solidFill>
-              <a:schemeClr val="tx1"/>
-            </a:solidFill>
-          </a:ln>
-        </p:spPr>
-        <p:style>
-          <a:lnRef idx="1">
-            <a:schemeClr val="accent1"/>
-          </a:lnRef>
-          <a:fillRef idx="0">
-            <a:schemeClr val="accent1"/>
-          </a:fillRef>
-          <a:effectRef idx="0">
-            <a:schemeClr val="accent1"/>
-          </a:effectRef>
-          <a:fontRef idx="minor">
-            <a:schemeClr val="tx1"/>
-          </a:fontRef>
-        </p:style>
-      </p:cxnSp>
-      <p:cxnSp>
-        <p:nvCxnSpPr>
-          <p:cNvPr id="142" name="Straight Connector 141">
-            <a:extLst>
-              <a:ext uri="{FF2B5EF4-FFF2-40B4-BE49-F238E27FC236}">
-                <a16:creationId xmlns:a16="http://schemas.microsoft.com/office/drawing/2014/main" id="{25B09E86-1A8A-4F9B-9CFF-25AFFBE0EA17}"/>
-              </a:ext>
-            </a:extLst>
-          </p:cNvPr>
-          <p:cNvCxnSpPr>
-            <a:cxnSpLocks/>
-          </p:cNvCxnSpPr>
-          <p:nvPr/>
-        </p:nvCxnSpPr>
-        <p:spPr>
-          <a:xfrm>
-            <a:off x="2726185" y="9156789"/>
-            <a:ext cx="0" cy="562131"/>
-          </a:xfrm>
-          <a:prstGeom prst="line">
-            <a:avLst/>
-          </a:prstGeom>
-          <a:ln w="57150">
-            <a:solidFill>
-              <a:schemeClr val="tx1"/>
-            </a:solidFill>
-          </a:ln>
-        </p:spPr>
-        <p:style>
-          <a:lnRef idx="1">
-            <a:schemeClr val="accent1"/>
-          </a:lnRef>
-          <a:fillRef idx="0">
-            <a:schemeClr val="accent1"/>
-          </a:fillRef>
-          <a:effectRef idx="0">
-            <a:schemeClr val="accent1"/>
-          </a:effectRef>
-          <a:fontRef idx="minor">
-            <a:schemeClr val="tx1"/>
-          </a:fontRef>
-        </p:style>
-      </p:cxnSp>
-      <p:cxnSp>
-        <p:nvCxnSpPr>
-          <p:cNvPr id="143" name="Straight Connector 142">
-            <a:extLst>
-              <a:ext uri="{FF2B5EF4-FFF2-40B4-BE49-F238E27FC236}">
-                <a16:creationId xmlns:a16="http://schemas.microsoft.com/office/drawing/2014/main" id="{456E50D6-04FF-4688-B321-310CEBC95E00}"/>
-              </a:ext>
-            </a:extLst>
-          </p:cNvPr>
-          <p:cNvCxnSpPr>
-            <a:cxnSpLocks/>
-          </p:cNvCxnSpPr>
-          <p:nvPr/>
-        </p:nvCxnSpPr>
-        <p:spPr>
-          <a:xfrm>
-            <a:off x="3555158" y="9173689"/>
-            <a:ext cx="0" cy="562131"/>
-          </a:xfrm>
-          <a:prstGeom prst="line">
-            <a:avLst/>
-          </a:prstGeom>
-          <a:ln w="57150">
-            <a:solidFill>
-              <a:schemeClr val="tx1"/>
-            </a:solidFill>
-          </a:ln>
-        </p:spPr>
-        <p:style>
-          <a:lnRef idx="1">
-            <a:schemeClr val="accent1"/>
-          </a:lnRef>
-          <a:fillRef idx="0">
-            <a:schemeClr val="accent1"/>
-          </a:fillRef>
-          <a:effectRef idx="0">
-            <a:schemeClr val="accent1"/>
-          </a:effectRef>
-          <a:fontRef idx="minor">
-            <a:schemeClr val="tx1"/>
-          </a:fontRef>
-        </p:style>
-      </p:cxnSp>
-      <p:sp>
-        <p:nvSpPr>
-          <p:cNvPr id="144" name="Arrow: Right 143">
-            <a:extLst>
-              <a:ext uri="{FF2B5EF4-FFF2-40B4-BE49-F238E27FC236}">
-                <a16:creationId xmlns:a16="http://schemas.microsoft.com/office/drawing/2014/main" id="{69CD0908-99DB-43E5-AE81-55D36E35A156}"/>
-              </a:ext>
-            </a:extLst>
-          </p:cNvPr>
-          <p:cNvSpPr/>
-          <p:nvPr/>
-        </p:nvSpPr>
-        <p:spPr>
-          <a:xfrm rot="5400000">
-            <a:off x="3265830" y="8859784"/>
-            <a:ext cx="569621" cy="539642"/>
-          </a:xfrm>
-          <a:prstGeom prst="rightArrow">
-            <a:avLst>
-              <a:gd name="adj1" fmla="val 23451"/>
-              <a:gd name="adj2" fmla="val 37273"/>
-            </a:avLst>
-          </a:prstGeom>
-          <a:solidFill>
-            <a:schemeClr val="tx2"/>
-          </a:solidFill>
-          <a:ln>
-            <a:solidFill>
-              <a:schemeClr val="tx1"/>
-            </a:solidFill>
-          </a:ln>
-        </p:spPr>
-        <p:style>
-          <a:lnRef idx="2">
-            <a:schemeClr val="dk1">
-              <a:shade val="50000"/>
-            </a:schemeClr>
-          </a:lnRef>
-          <a:fillRef idx="1">
-            <a:schemeClr val="dk1"/>
-          </a:fillRef>
-          <a:effectRef idx="0">
-            <a:schemeClr val="dk1"/>
-          </a:effectRef>
-          <a:fontRef idx="minor">
-            <a:schemeClr val="lt1"/>
-          </a:fontRef>
-        </p:style>
-        <p:txBody>
-          <a:bodyPr rtlCol="0" anchor="ctr"/>
-          <a:lstStyle/>
-          <a:p>
-            <a:pPr algn="ctr"/>
-            <a:endParaRPr lang="en-GB"/>
-          </a:p>
-        </p:txBody>
-      </p:sp>
-      <p:sp>
-        <p:nvSpPr>
-          <p:cNvPr id="145" name="TextBox 144">
-            <a:extLst>
-              <a:ext uri="{FF2B5EF4-FFF2-40B4-BE49-F238E27FC236}">
-                <a16:creationId xmlns:a16="http://schemas.microsoft.com/office/drawing/2014/main" id="{789F76BB-CA54-439C-8BC8-A579971E4C1F}"/>
-              </a:ext>
-            </a:extLst>
-          </p:cNvPr>
-          <p:cNvSpPr txBox="1"/>
-          <p:nvPr/>
-        </p:nvSpPr>
-        <p:spPr>
-          <a:xfrm>
-            <a:off x="1522568" y="8207480"/>
-            <a:ext cx="4154179" cy="584775"/>
-          </a:xfrm>
-          <a:prstGeom prst="rect">
-            <a:avLst/>
-          </a:prstGeom>
-          <a:noFill/>
-        </p:spPr>
-        <p:txBody>
-          <a:bodyPr wrap="square" rtlCol="0">
-            <a:spAutoFit/>
-          </a:bodyPr>
-          <a:lstStyle/>
-          <a:p>
-            <a:pPr algn="ctr"/>
-            <a:r>
-              <a:rPr lang="en-GB" sz="3200">
-                <a:latin typeface="Aharoni" panose="02010803020104030203" pitchFamily="2" charset="-79"/>
-                <a:cs typeface="Aharoni" panose="02010803020104030203" pitchFamily="2" charset="-79"/>
-              </a:rPr>
-              <a:t>Sleep</a:t>
-            </a:r>
-          </a:p>
-        </p:txBody>
-      </p:sp>
-      <p:sp>
-        <p:nvSpPr>
-          <p:cNvPr id="146" name="Rectangle 145">
-            <a:extLst>
-              <a:ext uri="{FF2B5EF4-FFF2-40B4-BE49-F238E27FC236}">
-                <a16:creationId xmlns:a16="http://schemas.microsoft.com/office/drawing/2014/main" id="{A4364AD3-E157-4666-9CE0-B2218902F109}"/>
-              </a:ext>
-            </a:extLst>
-          </p:cNvPr>
-          <p:cNvSpPr/>
-          <p:nvPr/>
-        </p:nvSpPr>
-        <p:spPr>
-          <a:xfrm>
-            <a:off x="4287188" y="10073390"/>
-            <a:ext cx="2912126" cy="749887"/>
-          </a:xfrm>
-          <a:prstGeom prst="rect">
-            <a:avLst/>
-          </a:prstGeom>
-          <a:solidFill>
-            <a:schemeClr val="accent2"/>
-          </a:solidFill>
-          <a:ln>
-            <a:solidFill>
-              <a:schemeClr val="tx1"/>
-            </a:solidFill>
-          </a:ln>
-        </p:spPr>
-        <p:style>
-          <a:lnRef idx="2">
-            <a:schemeClr val="accent1">
-              <a:shade val="50000"/>
-            </a:schemeClr>
-          </a:lnRef>
-          <a:fillRef idx="1">
-            <a:schemeClr val="accent1"/>
-          </a:fillRef>
-          <a:effectRef idx="0">
-            <a:schemeClr val="accent1"/>
-          </a:effectRef>
-          <a:fontRef idx="minor">
-            <a:schemeClr val="lt1"/>
-          </a:fontRef>
-        </p:style>
-        <p:txBody>
-          <a:bodyPr rtlCol="0" anchor="ctr"/>
-          <a:lstStyle/>
-          <a:p>
-            <a:pPr algn="ctr"/>
-            <a:endParaRPr lang="en-GB"/>
-          </a:p>
-        </p:txBody>
-      </p:sp>
-      <p:sp>
-        <p:nvSpPr>
-          <p:cNvPr id="147" name="TextBox 146">
-            <a:extLst>
-              <a:ext uri="{FF2B5EF4-FFF2-40B4-BE49-F238E27FC236}">
-                <a16:creationId xmlns:a16="http://schemas.microsoft.com/office/drawing/2014/main" id="{3E154F54-F301-4D0C-A154-07EA2BCD6FE5}"/>
-              </a:ext>
-            </a:extLst>
-          </p:cNvPr>
-          <p:cNvSpPr txBox="1"/>
-          <p:nvPr/>
-        </p:nvSpPr>
-        <p:spPr>
-          <a:xfrm>
-            <a:off x="4746405" y="10155945"/>
-            <a:ext cx="1993692" cy="584775"/>
-          </a:xfrm>
-          <a:prstGeom prst="rect">
-            <a:avLst/>
-          </a:prstGeom>
-          <a:noFill/>
-        </p:spPr>
-        <p:txBody>
-          <a:bodyPr wrap="square" rtlCol="0">
-            <a:spAutoFit/>
-          </a:bodyPr>
-          <a:lstStyle/>
-          <a:p>
-            <a:pPr algn="ctr"/>
-            <a:r>
-              <a:rPr lang="en-GB" sz="3200"/>
-              <a:t>Next</a:t>
-            </a:r>
-          </a:p>
-        </p:txBody>
-      </p:sp>
-      <p:sp>
-        <p:nvSpPr>
-          <p:cNvPr id="150" name="Rectangle 149">
-            <a:extLst>
-              <a:ext uri="{FF2B5EF4-FFF2-40B4-BE49-F238E27FC236}">
-                <a16:creationId xmlns:a16="http://schemas.microsoft.com/office/drawing/2014/main" id="{7FF5D918-E295-4D51-A999-F0D4365C60A6}"/>
-              </a:ext>
-            </a:extLst>
-          </p:cNvPr>
-          <p:cNvSpPr/>
-          <p:nvPr/>
-        </p:nvSpPr>
-        <p:spPr>
-          <a:xfrm>
-            <a:off x="0" y="10073390"/>
-            <a:ext cx="2912126" cy="749887"/>
-          </a:xfrm>
-          <a:prstGeom prst="rect">
-            <a:avLst/>
-          </a:prstGeom>
-          <a:solidFill>
-            <a:schemeClr val="accent2"/>
-          </a:solidFill>
-          <a:ln>
-            <a:solidFill>
-              <a:schemeClr val="tx1"/>
-            </a:solidFill>
-          </a:ln>
-        </p:spPr>
-        <p:style>
-          <a:lnRef idx="2">
-            <a:schemeClr val="accent1">
-              <a:shade val="50000"/>
-            </a:schemeClr>
-          </a:lnRef>
-          <a:fillRef idx="1">
-            <a:schemeClr val="accent1"/>
-          </a:fillRef>
-          <a:effectRef idx="0">
-            <a:schemeClr val="accent1"/>
-          </a:effectRef>
-          <a:fontRef idx="minor">
-            <a:schemeClr val="lt1"/>
-          </a:fontRef>
-        </p:style>
-        <p:txBody>
-          <a:bodyPr rtlCol="0" anchor="ctr"/>
-          <a:lstStyle/>
-          <a:p>
-            <a:pPr algn="ctr"/>
-            <a:endParaRPr lang="en-GB"/>
-          </a:p>
-        </p:txBody>
-      </p:sp>
-      <p:sp>
-        <p:nvSpPr>
-          <p:cNvPr id="151" name="TextBox 150">
-            <a:extLst>
-              <a:ext uri="{FF2B5EF4-FFF2-40B4-BE49-F238E27FC236}">
-                <a16:creationId xmlns:a16="http://schemas.microsoft.com/office/drawing/2014/main" id="{4C9AA2AF-5B06-430D-9141-E8B561D11934}"/>
-              </a:ext>
-            </a:extLst>
-          </p:cNvPr>
-          <p:cNvSpPr txBox="1"/>
-          <p:nvPr/>
-        </p:nvSpPr>
-        <p:spPr>
-          <a:xfrm>
-            <a:off x="417807" y="10099747"/>
-            <a:ext cx="1993692" cy="584775"/>
-          </a:xfrm>
-          <a:prstGeom prst="rect">
-            <a:avLst/>
-          </a:prstGeom>
-          <a:noFill/>
-        </p:spPr>
-        <p:txBody>
-          <a:bodyPr wrap="square" rtlCol="0">
-            <a:spAutoFit/>
-          </a:bodyPr>
-          <a:lstStyle/>
-          <a:p>
-            <a:pPr algn="ctr"/>
-            <a:r>
-              <a:rPr lang="en-GB" sz="3200" dirty="0"/>
-              <a:t>Back</a:t>
-            </a:r>
-          </a:p>
-        </p:txBody>
-      </p:sp>
-      <p:sp>
-        <p:nvSpPr>
-          <p:cNvPr id="152" name="TextBox 151">
-            <a:extLst>
-              <a:ext uri="{FF2B5EF4-FFF2-40B4-BE49-F238E27FC236}">
-                <a16:creationId xmlns:a16="http://schemas.microsoft.com/office/drawing/2014/main" id="{32A7A01C-EC5F-4B42-A1EC-88AA7358017A}"/>
-              </a:ext>
-            </a:extLst>
-          </p:cNvPr>
-          <p:cNvSpPr txBox="1"/>
-          <p:nvPr/>
-        </p:nvSpPr>
-        <p:spPr>
-          <a:xfrm>
-            <a:off x="768533" y="187361"/>
-            <a:ext cx="5673777" cy="646331"/>
-          </a:xfrm>
-          <a:prstGeom prst="rect">
-            <a:avLst/>
-          </a:prstGeom>
-          <a:noFill/>
-        </p:spPr>
-        <p:txBody>
-          <a:bodyPr wrap="square" rtlCol="0">
-            <a:spAutoFit/>
-          </a:bodyPr>
-          <a:lstStyle/>
-          <a:p>
-            <a:pPr algn="ctr"/>
-            <a:r>
-              <a:rPr lang="en-GB" sz="3600" dirty="0">
-                <a:latin typeface="Aharoni" panose="02010803020104030203" pitchFamily="2" charset="-79"/>
-                <a:cs typeface="Aharoni" panose="02010803020104030203" pitchFamily="2" charset="-79"/>
-              </a:rPr>
-              <a:t>Rate needs fulfilled</a:t>
+              <a:t>Motivation</a:t>
             </a:r>
           </a:p>
         </p:txBody>
@@ -6655,7 +5337,7 @@
     </p:spTree>
     <p:extLst>
       <p:ext uri="{BB962C8B-B14F-4D97-AF65-F5344CB8AC3E}">
-        <p14:creationId xmlns:p14="http://schemas.microsoft.com/office/powerpoint/2010/main" val="4047637774"/>
+        <p14:creationId xmlns:p14="http://schemas.microsoft.com/office/powerpoint/2010/main" val="1493420028"/>
       </p:ext>
     </p:extLst>
   </p:cSld>
@@ -6684,49 +5366,2208 @@
       </p:grpSpPr>
       <p:sp>
         <p:nvSpPr>
-          <p:cNvPr id="3" name="Content Placeholder 2">
-            <a:extLst>
-              <a:ext uri="{FF2B5EF4-FFF2-40B4-BE49-F238E27FC236}">
-                <a16:creationId xmlns:a16="http://schemas.microsoft.com/office/drawing/2014/main" id="{CAE59CD3-B5DE-4554-B40A-DCB7EDB319AE}"/>
-              </a:ext>
-            </a:extLst>
-          </p:cNvPr>
-          <p:cNvSpPr>
-            <a:spLocks noGrp="1"/>
-          </p:cNvSpPr>
-          <p:nvPr>
-            <p:ph idx="1"/>
-          </p:nvPr>
-        </p:nvSpPr>
-        <p:spPr/>
-        <p:txBody>
-          <a:bodyPr/>
-          <a:lstStyle/>
-          <a:p>
+          <p:cNvPr id="82" name="Rectangle 81">
+            <a:extLst>
+              <a:ext uri="{FF2B5EF4-FFF2-40B4-BE49-F238E27FC236}">
+                <a16:creationId xmlns:a16="http://schemas.microsoft.com/office/drawing/2014/main" id="{F717FB9A-6DDA-494F-A429-B4A96023F2B8}"/>
+              </a:ext>
+            </a:extLst>
+          </p:cNvPr>
+          <p:cNvSpPr/>
+          <p:nvPr/>
+        </p:nvSpPr>
+        <p:spPr>
+          <a:xfrm>
+            <a:off x="622564" y="2775602"/>
+            <a:ext cx="5954183" cy="1806322"/>
+          </a:xfrm>
+          <a:prstGeom prst="rect">
+            <a:avLst/>
+          </a:prstGeom>
+          <a:solidFill>
+            <a:schemeClr val="bg1"/>
+          </a:solidFill>
+          <a:ln>
+            <a:solidFill>
+              <a:schemeClr val="tx1"/>
+            </a:solidFill>
+          </a:ln>
+        </p:spPr>
+        <p:style>
+          <a:lnRef idx="2">
+            <a:schemeClr val="accent1">
+              <a:shade val="50000"/>
+            </a:schemeClr>
+          </a:lnRef>
+          <a:fillRef idx="1">
+            <a:schemeClr val="accent1"/>
+          </a:fillRef>
+          <a:effectRef idx="0">
+            <a:schemeClr val="accent1"/>
+          </a:effectRef>
+          <a:fontRef idx="minor">
+            <a:schemeClr val="lt1"/>
+          </a:fontRef>
+        </p:style>
+        <p:txBody>
+          <a:bodyPr rtlCol="0" anchor="ctr"/>
+          <a:lstStyle/>
+          <a:p>
+            <a:pPr algn="ctr"/>
             <a:endParaRPr lang="en-GB"/>
           </a:p>
         </p:txBody>
       </p:sp>
       <p:sp>
         <p:nvSpPr>
-          <p:cNvPr id="4" name="Title 3">
-            <a:extLst>
-              <a:ext uri="{FF2B5EF4-FFF2-40B4-BE49-F238E27FC236}">
-                <a16:creationId xmlns:a16="http://schemas.microsoft.com/office/drawing/2014/main" id="{CD6D1FC5-0C0D-4F57-A2D4-D234D5F69653}"/>
-              </a:ext>
-            </a:extLst>
-          </p:cNvPr>
-          <p:cNvSpPr txBox="1">
-            <a:spLocks noGrp="1"/>
-          </p:cNvSpPr>
-          <p:nvPr>
-            <p:ph type="title"/>
-          </p:nvPr>
-        </p:nvSpPr>
-        <p:spPr>
-          <a:xfrm>
-            <a:off x="495647" y="467695"/>
-            <a:ext cx="6208713" cy="604781"/>
+          <p:cNvPr id="83" name="Oval 82">
+            <a:extLst>
+              <a:ext uri="{FF2B5EF4-FFF2-40B4-BE49-F238E27FC236}">
+                <a16:creationId xmlns:a16="http://schemas.microsoft.com/office/drawing/2014/main" id="{ECD5818C-C8F0-43C0-B54A-F2769864F874}"/>
+              </a:ext>
+            </a:extLst>
+          </p:cNvPr>
+          <p:cNvSpPr/>
+          <p:nvPr/>
+        </p:nvSpPr>
+        <p:spPr>
+          <a:xfrm>
+            <a:off x="622564" y="3585077"/>
+            <a:ext cx="900000" cy="900000"/>
+          </a:xfrm>
+          <a:prstGeom prst="ellipse">
+            <a:avLst/>
+          </a:prstGeom>
+        </p:spPr>
+        <p:style>
+          <a:lnRef idx="2">
+            <a:schemeClr val="dk1">
+              <a:shade val="50000"/>
+            </a:schemeClr>
+          </a:lnRef>
+          <a:fillRef idx="1">
+            <a:schemeClr val="dk1"/>
+          </a:fillRef>
+          <a:effectRef idx="0">
+            <a:schemeClr val="dk1"/>
+          </a:effectRef>
+          <a:fontRef idx="minor">
+            <a:schemeClr val="lt1"/>
+          </a:fontRef>
+        </p:style>
+        <p:txBody>
+          <a:bodyPr rtlCol="0" anchor="ctr"/>
+          <a:lstStyle/>
+          <a:p>
+            <a:pPr algn="ctr"/>
+            <a:endParaRPr lang="en-GB"/>
+          </a:p>
+        </p:txBody>
+      </p:sp>
+      <p:sp>
+        <p:nvSpPr>
+          <p:cNvPr id="84" name="Oval 83">
+            <a:extLst>
+              <a:ext uri="{FF2B5EF4-FFF2-40B4-BE49-F238E27FC236}">
+                <a16:creationId xmlns:a16="http://schemas.microsoft.com/office/drawing/2014/main" id="{EA2ECEDE-75D2-44BE-8C8A-01968D77880A}"/>
+              </a:ext>
+            </a:extLst>
+          </p:cNvPr>
+          <p:cNvSpPr/>
+          <p:nvPr/>
+        </p:nvSpPr>
+        <p:spPr>
+          <a:xfrm>
+            <a:off x="5676747" y="3585077"/>
+            <a:ext cx="900000" cy="900000"/>
+          </a:xfrm>
+          <a:prstGeom prst="ellipse">
+            <a:avLst/>
+          </a:prstGeom>
+        </p:spPr>
+        <p:style>
+          <a:lnRef idx="2">
+            <a:schemeClr val="dk1">
+              <a:shade val="50000"/>
+            </a:schemeClr>
+          </a:lnRef>
+          <a:fillRef idx="1">
+            <a:schemeClr val="dk1"/>
+          </a:fillRef>
+          <a:effectRef idx="0">
+            <a:schemeClr val="dk1"/>
+          </a:effectRef>
+          <a:fontRef idx="minor">
+            <a:schemeClr val="lt1"/>
+          </a:fontRef>
+        </p:style>
+        <p:txBody>
+          <a:bodyPr rtlCol="0" anchor="ctr"/>
+          <a:lstStyle/>
+          <a:p>
+            <a:pPr algn="ctr"/>
+            <a:endParaRPr lang="en-GB"/>
+          </a:p>
+        </p:txBody>
+      </p:sp>
+      <p:cxnSp>
+        <p:nvCxnSpPr>
+          <p:cNvPr id="85" name="Straight Connector 84">
+            <a:extLst>
+              <a:ext uri="{FF2B5EF4-FFF2-40B4-BE49-F238E27FC236}">
+                <a16:creationId xmlns:a16="http://schemas.microsoft.com/office/drawing/2014/main" id="{40CFFDF8-B8E5-436D-A9D3-AF46AC862B98}"/>
+              </a:ext>
+            </a:extLst>
+          </p:cNvPr>
+          <p:cNvCxnSpPr>
+            <a:stCxn id="83" idx="6"/>
+            <a:endCxn id="84" idx="2"/>
+          </p:cNvCxnSpPr>
+          <p:nvPr/>
+        </p:nvCxnSpPr>
+        <p:spPr>
+          <a:xfrm>
+            <a:off x="1522564" y="4035077"/>
+            <a:ext cx="4154183" cy="0"/>
+          </a:xfrm>
+          <a:prstGeom prst="line">
+            <a:avLst/>
+          </a:prstGeom>
+          <a:ln w="76200">
+            <a:solidFill>
+              <a:schemeClr val="tx1"/>
+            </a:solidFill>
+          </a:ln>
+        </p:spPr>
+        <p:style>
+          <a:lnRef idx="1">
+            <a:schemeClr val="dk1"/>
+          </a:lnRef>
+          <a:fillRef idx="0">
+            <a:schemeClr val="dk1"/>
+          </a:fillRef>
+          <a:effectRef idx="0">
+            <a:schemeClr val="dk1"/>
+          </a:effectRef>
+          <a:fontRef idx="minor">
+            <a:schemeClr val="tx1"/>
+          </a:fontRef>
+        </p:style>
+      </p:cxnSp>
+      <p:cxnSp>
+        <p:nvCxnSpPr>
+          <p:cNvPr id="86" name="Straight Connector 85">
+            <a:extLst>
+              <a:ext uri="{FF2B5EF4-FFF2-40B4-BE49-F238E27FC236}">
+                <a16:creationId xmlns:a16="http://schemas.microsoft.com/office/drawing/2014/main" id="{75EAE935-D2C4-4196-AA09-D7C0A4751496}"/>
+              </a:ext>
+            </a:extLst>
+          </p:cNvPr>
+          <p:cNvCxnSpPr>
+            <a:cxnSpLocks/>
+          </p:cNvCxnSpPr>
+          <p:nvPr/>
+        </p:nvCxnSpPr>
+        <p:spPr>
+          <a:xfrm>
+            <a:off x="2016650" y="3754011"/>
+            <a:ext cx="0" cy="562131"/>
+          </a:xfrm>
+          <a:prstGeom prst="line">
+            <a:avLst/>
+          </a:prstGeom>
+          <a:ln w="57150">
+            <a:solidFill>
+              <a:schemeClr val="tx1"/>
+            </a:solidFill>
+          </a:ln>
+        </p:spPr>
+        <p:style>
+          <a:lnRef idx="1">
+            <a:schemeClr val="accent1"/>
+          </a:lnRef>
+          <a:fillRef idx="0">
+            <a:schemeClr val="accent1"/>
+          </a:fillRef>
+          <a:effectRef idx="0">
+            <a:schemeClr val="accent1"/>
+          </a:effectRef>
+          <a:fontRef idx="minor">
+            <a:schemeClr val="tx1"/>
+          </a:fontRef>
+        </p:style>
+      </p:cxnSp>
+      <p:cxnSp>
+        <p:nvCxnSpPr>
+          <p:cNvPr id="87" name="Straight Connector 86">
+            <a:extLst>
+              <a:ext uri="{FF2B5EF4-FFF2-40B4-BE49-F238E27FC236}">
+                <a16:creationId xmlns:a16="http://schemas.microsoft.com/office/drawing/2014/main" id="{C4D03FC2-F9A3-4A94-A147-823AB019068C}"/>
+              </a:ext>
+            </a:extLst>
+          </p:cNvPr>
+          <p:cNvCxnSpPr>
+            <a:cxnSpLocks/>
+          </p:cNvCxnSpPr>
+          <p:nvPr/>
+        </p:nvCxnSpPr>
+        <p:spPr>
+          <a:xfrm>
+            <a:off x="5182073" y="3741813"/>
+            <a:ext cx="0" cy="562131"/>
+          </a:xfrm>
+          <a:prstGeom prst="line">
+            <a:avLst/>
+          </a:prstGeom>
+          <a:ln w="57150">
+            <a:solidFill>
+              <a:schemeClr val="tx1"/>
+            </a:solidFill>
+          </a:ln>
+        </p:spPr>
+        <p:style>
+          <a:lnRef idx="1">
+            <a:schemeClr val="accent1"/>
+          </a:lnRef>
+          <a:fillRef idx="0">
+            <a:schemeClr val="accent1"/>
+          </a:fillRef>
+          <a:effectRef idx="0">
+            <a:schemeClr val="accent1"/>
+          </a:effectRef>
+          <a:fontRef idx="minor">
+            <a:schemeClr val="tx1"/>
+          </a:fontRef>
+        </p:style>
+      </p:cxnSp>
+      <p:cxnSp>
+        <p:nvCxnSpPr>
+          <p:cNvPr id="88" name="Straight Connector 87">
+            <a:extLst>
+              <a:ext uri="{FF2B5EF4-FFF2-40B4-BE49-F238E27FC236}">
+                <a16:creationId xmlns:a16="http://schemas.microsoft.com/office/drawing/2014/main" id="{AEB7FFD4-57E1-4EE3-A083-F5F26F7CEC10}"/>
+              </a:ext>
+            </a:extLst>
+          </p:cNvPr>
+          <p:cNvCxnSpPr>
+            <a:cxnSpLocks/>
+          </p:cNvCxnSpPr>
+          <p:nvPr/>
+        </p:nvCxnSpPr>
+        <p:spPr>
+          <a:xfrm>
+            <a:off x="4412578" y="3741812"/>
+            <a:ext cx="0" cy="562131"/>
+          </a:xfrm>
+          <a:prstGeom prst="line">
+            <a:avLst/>
+          </a:prstGeom>
+          <a:ln w="57150">
+            <a:solidFill>
+              <a:schemeClr val="tx1"/>
+            </a:solidFill>
+          </a:ln>
+        </p:spPr>
+        <p:style>
+          <a:lnRef idx="1">
+            <a:schemeClr val="accent1"/>
+          </a:lnRef>
+          <a:fillRef idx="0">
+            <a:schemeClr val="accent1"/>
+          </a:fillRef>
+          <a:effectRef idx="0">
+            <a:schemeClr val="accent1"/>
+          </a:effectRef>
+          <a:fontRef idx="minor">
+            <a:schemeClr val="tx1"/>
+          </a:fontRef>
+        </p:style>
+      </p:cxnSp>
+      <p:cxnSp>
+        <p:nvCxnSpPr>
+          <p:cNvPr id="89" name="Straight Connector 88">
+            <a:extLst>
+              <a:ext uri="{FF2B5EF4-FFF2-40B4-BE49-F238E27FC236}">
+                <a16:creationId xmlns:a16="http://schemas.microsoft.com/office/drawing/2014/main" id="{62067EA3-D0CC-4CB2-AA52-579339FB9F9D}"/>
+              </a:ext>
+            </a:extLst>
+          </p:cNvPr>
+          <p:cNvCxnSpPr>
+            <a:cxnSpLocks/>
+          </p:cNvCxnSpPr>
+          <p:nvPr/>
+        </p:nvCxnSpPr>
+        <p:spPr>
+          <a:xfrm>
+            <a:off x="2726185" y="3724911"/>
+            <a:ext cx="0" cy="562131"/>
+          </a:xfrm>
+          <a:prstGeom prst="line">
+            <a:avLst/>
+          </a:prstGeom>
+          <a:ln w="57150">
+            <a:solidFill>
+              <a:schemeClr val="tx1"/>
+            </a:solidFill>
+          </a:ln>
+        </p:spPr>
+        <p:style>
+          <a:lnRef idx="1">
+            <a:schemeClr val="accent1"/>
+          </a:lnRef>
+          <a:fillRef idx="0">
+            <a:schemeClr val="accent1"/>
+          </a:fillRef>
+          <a:effectRef idx="0">
+            <a:schemeClr val="accent1"/>
+          </a:effectRef>
+          <a:fontRef idx="minor">
+            <a:schemeClr val="tx1"/>
+          </a:fontRef>
+        </p:style>
+      </p:cxnSp>
+      <p:cxnSp>
+        <p:nvCxnSpPr>
+          <p:cNvPr id="90" name="Straight Connector 89">
+            <a:extLst>
+              <a:ext uri="{FF2B5EF4-FFF2-40B4-BE49-F238E27FC236}">
+                <a16:creationId xmlns:a16="http://schemas.microsoft.com/office/drawing/2014/main" id="{9DD4A87B-BF12-4E3F-A19F-A3B4079AFE7A}"/>
+              </a:ext>
+            </a:extLst>
+          </p:cNvPr>
+          <p:cNvCxnSpPr>
+            <a:cxnSpLocks/>
+          </p:cNvCxnSpPr>
+          <p:nvPr/>
+        </p:nvCxnSpPr>
+        <p:spPr>
+          <a:xfrm>
+            <a:off x="3555158" y="3741811"/>
+            <a:ext cx="0" cy="562131"/>
+          </a:xfrm>
+          <a:prstGeom prst="line">
+            <a:avLst/>
+          </a:prstGeom>
+          <a:ln w="57150">
+            <a:solidFill>
+              <a:schemeClr val="tx1"/>
+            </a:solidFill>
+          </a:ln>
+        </p:spPr>
+        <p:style>
+          <a:lnRef idx="1">
+            <a:schemeClr val="accent1"/>
+          </a:lnRef>
+          <a:fillRef idx="0">
+            <a:schemeClr val="accent1"/>
+          </a:fillRef>
+          <a:effectRef idx="0">
+            <a:schemeClr val="accent1"/>
+          </a:effectRef>
+          <a:fontRef idx="minor">
+            <a:schemeClr val="tx1"/>
+          </a:fontRef>
+        </p:style>
+      </p:cxnSp>
+      <p:sp>
+        <p:nvSpPr>
+          <p:cNvPr id="91" name="Arrow: Right 90">
+            <a:extLst>
+              <a:ext uri="{FF2B5EF4-FFF2-40B4-BE49-F238E27FC236}">
+                <a16:creationId xmlns:a16="http://schemas.microsoft.com/office/drawing/2014/main" id="{29401ABB-E2E2-4581-A2EB-5B2F8A1C5B88}"/>
+              </a:ext>
+            </a:extLst>
+          </p:cNvPr>
+          <p:cNvSpPr/>
+          <p:nvPr/>
+        </p:nvSpPr>
+        <p:spPr>
+          <a:xfrm rot="5400000">
+            <a:off x="3265830" y="3427906"/>
+            <a:ext cx="569621" cy="539642"/>
+          </a:xfrm>
+          <a:prstGeom prst="rightArrow">
+            <a:avLst>
+              <a:gd name="adj1" fmla="val 23451"/>
+              <a:gd name="adj2" fmla="val 37273"/>
+            </a:avLst>
+          </a:prstGeom>
+          <a:solidFill>
+            <a:schemeClr val="tx2"/>
+          </a:solidFill>
+          <a:ln>
+            <a:solidFill>
+              <a:schemeClr val="tx1"/>
+            </a:solidFill>
+          </a:ln>
+        </p:spPr>
+        <p:style>
+          <a:lnRef idx="2">
+            <a:schemeClr val="dk1">
+              <a:shade val="50000"/>
+            </a:schemeClr>
+          </a:lnRef>
+          <a:fillRef idx="1">
+            <a:schemeClr val="dk1"/>
+          </a:fillRef>
+          <a:effectRef idx="0">
+            <a:schemeClr val="dk1"/>
+          </a:effectRef>
+          <a:fontRef idx="minor">
+            <a:schemeClr val="lt1"/>
+          </a:fontRef>
+        </p:style>
+        <p:txBody>
+          <a:bodyPr rtlCol="0" anchor="ctr"/>
+          <a:lstStyle/>
+          <a:p>
+            <a:pPr algn="ctr"/>
+            <a:endParaRPr lang="en-GB"/>
+          </a:p>
+        </p:txBody>
+      </p:sp>
+      <p:sp>
+        <p:nvSpPr>
+          <p:cNvPr id="92" name="TextBox 91">
+            <a:extLst>
+              <a:ext uri="{FF2B5EF4-FFF2-40B4-BE49-F238E27FC236}">
+                <a16:creationId xmlns:a16="http://schemas.microsoft.com/office/drawing/2014/main" id="{442407C1-9418-4923-9F6D-FF4A9841F1A1}"/>
+              </a:ext>
+            </a:extLst>
+          </p:cNvPr>
+          <p:cNvSpPr txBox="1"/>
+          <p:nvPr/>
+        </p:nvSpPr>
+        <p:spPr>
+          <a:xfrm>
+            <a:off x="1522568" y="2775602"/>
+            <a:ext cx="4154179" cy="584775"/>
+          </a:xfrm>
+          <a:prstGeom prst="rect">
+            <a:avLst/>
+          </a:prstGeom>
+          <a:noFill/>
+        </p:spPr>
+        <p:txBody>
+          <a:bodyPr wrap="square" rtlCol="0">
+            <a:spAutoFit/>
+          </a:bodyPr>
+          <a:lstStyle/>
+          <a:p>
+            <a:pPr algn="ctr"/>
+            <a:r>
+              <a:rPr lang="en-GB" sz="3200" dirty="0">
+                <a:latin typeface="Aharoni" panose="02010803020104030203" pitchFamily="2" charset="-79"/>
+                <a:cs typeface="Aharoni" panose="02010803020104030203" pitchFamily="2" charset="-79"/>
+              </a:rPr>
+              <a:t>Sleep</a:t>
+            </a:r>
+          </a:p>
+        </p:txBody>
+      </p:sp>
+      <p:sp>
+        <p:nvSpPr>
+          <p:cNvPr id="93" name="Rectangle 92">
+            <a:extLst>
+              <a:ext uri="{FF2B5EF4-FFF2-40B4-BE49-F238E27FC236}">
+                <a16:creationId xmlns:a16="http://schemas.microsoft.com/office/drawing/2014/main" id="{96AFF58B-8CC6-4FFF-8B0B-B3622D2C9A7B}"/>
+              </a:ext>
+            </a:extLst>
+          </p:cNvPr>
+          <p:cNvSpPr/>
+          <p:nvPr/>
+        </p:nvSpPr>
+        <p:spPr>
+          <a:xfrm>
+            <a:off x="622564" y="4575002"/>
+            <a:ext cx="5954183" cy="1806322"/>
+          </a:xfrm>
+          <a:prstGeom prst="rect">
+            <a:avLst/>
+          </a:prstGeom>
+          <a:solidFill>
+            <a:schemeClr val="bg1"/>
+          </a:solidFill>
+          <a:ln>
+            <a:solidFill>
+              <a:schemeClr val="tx1"/>
+            </a:solidFill>
+          </a:ln>
+        </p:spPr>
+        <p:style>
+          <a:lnRef idx="2">
+            <a:schemeClr val="accent1">
+              <a:shade val="50000"/>
+            </a:schemeClr>
+          </a:lnRef>
+          <a:fillRef idx="1">
+            <a:schemeClr val="accent1"/>
+          </a:fillRef>
+          <a:effectRef idx="0">
+            <a:schemeClr val="accent1"/>
+          </a:effectRef>
+          <a:fontRef idx="minor">
+            <a:schemeClr val="lt1"/>
+          </a:fontRef>
+        </p:style>
+        <p:txBody>
+          <a:bodyPr rtlCol="0" anchor="ctr"/>
+          <a:lstStyle/>
+          <a:p>
+            <a:pPr algn="ctr"/>
+            <a:endParaRPr lang="en-GB"/>
+          </a:p>
+        </p:txBody>
+      </p:sp>
+      <p:sp>
+        <p:nvSpPr>
+          <p:cNvPr id="94" name="Oval 93">
+            <a:extLst>
+              <a:ext uri="{FF2B5EF4-FFF2-40B4-BE49-F238E27FC236}">
+                <a16:creationId xmlns:a16="http://schemas.microsoft.com/office/drawing/2014/main" id="{DEC2B640-874E-4187-BAD2-AD6BCE44021B}"/>
+              </a:ext>
+            </a:extLst>
+          </p:cNvPr>
+          <p:cNvSpPr/>
+          <p:nvPr/>
+        </p:nvSpPr>
+        <p:spPr>
+          <a:xfrm>
+            <a:off x="622564" y="5384477"/>
+            <a:ext cx="900000" cy="900000"/>
+          </a:xfrm>
+          <a:prstGeom prst="ellipse">
+            <a:avLst/>
+          </a:prstGeom>
+        </p:spPr>
+        <p:style>
+          <a:lnRef idx="2">
+            <a:schemeClr val="dk1">
+              <a:shade val="50000"/>
+            </a:schemeClr>
+          </a:lnRef>
+          <a:fillRef idx="1">
+            <a:schemeClr val="dk1"/>
+          </a:fillRef>
+          <a:effectRef idx="0">
+            <a:schemeClr val="dk1"/>
+          </a:effectRef>
+          <a:fontRef idx="minor">
+            <a:schemeClr val="lt1"/>
+          </a:fontRef>
+        </p:style>
+        <p:txBody>
+          <a:bodyPr rtlCol="0" anchor="ctr"/>
+          <a:lstStyle/>
+          <a:p>
+            <a:pPr algn="ctr"/>
+            <a:endParaRPr lang="en-GB"/>
+          </a:p>
+        </p:txBody>
+      </p:sp>
+      <p:sp>
+        <p:nvSpPr>
+          <p:cNvPr id="95" name="Oval 94">
+            <a:extLst>
+              <a:ext uri="{FF2B5EF4-FFF2-40B4-BE49-F238E27FC236}">
+                <a16:creationId xmlns:a16="http://schemas.microsoft.com/office/drawing/2014/main" id="{B3EA54B1-CD07-476C-94C3-72399DC82143}"/>
+              </a:ext>
+            </a:extLst>
+          </p:cNvPr>
+          <p:cNvSpPr/>
+          <p:nvPr/>
+        </p:nvSpPr>
+        <p:spPr>
+          <a:xfrm>
+            <a:off x="5676747" y="5384477"/>
+            <a:ext cx="900000" cy="900000"/>
+          </a:xfrm>
+          <a:prstGeom prst="ellipse">
+            <a:avLst/>
+          </a:prstGeom>
+        </p:spPr>
+        <p:style>
+          <a:lnRef idx="2">
+            <a:schemeClr val="dk1">
+              <a:shade val="50000"/>
+            </a:schemeClr>
+          </a:lnRef>
+          <a:fillRef idx="1">
+            <a:schemeClr val="dk1"/>
+          </a:fillRef>
+          <a:effectRef idx="0">
+            <a:schemeClr val="dk1"/>
+          </a:effectRef>
+          <a:fontRef idx="minor">
+            <a:schemeClr val="lt1"/>
+          </a:fontRef>
+        </p:style>
+        <p:txBody>
+          <a:bodyPr rtlCol="0" anchor="ctr"/>
+          <a:lstStyle/>
+          <a:p>
+            <a:pPr algn="ctr"/>
+            <a:endParaRPr lang="en-GB"/>
+          </a:p>
+        </p:txBody>
+      </p:sp>
+      <p:cxnSp>
+        <p:nvCxnSpPr>
+          <p:cNvPr id="96" name="Straight Connector 95">
+            <a:extLst>
+              <a:ext uri="{FF2B5EF4-FFF2-40B4-BE49-F238E27FC236}">
+                <a16:creationId xmlns:a16="http://schemas.microsoft.com/office/drawing/2014/main" id="{5364E210-971A-4405-83D6-1F78AA11E33B}"/>
+              </a:ext>
+            </a:extLst>
+          </p:cNvPr>
+          <p:cNvCxnSpPr>
+            <a:stCxn id="94" idx="6"/>
+            <a:endCxn id="95" idx="2"/>
+          </p:cNvCxnSpPr>
+          <p:nvPr/>
+        </p:nvCxnSpPr>
+        <p:spPr>
+          <a:xfrm>
+            <a:off x="1522564" y="5834477"/>
+            <a:ext cx="4154183" cy="0"/>
+          </a:xfrm>
+          <a:prstGeom prst="line">
+            <a:avLst/>
+          </a:prstGeom>
+          <a:ln w="76200">
+            <a:solidFill>
+              <a:schemeClr val="tx1"/>
+            </a:solidFill>
+          </a:ln>
+        </p:spPr>
+        <p:style>
+          <a:lnRef idx="1">
+            <a:schemeClr val="dk1"/>
+          </a:lnRef>
+          <a:fillRef idx="0">
+            <a:schemeClr val="dk1"/>
+          </a:fillRef>
+          <a:effectRef idx="0">
+            <a:schemeClr val="dk1"/>
+          </a:effectRef>
+          <a:fontRef idx="minor">
+            <a:schemeClr val="tx1"/>
+          </a:fontRef>
+        </p:style>
+      </p:cxnSp>
+      <p:cxnSp>
+        <p:nvCxnSpPr>
+          <p:cNvPr id="97" name="Straight Connector 96">
+            <a:extLst>
+              <a:ext uri="{FF2B5EF4-FFF2-40B4-BE49-F238E27FC236}">
+                <a16:creationId xmlns:a16="http://schemas.microsoft.com/office/drawing/2014/main" id="{77DC8436-6A63-47EB-8D73-6606DEE740B4}"/>
+              </a:ext>
+            </a:extLst>
+          </p:cNvPr>
+          <p:cNvCxnSpPr>
+            <a:cxnSpLocks/>
+          </p:cNvCxnSpPr>
+          <p:nvPr/>
+        </p:nvCxnSpPr>
+        <p:spPr>
+          <a:xfrm>
+            <a:off x="2016650" y="5553411"/>
+            <a:ext cx="0" cy="562131"/>
+          </a:xfrm>
+          <a:prstGeom prst="line">
+            <a:avLst/>
+          </a:prstGeom>
+          <a:ln w="57150">
+            <a:solidFill>
+              <a:schemeClr val="tx1"/>
+            </a:solidFill>
+          </a:ln>
+        </p:spPr>
+        <p:style>
+          <a:lnRef idx="1">
+            <a:schemeClr val="accent1"/>
+          </a:lnRef>
+          <a:fillRef idx="0">
+            <a:schemeClr val="accent1"/>
+          </a:fillRef>
+          <a:effectRef idx="0">
+            <a:schemeClr val="accent1"/>
+          </a:effectRef>
+          <a:fontRef idx="minor">
+            <a:schemeClr val="tx1"/>
+          </a:fontRef>
+        </p:style>
+      </p:cxnSp>
+      <p:cxnSp>
+        <p:nvCxnSpPr>
+          <p:cNvPr id="98" name="Straight Connector 97">
+            <a:extLst>
+              <a:ext uri="{FF2B5EF4-FFF2-40B4-BE49-F238E27FC236}">
+                <a16:creationId xmlns:a16="http://schemas.microsoft.com/office/drawing/2014/main" id="{8084A674-B0DE-4245-91F6-02385C1DEB20}"/>
+              </a:ext>
+            </a:extLst>
+          </p:cNvPr>
+          <p:cNvCxnSpPr>
+            <a:cxnSpLocks/>
+          </p:cNvCxnSpPr>
+          <p:nvPr/>
+        </p:nvCxnSpPr>
+        <p:spPr>
+          <a:xfrm>
+            <a:off x="5182073" y="5541213"/>
+            <a:ext cx="0" cy="562131"/>
+          </a:xfrm>
+          <a:prstGeom prst="line">
+            <a:avLst/>
+          </a:prstGeom>
+          <a:ln w="57150">
+            <a:solidFill>
+              <a:schemeClr val="tx1"/>
+            </a:solidFill>
+          </a:ln>
+        </p:spPr>
+        <p:style>
+          <a:lnRef idx="1">
+            <a:schemeClr val="accent1"/>
+          </a:lnRef>
+          <a:fillRef idx="0">
+            <a:schemeClr val="accent1"/>
+          </a:fillRef>
+          <a:effectRef idx="0">
+            <a:schemeClr val="accent1"/>
+          </a:effectRef>
+          <a:fontRef idx="minor">
+            <a:schemeClr val="tx1"/>
+          </a:fontRef>
+        </p:style>
+      </p:cxnSp>
+      <p:cxnSp>
+        <p:nvCxnSpPr>
+          <p:cNvPr id="99" name="Straight Connector 98">
+            <a:extLst>
+              <a:ext uri="{FF2B5EF4-FFF2-40B4-BE49-F238E27FC236}">
+                <a16:creationId xmlns:a16="http://schemas.microsoft.com/office/drawing/2014/main" id="{0A183880-B97B-40B9-9823-FE12D3C21064}"/>
+              </a:ext>
+            </a:extLst>
+          </p:cNvPr>
+          <p:cNvCxnSpPr>
+            <a:cxnSpLocks/>
+          </p:cNvCxnSpPr>
+          <p:nvPr/>
+        </p:nvCxnSpPr>
+        <p:spPr>
+          <a:xfrm>
+            <a:off x="4412578" y="5541212"/>
+            <a:ext cx="0" cy="562131"/>
+          </a:xfrm>
+          <a:prstGeom prst="line">
+            <a:avLst/>
+          </a:prstGeom>
+          <a:ln w="57150">
+            <a:solidFill>
+              <a:schemeClr val="tx1"/>
+            </a:solidFill>
+          </a:ln>
+        </p:spPr>
+        <p:style>
+          <a:lnRef idx="1">
+            <a:schemeClr val="accent1"/>
+          </a:lnRef>
+          <a:fillRef idx="0">
+            <a:schemeClr val="accent1"/>
+          </a:fillRef>
+          <a:effectRef idx="0">
+            <a:schemeClr val="accent1"/>
+          </a:effectRef>
+          <a:fontRef idx="minor">
+            <a:schemeClr val="tx1"/>
+          </a:fontRef>
+        </p:style>
+      </p:cxnSp>
+      <p:cxnSp>
+        <p:nvCxnSpPr>
+          <p:cNvPr id="100" name="Straight Connector 99">
+            <a:extLst>
+              <a:ext uri="{FF2B5EF4-FFF2-40B4-BE49-F238E27FC236}">
+                <a16:creationId xmlns:a16="http://schemas.microsoft.com/office/drawing/2014/main" id="{A4DF8FE6-611C-413B-884D-B4563C1F95EE}"/>
+              </a:ext>
+            </a:extLst>
+          </p:cNvPr>
+          <p:cNvCxnSpPr>
+            <a:cxnSpLocks/>
+          </p:cNvCxnSpPr>
+          <p:nvPr/>
+        </p:nvCxnSpPr>
+        <p:spPr>
+          <a:xfrm>
+            <a:off x="2726185" y="5524311"/>
+            <a:ext cx="0" cy="562131"/>
+          </a:xfrm>
+          <a:prstGeom prst="line">
+            <a:avLst/>
+          </a:prstGeom>
+          <a:ln w="57150">
+            <a:solidFill>
+              <a:schemeClr val="tx1"/>
+            </a:solidFill>
+          </a:ln>
+        </p:spPr>
+        <p:style>
+          <a:lnRef idx="1">
+            <a:schemeClr val="accent1"/>
+          </a:lnRef>
+          <a:fillRef idx="0">
+            <a:schemeClr val="accent1"/>
+          </a:fillRef>
+          <a:effectRef idx="0">
+            <a:schemeClr val="accent1"/>
+          </a:effectRef>
+          <a:fontRef idx="minor">
+            <a:schemeClr val="tx1"/>
+          </a:fontRef>
+        </p:style>
+      </p:cxnSp>
+      <p:cxnSp>
+        <p:nvCxnSpPr>
+          <p:cNvPr id="101" name="Straight Connector 100">
+            <a:extLst>
+              <a:ext uri="{FF2B5EF4-FFF2-40B4-BE49-F238E27FC236}">
+                <a16:creationId xmlns:a16="http://schemas.microsoft.com/office/drawing/2014/main" id="{0A00445A-999E-42D4-80C7-9410300D62DB}"/>
+              </a:ext>
+            </a:extLst>
+          </p:cNvPr>
+          <p:cNvCxnSpPr>
+            <a:cxnSpLocks/>
+          </p:cNvCxnSpPr>
+          <p:nvPr/>
+        </p:nvCxnSpPr>
+        <p:spPr>
+          <a:xfrm>
+            <a:off x="3555158" y="5541211"/>
+            <a:ext cx="0" cy="562131"/>
+          </a:xfrm>
+          <a:prstGeom prst="line">
+            <a:avLst/>
+          </a:prstGeom>
+          <a:ln w="57150">
+            <a:solidFill>
+              <a:schemeClr val="tx1"/>
+            </a:solidFill>
+          </a:ln>
+        </p:spPr>
+        <p:style>
+          <a:lnRef idx="1">
+            <a:schemeClr val="accent1"/>
+          </a:lnRef>
+          <a:fillRef idx="0">
+            <a:schemeClr val="accent1"/>
+          </a:fillRef>
+          <a:effectRef idx="0">
+            <a:schemeClr val="accent1"/>
+          </a:effectRef>
+          <a:fontRef idx="minor">
+            <a:schemeClr val="tx1"/>
+          </a:fontRef>
+        </p:style>
+      </p:cxnSp>
+      <p:sp>
+        <p:nvSpPr>
+          <p:cNvPr id="102" name="Arrow: Right 101">
+            <a:extLst>
+              <a:ext uri="{FF2B5EF4-FFF2-40B4-BE49-F238E27FC236}">
+                <a16:creationId xmlns:a16="http://schemas.microsoft.com/office/drawing/2014/main" id="{96DFAA2F-48FD-433D-94F7-1C91715B0FD7}"/>
+              </a:ext>
+            </a:extLst>
+          </p:cNvPr>
+          <p:cNvSpPr/>
+          <p:nvPr/>
+        </p:nvSpPr>
+        <p:spPr>
+          <a:xfrm rot="5400000">
+            <a:off x="3265830" y="5227306"/>
+            <a:ext cx="569621" cy="539642"/>
+          </a:xfrm>
+          <a:prstGeom prst="rightArrow">
+            <a:avLst>
+              <a:gd name="adj1" fmla="val 23451"/>
+              <a:gd name="adj2" fmla="val 37273"/>
+            </a:avLst>
+          </a:prstGeom>
+          <a:solidFill>
+            <a:schemeClr val="tx2"/>
+          </a:solidFill>
+          <a:ln>
+            <a:solidFill>
+              <a:schemeClr val="tx1"/>
+            </a:solidFill>
+          </a:ln>
+        </p:spPr>
+        <p:style>
+          <a:lnRef idx="2">
+            <a:schemeClr val="dk1">
+              <a:shade val="50000"/>
+            </a:schemeClr>
+          </a:lnRef>
+          <a:fillRef idx="1">
+            <a:schemeClr val="dk1"/>
+          </a:fillRef>
+          <a:effectRef idx="0">
+            <a:schemeClr val="dk1"/>
+          </a:effectRef>
+          <a:fontRef idx="minor">
+            <a:schemeClr val="lt1"/>
+          </a:fontRef>
+        </p:style>
+        <p:txBody>
+          <a:bodyPr rtlCol="0" anchor="ctr"/>
+          <a:lstStyle/>
+          <a:p>
+            <a:pPr algn="ctr"/>
+            <a:endParaRPr lang="en-GB"/>
+          </a:p>
+        </p:txBody>
+      </p:sp>
+      <p:sp>
+        <p:nvSpPr>
+          <p:cNvPr id="103" name="TextBox 102">
+            <a:extLst>
+              <a:ext uri="{FF2B5EF4-FFF2-40B4-BE49-F238E27FC236}">
+                <a16:creationId xmlns:a16="http://schemas.microsoft.com/office/drawing/2014/main" id="{F9682134-AF7A-49C6-9E05-C6F79F33404C}"/>
+              </a:ext>
+            </a:extLst>
+          </p:cNvPr>
+          <p:cNvSpPr txBox="1"/>
+          <p:nvPr/>
+        </p:nvSpPr>
+        <p:spPr>
+          <a:xfrm>
+            <a:off x="1522568" y="4575002"/>
+            <a:ext cx="4154179" cy="584775"/>
+          </a:xfrm>
+          <a:prstGeom prst="rect">
+            <a:avLst/>
+          </a:prstGeom>
+          <a:noFill/>
+        </p:spPr>
+        <p:txBody>
+          <a:bodyPr wrap="square" rtlCol="0">
+            <a:spAutoFit/>
+          </a:bodyPr>
+          <a:lstStyle/>
+          <a:p>
+            <a:pPr algn="ctr"/>
+            <a:r>
+              <a:rPr lang="en-GB" sz="3200" dirty="0">
+                <a:latin typeface="Aharoni" panose="02010803020104030203" pitchFamily="2" charset="-79"/>
+                <a:cs typeface="Aharoni" panose="02010803020104030203" pitchFamily="2" charset="-79"/>
+              </a:rPr>
+              <a:t>Movement</a:t>
+            </a:r>
+          </a:p>
+        </p:txBody>
+      </p:sp>
+      <p:sp>
+        <p:nvSpPr>
+          <p:cNvPr id="104" name="Rectangle 103">
+            <a:extLst>
+              <a:ext uri="{FF2B5EF4-FFF2-40B4-BE49-F238E27FC236}">
+                <a16:creationId xmlns:a16="http://schemas.microsoft.com/office/drawing/2014/main" id="{EC6736BD-263E-49B2-B834-27BB4C14F130}"/>
+              </a:ext>
+            </a:extLst>
+          </p:cNvPr>
+          <p:cNvSpPr/>
+          <p:nvPr/>
+        </p:nvSpPr>
+        <p:spPr>
+          <a:xfrm>
+            <a:off x="622564" y="6391241"/>
+            <a:ext cx="5954183" cy="1806322"/>
+          </a:xfrm>
+          <a:prstGeom prst="rect">
+            <a:avLst/>
+          </a:prstGeom>
+          <a:solidFill>
+            <a:schemeClr val="bg1"/>
+          </a:solidFill>
+          <a:ln>
+            <a:solidFill>
+              <a:schemeClr val="tx1"/>
+            </a:solidFill>
+          </a:ln>
+        </p:spPr>
+        <p:style>
+          <a:lnRef idx="2">
+            <a:schemeClr val="accent1">
+              <a:shade val="50000"/>
+            </a:schemeClr>
+          </a:lnRef>
+          <a:fillRef idx="1">
+            <a:schemeClr val="accent1"/>
+          </a:fillRef>
+          <a:effectRef idx="0">
+            <a:schemeClr val="accent1"/>
+          </a:effectRef>
+          <a:fontRef idx="minor">
+            <a:schemeClr val="lt1"/>
+          </a:fontRef>
+        </p:style>
+        <p:txBody>
+          <a:bodyPr rtlCol="0" anchor="ctr"/>
+          <a:lstStyle/>
+          <a:p>
+            <a:pPr algn="ctr"/>
+            <a:endParaRPr lang="en-GB"/>
+          </a:p>
+        </p:txBody>
+      </p:sp>
+      <p:sp>
+        <p:nvSpPr>
+          <p:cNvPr id="105" name="Oval 104">
+            <a:extLst>
+              <a:ext uri="{FF2B5EF4-FFF2-40B4-BE49-F238E27FC236}">
+                <a16:creationId xmlns:a16="http://schemas.microsoft.com/office/drawing/2014/main" id="{376A783F-C42C-4302-933C-1D668B3BA780}"/>
+              </a:ext>
+            </a:extLst>
+          </p:cNvPr>
+          <p:cNvSpPr/>
+          <p:nvPr/>
+        </p:nvSpPr>
+        <p:spPr>
+          <a:xfrm>
+            <a:off x="622564" y="7200716"/>
+            <a:ext cx="900000" cy="900000"/>
+          </a:xfrm>
+          <a:prstGeom prst="ellipse">
+            <a:avLst/>
+          </a:prstGeom>
+        </p:spPr>
+        <p:style>
+          <a:lnRef idx="2">
+            <a:schemeClr val="dk1">
+              <a:shade val="50000"/>
+            </a:schemeClr>
+          </a:lnRef>
+          <a:fillRef idx="1">
+            <a:schemeClr val="dk1"/>
+          </a:fillRef>
+          <a:effectRef idx="0">
+            <a:schemeClr val="dk1"/>
+          </a:effectRef>
+          <a:fontRef idx="minor">
+            <a:schemeClr val="lt1"/>
+          </a:fontRef>
+        </p:style>
+        <p:txBody>
+          <a:bodyPr rtlCol="0" anchor="ctr"/>
+          <a:lstStyle/>
+          <a:p>
+            <a:pPr algn="ctr"/>
+            <a:endParaRPr lang="en-GB"/>
+          </a:p>
+        </p:txBody>
+      </p:sp>
+      <p:sp>
+        <p:nvSpPr>
+          <p:cNvPr id="106" name="Oval 105">
+            <a:extLst>
+              <a:ext uri="{FF2B5EF4-FFF2-40B4-BE49-F238E27FC236}">
+                <a16:creationId xmlns:a16="http://schemas.microsoft.com/office/drawing/2014/main" id="{9320F3FC-EC6F-45C0-96B6-32CDD9B1A825}"/>
+              </a:ext>
+            </a:extLst>
+          </p:cNvPr>
+          <p:cNvSpPr/>
+          <p:nvPr/>
+        </p:nvSpPr>
+        <p:spPr>
+          <a:xfrm>
+            <a:off x="5676747" y="7200716"/>
+            <a:ext cx="900000" cy="900000"/>
+          </a:xfrm>
+          <a:prstGeom prst="ellipse">
+            <a:avLst/>
+          </a:prstGeom>
+        </p:spPr>
+        <p:style>
+          <a:lnRef idx="2">
+            <a:schemeClr val="dk1">
+              <a:shade val="50000"/>
+            </a:schemeClr>
+          </a:lnRef>
+          <a:fillRef idx="1">
+            <a:schemeClr val="dk1"/>
+          </a:fillRef>
+          <a:effectRef idx="0">
+            <a:schemeClr val="dk1"/>
+          </a:effectRef>
+          <a:fontRef idx="minor">
+            <a:schemeClr val="lt1"/>
+          </a:fontRef>
+        </p:style>
+        <p:txBody>
+          <a:bodyPr rtlCol="0" anchor="ctr"/>
+          <a:lstStyle/>
+          <a:p>
+            <a:pPr algn="ctr"/>
+            <a:endParaRPr lang="en-GB"/>
+          </a:p>
+        </p:txBody>
+      </p:sp>
+      <p:cxnSp>
+        <p:nvCxnSpPr>
+          <p:cNvPr id="107" name="Straight Connector 106">
+            <a:extLst>
+              <a:ext uri="{FF2B5EF4-FFF2-40B4-BE49-F238E27FC236}">
+                <a16:creationId xmlns:a16="http://schemas.microsoft.com/office/drawing/2014/main" id="{B79C9472-A8E4-4E56-AC9C-3C166EF15EBF}"/>
+              </a:ext>
+            </a:extLst>
+          </p:cNvPr>
+          <p:cNvCxnSpPr>
+            <a:stCxn id="105" idx="6"/>
+            <a:endCxn id="106" idx="2"/>
+          </p:cNvCxnSpPr>
+          <p:nvPr/>
+        </p:nvCxnSpPr>
+        <p:spPr>
+          <a:xfrm>
+            <a:off x="1522564" y="7650716"/>
+            <a:ext cx="4154183" cy="0"/>
+          </a:xfrm>
+          <a:prstGeom prst="line">
+            <a:avLst/>
+          </a:prstGeom>
+          <a:ln w="76200">
+            <a:solidFill>
+              <a:schemeClr val="tx1"/>
+            </a:solidFill>
+          </a:ln>
+        </p:spPr>
+        <p:style>
+          <a:lnRef idx="1">
+            <a:schemeClr val="dk1"/>
+          </a:lnRef>
+          <a:fillRef idx="0">
+            <a:schemeClr val="dk1"/>
+          </a:fillRef>
+          <a:effectRef idx="0">
+            <a:schemeClr val="dk1"/>
+          </a:effectRef>
+          <a:fontRef idx="minor">
+            <a:schemeClr val="tx1"/>
+          </a:fontRef>
+        </p:style>
+      </p:cxnSp>
+      <p:cxnSp>
+        <p:nvCxnSpPr>
+          <p:cNvPr id="108" name="Straight Connector 107">
+            <a:extLst>
+              <a:ext uri="{FF2B5EF4-FFF2-40B4-BE49-F238E27FC236}">
+                <a16:creationId xmlns:a16="http://schemas.microsoft.com/office/drawing/2014/main" id="{D0212C8B-FC61-48CC-AB91-0225485BFB58}"/>
+              </a:ext>
+            </a:extLst>
+          </p:cNvPr>
+          <p:cNvCxnSpPr>
+            <a:cxnSpLocks/>
+          </p:cNvCxnSpPr>
+          <p:nvPr/>
+        </p:nvCxnSpPr>
+        <p:spPr>
+          <a:xfrm>
+            <a:off x="2016650" y="7369650"/>
+            <a:ext cx="0" cy="562131"/>
+          </a:xfrm>
+          <a:prstGeom prst="line">
+            <a:avLst/>
+          </a:prstGeom>
+          <a:ln w="57150">
+            <a:solidFill>
+              <a:schemeClr val="tx1"/>
+            </a:solidFill>
+          </a:ln>
+        </p:spPr>
+        <p:style>
+          <a:lnRef idx="1">
+            <a:schemeClr val="accent1"/>
+          </a:lnRef>
+          <a:fillRef idx="0">
+            <a:schemeClr val="accent1"/>
+          </a:fillRef>
+          <a:effectRef idx="0">
+            <a:schemeClr val="accent1"/>
+          </a:effectRef>
+          <a:fontRef idx="minor">
+            <a:schemeClr val="tx1"/>
+          </a:fontRef>
+        </p:style>
+      </p:cxnSp>
+      <p:cxnSp>
+        <p:nvCxnSpPr>
+          <p:cNvPr id="109" name="Straight Connector 108">
+            <a:extLst>
+              <a:ext uri="{FF2B5EF4-FFF2-40B4-BE49-F238E27FC236}">
+                <a16:creationId xmlns:a16="http://schemas.microsoft.com/office/drawing/2014/main" id="{463CCB55-80EA-4D4E-AA52-63CDCD58240D}"/>
+              </a:ext>
+            </a:extLst>
+          </p:cNvPr>
+          <p:cNvCxnSpPr>
+            <a:cxnSpLocks/>
+          </p:cNvCxnSpPr>
+          <p:nvPr/>
+        </p:nvCxnSpPr>
+        <p:spPr>
+          <a:xfrm>
+            <a:off x="5182073" y="7357452"/>
+            <a:ext cx="0" cy="562131"/>
+          </a:xfrm>
+          <a:prstGeom prst="line">
+            <a:avLst/>
+          </a:prstGeom>
+          <a:ln w="57150">
+            <a:solidFill>
+              <a:schemeClr val="tx1"/>
+            </a:solidFill>
+          </a:ln>
+        </p:spPr>
+        <p:style>
+          <a:lnRef idx="1">
+            <a:schemeClr val="accent1"/>
+          </a:lnRef>
+          <a:fillRef idx="0">
+            <a:schemeClr val="accent1"/>
+          </a:fillRef>
+          <a:effectRef idx="0">
+            <a:schemeClr val="accent1"/>
+          </a:effectRef>
+          <a:fontRef idx="minor">
+            <a:schemeClr val="tx1"/>
+          </a:fontRef>
+        </p:style>
+      </p:cxnSp>
+      <p:cxnSp>
+        <p:nvCxnSpPr>
+          <p:cNvPr id="110" name="Straight Connector 109">
+            <a:extLst>
+              <a:ext uri="{FF2B5EF4-FFF2-40B4-BE49-F238E27FC236}">
+                <a16:creationId xmlns:a16="http://schemas.microsoft.com/office/drawing/2014/main" id="{FB67F9DF-A23E-416A-A2B3-9F5D87E9AB02}"/>
+              </a:ext>
+            </a:extLst>
+          </p:cNvPr>
+          <p:cNvCxnSpPr>
+            <a:cxnSpLocks/>
+          </p:cNvCxnSpPr>
+          <p:nvPr/>
+        </p:nvCxnSpPr>
+        <p:spPr>
+          <a:xfrm>
+            <a:off x="4412578" y="7357451"/>
+            <a:ext cx="0" cy="562131"/>
+          </a:xfrm>
+          <a:prstGeom prst="line">
+            <a:avLst/>
+          </a:prstGeom>
+          <a:ln w="57150">
+            <a:solidFill>
+              <a:schemeClr val="tx1"/>
+            </a:solidFill>
+          </a:ln>
+        </p:spPr>
+        <p:style>
+          <a:lnRef idx="1">
+            <a:schemeClr val="accent1"/>
+          </a:lnRef>
+          <a:fillRef idx="0">
+            <a:schemeClr val="accent1"/>
+          </a:fillRef>
+          <a:effectRef idx="0">
+            <a:schemeClr val="accent1"/>
+          </a:effectRef>
+          <a:fontRef idx="minor">
+            <a:schemeClr val="tx1"/>
+          </a:fontRef>
+        </p:style>
+      </p:cxnSp>
+      <p:cxnSp>
+        <p:nvCxnSpPr>
+          <p:cNvPr id="111" name="Straight Connector 110">
+            <a:extLst>
+              <a:ext uri="{FF2B5EF4-FFF2-40B4-BE49-F238E27FC236}">
+                <a16:creationId xmlns:a16="http://schemas.microsoft.com/office/drawing/2014/main" id="{A7433967-8311-4867-805E-8E1755733356}"/>
+              </a:ext>
+            </a:extLst>
+          </p:cNvPr>
+          <p:cNvCxnSpPr>
+            <a:cxnSpLocks/>
+          </p:cNvCxnSpPr>
+          <p:nvPr/>
+        </p:nvCxnSpPr>
+        <p:spPr>
+          <a:xfrm>
+            <a:off x="2726185" y="7340550"/>
+            <a:ext cx="0" cy="562131"/>
+          </a:xfrm>
+          <a:prstGeom prst="line">
+            <a:avLst/>
+          </a:prstGeom>
+          <a:ln w="57150">
+            <a:solidFill>
+              <a:schemeClr val="tx1"/>
+            </a:solidFill>
+          </a:ln>
+        </p:spPr>
+        <p:style>
+          <a:lnRef idx="1">
+            <a:schemeClr val="accent1"/>
+          </a:lnRef>
+          <a:fillRef idx="0">
+            <a:schemeClr val="accent1"/>
+          </a:fillRef>
+          <a:effectRef idx="0">
+            <a:schemeClr val="accent1"/>
+          </a:effectRef>
+          <a:fontRef idx="minor">
+            <a:schemeClr val="tx1"/>
+          </a:fontRef>
+        </p:style>
+      </p:cxnSp>
+      <p:cxnSp>
+        <p:nvCxnSpPr>
+          <p:cNvPr id="112" name="Straight Connector 111">
+            <a:extLst>
+              <a:ext uri="{FF2B5EF4-FFF2-40B4-BE49-F238E27FC236}">
+                <a16:creationId xmlns:a16="http://schemas.microsoft.com/office/drawing/2014/main" id="{24758EF0-DAA0-4EE9-AEEA-FC57370A6AF7}"/>
+              </a:ext>
+            </a:extLst>
+          </p:cNvPr>
+          <p:cNvCxnSpPr>
+            <a:cxnSpLocks/>
+          </p:cNvCxnSpPr>
+          <p:nvPr/>
+        </p:nvCxnSpPr>
+        <p:spPr>
+          <a:xfrm>
+            <a:off x="3555158" y="7357450"/>
+            <a:ext cx="0" cy="562131"/>
+          </a:xfrm>
+          <a:prstGeom prst="line">
+            <a:avLst/>
+          </a:prstGeom>
+          <a:ln w="57150">
+            <a:solidFill>
+              <a:schemeClr val="tx1"/>
+            </a:solidFill>
+          </a:ln>
+        </p:spPr>
+        <p:style>
+          <a:lnRef idx="1">
+            <a:schemeClr val="accent1"/>
+          </a:lnRef>
+          <a:fillRef idx="0">
+            <a:schemeClr val="accent1"/>
+          </a:fillRef>
+          <a:effectRef idx="0">
+            <a:schemeClr val="accent1"/>
+          </a:effectRef>
+          <a:fontRef idx="minor">
+            <a:schemeClr val="tx1"/>
+          </a:fontRef>
+        </p:style>
+      </p:cxnSp>
+      <p:sp>
+        <p:nvSpPr>
+          <p:cNvPr id="113" name="Arrow: Right 112">
+            <a:extLst>
+              <a:ext uri="{FF2B5EF4-FFF2-40B4-BE49-F238E27FC236}">
+                <a16:creationId xmlns:a16="http://schemas.microsoft.com/office/drawing/2014/main" id="{8475F752-78EC-49A1-8D99-A9AD75F54904}"/>
+              </a:ext>
+            </a:extLst>
+          </p:cNvPr>
+          <p:cNvSpPr/>
+          <p:nvPr/>
+        </p:nvSpPr>
+        <p:spPr>
+          <a:xfrm rot="5400000">
+            <a:off x="3265830" y="7043545"/>
+            <a:ext cx="569621" cy="539642"/>
+          </a:xfrm>
+          <a:prstGeom prst="rightArrow">
+            <a:avLst>
+              <a:gd name="adj1" fmla="val 23451"/>
+              <a:gd name="adj2" fmla="val 37273"/>
+            </a:avLst>
+          </a:prstGeom>
+          <a:solidFill>
+            <a:schemeClr val="tx2"/>
+          </a:solidFill>
+          <a:ln>
+            <a:solidFill>
+              <a:schemeClr val="tx1"/>
+            </a:solidFill>
+          </a:ln>
+        </p:spPr>
+        <p:style>
+          <a:lnRef idx="2">
+            <a:schemeClr val="dk1">
+              <a:shade val="50000"/>
+            </a:schemeClr>
+          </a:lnRef>
+          <a:fillRef idx="1">
+            <a:schemeClr val="dk1"/>
+          </a:fillRef>
+          <a:effectRef idx="0">
+            <a:schemeClr val="dk1"/>
+          </a:effectRef>
+          <a:fontRef idx="minor">
+            <a:schemeClr val="lt1"/>
+          </a:fontRef>
+        </p:style>
+        <p:txBody>
+          <a:bodyPr rtlCol="0" anchor="ctr"/>
+          <a:lstStyle/>
+          <a:p>
+            <a:pPr algn="ctr"/>
+            <a:endParaRPr lang="en-GB"/>
+          </a:p>
+        </p:txBody>
+      </p:sp>
+      <p:sp>
+        <p:nvSpPr>
+          <p:cNvPr id="114" name="TextBox 113">
+            <a:extLst>
+              <a:ext uri="{FF2B5EF4-FFF2-40B4-BE49-F238E27FC236}">
+                <a16:creationId xmlns:a16="http://schemas.microsoft.com/office/drawing/2014/main" id="{4EBFED37-1F83-4AAF-8F2D-83D4FCDCFA7A}"/>
+              </a:ext>
+            </a:extLst>
+          </p:cNvPr>
+          <p:cNvSpPr txBox="1"/>
+          <p:nvPr/>
+        </p:nvSpPr>
+        <p:spPr>
+          <a:xfrm>
+            <a:off x="1522568" y="6391241"/>
+            <a:ext cx="4154179" cy="584775"/>
+          </a:xfrm>
+          <a:prstGeom prst="rect">
+            <a:avLst/>
+          </a:prstGeom>
+          <a:noFill/>
+        </p:spPr>
+        <p:txBody>
+          <a:bodyPr wrap="square" rtlCol="0">
+            <a:spAutoFit/>
+          </a:bodyPr>
+          <a:lstStyle/>
+          <a:p>
+            <a:pPr algn="ctr"/>
+            <a:r>
+              <a:rPr lang="en-GB" sz="3200" dirty="0">
+                <a:latin typeface="Aharoni" panose="02010803020104030203" pitchFamily="2" charset="-79"/>
+                <a:cs typeface="Aharoni" panose="02010803020104030203" pitchFamily="2" charset="-79"/>
+              </a:rPr>
+              <a:t>Food</a:t>
+            </a:r>
+          </a:p>
+        </p:txBody>
+      </p:sp>
+      <p:sp>
+        <p:nvSpPr>
+          <p:cNvPr id="135" name="Rectangle 134">
+            <a:extLst>
+              <a:ext uri="{FF2B5EF4-FFF2-40B4-BE49-F238E27FC236}">
+                <a16:creationId xmlns:a16="http://schemas.microsoft.com/office/drawing/2014/main" id="{2B31B5B6-2956-43B8-9C2A-B796F7615BF6}"/>
+              </a:ext>
+            </a:extLst>
+          </p:cNvPr>
+          <p:cNvSpPr/>
+          <p:nvPr/>
+        </p:nvSpPr>
+        <p:spPr>
+          <a:xfrm>
+            <a:off x="622564" y="8207480"/>
+            <a:ext cx="5954183" cy="1806322"/>
+          </a:xfrm>
+          <a:prstGeom prst="rect">
+            <a:avLst/>
+          </a:prstGeom>
+          <a:solidFill>
+            <a:schemeClr val="bg1"/>
+          </a:solidFill>
+          <a:ln>
+            <a:solidFill>
+              <a:schemeClr val="tx1"/>
+            </a:solidFill>
+          </a:ln>
+        </p:spPr>
+        <p:style>
+          <a:lnRef idx="2">
+            <a:schemeClr val="accent1">
+              <a:shade val="50000"/>
+            </a:schemeClr>
+          </a:lnRef>
+          <a:fillRef idx="1">
+            <a:schemeClr val="accent1"/>
+          </a:fillRef>
+          <a:effectRef idx="0">
+            <a:schemeClr val="accent1"/>
+          </a:effectRef>
+          <a:fontRef idx="minor">
+            <a:schemeClr val="lt1"/>
+          </a:fontRef>
+        </p:style>
+        <p:txBody>
+          <a:bodyPr rtlCol="0" anchor="ctr"/>
+          <a:lstStyle/>
+          <a:p>
+            <a:pPr algn="ctr"/>
+            <a:endParaRPr lang="en-GB"/>
+          </a:p>
+        </p:txBody>
+      </p:sp>
+      <p:sp>
+        <p:nvSpPr>
+          <p:cNvPr id="136" name="Oval 135">
+            <a:extLst>
+              <a:ext uri="{FF2B5EF4-FFF2-40B4-BE49-F238E27FC236}">
+                <a16:creationId xmlns:a16="http://schemas.microsoft.com/office/drawing/2014/main" id="{1258C7E3-54D1-4C23-9A16-BCD70BDFB33D}"/>
+              </a:ext>
+            </a:extLst>
+          </p:cNvPr>
+          <p:cNvSpPr/>
+          <p:nvPr/>
+        </p:nvSpPr>
+        <p:spPr>
+          <a:xfrm>
+            <a:off x="622564" y="9016955"/>
+            <a:ext cx="900000" cy="900000"/>
+          </a:xfrm>
+          <a:prstGeom prst="ellipse">
+            <a:avLst/>
+          </a:prstGeom>
+        </p:spPr>
+        <p:style>
+          <a:lnRef idx="2">
+            <a:schemeClr val="dk1">
+              <a:shade val="50000"/>
+            </a:schemeClr>
+          </a:lnRef>
+          <a:fillRef idx="1">
+            <a:schemeClr val="dk1"/>
+          </a:fillRef>
+          <a:effectRef idx="0">
+            <a:schemeClr val="dk1"/>
+          </a:effectRef>
+          <a:fontRef idx="minor">
+            <a:schemeClr val="lt1"/>
+          </a:fontRef>
+        </p:style>
+        <p:txBody>
+          <a:bodyPr rtlCol="0" anchor="ctr"/>
+          <a:lstStyle/>
+          <a:p>
+            <a:pPr algn="ctr"/>
+            <a:endParaRPr lang="en-GB"/>
+          </a:p>
+        </p:txBody>
+      </p:sp>
+      <p:sp>
+        <p:nvSpPr>
+          <p:cNvPr id="137" name="Oval 136">
+            <a:extLst>
+              <a:ext uri="{FF2B5EF4-FFF2-40B4-BE49-F238E27FC236}">
+                <a16:creationId xmlns:a16="http://schemas.microsoft.com/office/drawing/2014/main" id="{33DEAE77-BD45-431B-B2F4-5D2C4FA46CB2}"/>
+              </a:ext>
+            </a:extLst>
+          </p:cNvPr>
+          <p:cNvSpPr/>
+          <p:nvPr/>
+        </p:nvSpPr>
+        <p:spPr>
+          <a:xfrm>
+            <a:off x="5676747" y="9016955"/>
+            <a:ext cx="900000" cy="900000"/>
+          </a:xfrm>
+          <a:prstGeom prst="ellipse">
+            <a:avLst/>
+          </a:prstGeom>
+        </p:spPr>
+        <p:style>
+          <a:lnRef idx="2">
+            <a:schemeClr val="dk1">
+              <a:shade val="50000"/>
+            </a:schemeClr>
+          </a:lnRef>
+          <a:fillRef idx="1">
+            <a:schemeClr val="dk1"/>
+          </a:fillRef>
+          <a:effectRef idx="0">
+            <a:schemeClr val="dk1"/>
+          </a:effectRef>
+          <a:fontRef idx="minor">
+            <a:schemeClr val="lt1"/>
+          </a:fontRef>
+        </p:style>
+        <p:txBody>
+          <a:bodyPr rtlCol="0" anchor="ctr"/>
+          <a:lstStyle/>
+          <a:p>
+            <a:pPr algn="ctr"/>
+            <a:endParaRPr lang="en-GB"/>
+          </a:p>
+        </p:txBody>
+      </p:sp>
+      <p:cxnSp>
+        <p:nvCxnSpPr>
+          <p:cNvPr id="138" name="Straight Connector 137">
+            <a:extLst>
+              <a:ext uri="{FF2B5EF4-FFF2-40B4-BE49-F238E27FC236}">
+                <a16:creationId xmlns:a16="http://schemas.microsoft.com/office/drawing/2014/main" id="{8661E972-1E30-4613-8693-9A2E62C7DD0C}"/>
+              </a:ext>
+            </a:extLst>
+          </p:cNvPr>
+          <p:cNvCxnSpPr>
+            <a:stCxn id="136" idx="6"/>
+            <a:endCxn id="137" idx="2"/>
+          </p:cNvCxnSpPr>
+          <p:nvPr/>
+        </p:nvCxnSpPr>
+        <p:spPr>
+          <a:xfrm>
+            <a:off x="1522564" y="9466955"/>
+            <a:ext cx="4154183" cy="0"/>
+          </a:xfrm>
+          <a:prstGeom prst="line">
+            <a:avLst/>
+          </a:prstGeom>
+          <a:ln w="76200">
+            <a:solidFill>
+              <a:schemeClr val="tx1"/>
+            </a:solidFill>
+          </a:ln>
+        </p:spPr>
+        <p:style>
+          <a:lnRef idx="1">
+            <a:schemeClr val="dk1"/>
+          </a:lnRef>
+          <a:fillRef idx="0">
+            <a:schemeClr val="dk1"/>
+          </a:fillRef>
+          <a:effectRef idx="0">
+            <a:schemeClr val="dk1"/>
+          </a:effectRef>
+          <a:fontRef idx="minor">
+            <a:schemeClr val="tx1"/>
+          </a:fontRef>
+        </p:style>
+      </p:cxnSp>
+      <p:cxnSp>
+        <p:nvCxnSpPr>
+          <p:cNvPr id="139" name="Straight Connector 138">
+            <a:extLst>
+              <a:ext uri="{FF2B5EF4-FFF2-40B4-BE49-F238E27FC236}">
+                <a16:creationId xmlns:a16="http://schemas.microsoft.com/office/drawing/2014/main" id="{EE43A415-7CF4-45A4-8466-C4566F20F8CB}"/>
+              </a:ext>
+            </a:extLst>
+          </p:cNvPr>
+          <p:cNvCxnSpPr>
+            <a:cxnSpLocks/>
+          </p:cNvCxnSpPr>
+          <p:nvPr/>
+        </p:nvCxnSpPr>
+        <p:spPr>
+          <a:xfrm>
+            <a:off x="2016650" y="9185889"/>
+            <a:ext cx="0" cy="562131"/>
+          </a:xfrm>
+          <a:prstGeom prst="line">
+            <a:avLst/>
+          </a:prstGeom>
+          <a:ln w="57150">
+            <a:solidFill>
+              <a:schemeClr val="tx1"/>
+            </a:solidFill>
+          </a:ln>
+        </p:spPr>
+        <p:style>
+          <a:lnRef idx="1">
+            <a:schemeClr val="accent1"/>
+          </a:lnRef>
+          <a:fillRef idx="0">
+            <a:schemeClr val="accent1"/>
+          </a:fillRef>
+          <a:effectRef idx="0">
+            <a:schemeClr val="accent1"/>
+          </a:effectRef>
+          <a:fontRef idx="minor">
+            <a:schemeClr val="tx1"/>
+          </a:fontRef>
+        </p:style>
+      </p:cxnSp>
+      <p:cxnSp>
+        <p:nvCxnSpPr>
+          <p:cNvPr id="140" name="Straight Connector 139">
+            <a:extLst>
+              <a:ext uri="{FF2B5EF4-FFF2-40B4-BE49-F238E27FC236}">
+                <a16:creationId xmlns:a16="http://schemas.microsoft.com/office/drawing/2014/main" id="{8228A744-BFDB-40A6-85D2-6ED7DE899309}"/>
+              </a:ext>
+            </a:extLst>
+          </p:cNvPr>
+          <p:cNvCxnSpPr>
+            <a:cxnSpLocks/>
+          </p:cNvCxnSpPr>
+          <p:nvPr/>
+        </p:nvCxnSpPr>
+        <p:spPr>
+          <a:xfrm>
+            <a:off x="5182073" y="9173691"/>
+            <a:ext cx="0" cy="562131"/>
+          </a:xfrm>
+          <a:prstGeom prst="line">
+            <a:avLst/>
+          </a:prstGeom>
+          <a:ln w="57150">
+            <a:solidFill>
+              <a:schemeClr val="tx1"/>
+            </a:solidFill>
+          </a:ln>
+        </p:spPr>
+        <p:style>
+          <a:lnRef idx="1">
+            <a:schemeClr val="accent1"/>
+          </a:lnRef>
+          <a:fillRef idx="0">
+            <a:schemeClr val="accent1"/>
+          </a:fillRef>
+          <a:effectRef idx="0">
+            <a:schemeClr val="accent1"/>
+          </a:effectRef>
+          <a:fontRef idx="minor">
+            <a:schemeClr val="tx1"/>
+          </a:fontRef>
+        </p:style>
+      </p:cxnSp>
+      <p:cxnSp>
+        <p:nvCxnSpPr>
+          <p:cNvPr id="141" name="Straight Connector 140">
+            <a:extLst>
+              <a:ext uri="{FF2B5EF4-FFF2-40B4-BE49-F238E27FC236}">
+                <a16:creationId xmlns:a16="http://schemas.microsoft.com/office/drawing/2014/main" id="{0DCD717B-42F9-4E3E-9433-192969AFE456}"/>
+              </a:ext>
+            </a:extLst>
+          </p:cNvPr>
+          <p:cNvCxnSpPr>
+            <a:cxnSpLocks/>
+          </p:cNvCxnSpPr>
+          <p:nvPr/>
+        </p:nvCxnSpPr>
+        <p:spPr>
+          <a:xfrm>
+            <a:off x="4412578" y="9173690"/>
+            <a:ext cx="0" cy="562131"/>
+          </a:xfrm>
+          <a:prstGeom prst="line">
+            <a:avLst/>
+          </a:prstGeom>
+          <a:ln w="57150">
+            <a:solidFill>
+              <a:schemeClr val="tx1"/>
+            </a:solidFill>
+          </a:ln>
+        </p:spPr>
+        <p:style>
+          <a:lnRef idx="1">
+            <a:schemeClr val="accent1"/>
+          </a:lnRef>
+          <a:fillRef idx="0">
+            <a:schemeClr val="accent1"/>
+          </a:fillRef>
+          <a:effectRef idx="0">
+            <a:schemeClr val="accent1"/>
+          </a:effectRef>
+          <a:fontRef idx="minor">
+            <a:schemeClr val="tx1"/>
+          </a:fontRef>
+        </p:style>
+      </p:cxnSp>
+      <p:cxnSp>
+        <p:nvCxnSpPr>
+          <p:cNvPr id="142" name="Straight Connector 141">
+            <a:extLst>
+              <a:ext uri="{FF2B5EF4-FFF2-40B4-BE49-F238E27FC236}">
+                <a16:creationId xmlns:a16="http://schemas.microsoft.com/office/drawing/2014/main" id="{25B09E86-1A8A-4F9B-9CFF-25AFFBE0EA17}"/>
+              </a:ext>
+            </a:extLst>
+          </p:cNvPr>
+          <p:cNvCxnSpPr>
+            <a:cxnSpLocks/>
+          </p:cNvCxnSpPr>
+          <p:nvPr/>
+        </p:nvCxnSpPr>
+        <p:spPr>
+          <a:xfrm>
+            <a:off x="2726185" y="9156789"/>
+            <a:ext cx="0" cy="562131"/>
+          </a:xfrm>
+          <a:prstGeom prst="line">
+            <a:avLst/>
+          </a:prstGeom>
+          <a:ln w="57150">
+            <a:solidFill>
+              <a:schemeClr val="tx1"/>
+            </a:solidFill>
+          </a:ln>
+        </p:spPr>
+        <p:style>
+          <a:lnRef idx="1">
+            <a:schemeClr val="accent1"/>
+          </a:lnRef>
+          <a:fillRef idx="0">
+            <a:schemeClr val="accent1"/>
+          </a:fillRef>
+          <a:effectRef idx="0">
+            <a:schemeClr val="accent1"/>
+          </a:effectRef>
+          <a:fontRef idx="minor">
+            <a:schemeClr val="tx1"/>
+          </a:fontRef>
+        </p:style>
+      </p:cxnSp>
+      <p:cxnSp>
+        <p:nvCxnSpPr>
+          <p:cNvPr id="143" name="Straight Connector 142">
+            <a:extLst>
+              <a:ext uri="{FF2B5EF4-FFF2-40B4-BE49-F238E27FC236}">
+                <a16:creationId xmlns:a16="http://schemas.microsoft.com/office/drawing/2014/main" id="{456E50D6-04FF-4688-B321-310CEBC95E00}"/>
+              </a:ext>
+            </a:extLst>
+          </p:cNvPr>
+          <p:cNvCxnSpPr>
+            <a:cxnSpLocks/>
+          </p:cNvCxnSpPr>
+          <p:nvPr/>
+        </p:nvCxnSpPr>
+        <p:spPr>
+          <a:xfrm>
+            <a:off x="3555158" y="9173689"/>
+            <a:ext cx="0" cy="562131"/>
+          </a:xfrm>
+          <a:prstGeom prst="line">
+            <a:avLst/>
+          </a:prstGeom>
+          <a:ln w="57150">
+            <a:solidFill>
+              <a:schemeClr val="tx1"/>
+            </a:solidFill>
+          </a:ln>
+        </p:spPr>
+        <p:style>
+          <a:lnRef idx="1">
+            <a:schemeClr val="accent1"/>
+          </a:lnRef>
+          <a:fillRef idx="0">
+            <a:schemeClr val="accent1"/>
+          </a:fillRef>
+          <a:effectRef idx="0">
+            <a:schemeClr val="accent1"/>
+          </a:effectRef>
+          <a:fontRef idx="minor">
+            <a:schemeClr val="tx1"/>
+          </a:fontRef>
+        </p:style>
+      </p:cxnSp>
+      <p:sp>
+        <p:nvSpPr>
+          <p:cNvPr id="144" name="Arrow: Right 143">
+            <a:extLst>
+              <a:ext uri="{FF2B5EF4-FFF2-40B4-BE49-F238E27FC236}">
+                <a16:creationId xmlns:a16="http://schemas.microsoft.com/office/drawing/2014/main" id="{69CD0908-99DB-43E5-AE81-55D36E35A156}"/>
+              </a:ext>
+            </a:extLst>
+          </p:cNvPr>
+          <p:cNvSpPr/>
+          <p:nvPr/>
+        </p:nvSpPr>
+        <p:spPr>
+          <a:xfrm rot="5400000">
+            <a:off x="3265830" y="8859784"/>
+            <a:ext cx="569621" cy="539642"/>
+          </a:xfrm>
+          <a:prstGeom prst="rightArrow">
+            <a:avLst>
+              <a:gd name="adj1" fmla="val 23451"/>
+              <a:gd name="adj2" fmla="val 37273"/>
+            </a:avLst>
+          </a:prstGeom>
+          <a:solidFill>
+            <a:schemeClr val="tx2"/>
+          </a:solidFill>
+          <a:ln>
+            <a:solidFill>
+              <a:schemeClr val="tx1"/>
+            </a:solidFill>
+          </a:ln>
+        </p:spPr>
+        <p:style>
+          <a:lnRef idx="2">
+            <a:schemeClr val="dk1">
+              <a:shade val="50000"/>
+            </a:schemeClr>
+          </a:lnRef>
+          <a:fillRef idx="1">
+            <a:schemeClr val="dk1"/>
+          </a:fillRef>
+          <a:effectRef idx="0">
+            <a:schemeClr val="dk1"/>
+          </a:effectRef>
+          <a:fontRef idx="minor">
+            <a:schemeClr val="lt1"/>
+          </a:fontRef>
+        </p:style>
+        <p:txBody>
+          <a:bodyPr rtlCol="0" anchor="ctr"/>
+          <a:lstStyle/>
+          <a:p>
+            <a:pPr algn="ctr"/>
+            <a:endParaRPr lang="en-GB"/>
+          </a:p>
+        </p:txBody>
+      </p:sp>
+      <p:sp>
+        <p:nvSpPr>
+          <p:cNvPr id="145" name="TextBox 144">
+            <a:extLst>
+              <a:ext uri="{FF2B5EF4-FFF2-40B4-BE49-F238E27FC236}">
+                <a16:creationId xmlns:a16="http://schemas.microsoft.com/office/drawing/2014/main" id="{789F76BB-CA54-439C-8BC8-A579971E4C1F}"/>
+              </a:ext>
+            </a:extLst>
+          </p:cNvPr>
+          <p:cNvSpPr txBox="1"/>
+          <p:nvPr/>
+        </p:nvSpPr>
+        <p:spPr>
+          <a:xfrm>
+            <a:off x="1522568" y="8207480"/>
+            <a:ext cx="4154179" cy="584775"/>
+          </a:xfrm>
+          <a:prstGeom prst="rect">
+            <a:avLst/>
+          </a:prstGeom>
+          <a:noFill/>
+        </p:spPr>
+        <p:txBody>
+          <a:bodyPr wrap="square" rtlCol="0">
+            <a:spAutoFit/>
+          </a:bodyPr>
+          <a:lstStyle/>
+          <a:p>
+            <a:pPr algn="ctr"/>
+            <a:r>
+              <a:rPr lang="en-GB" sz="3200" dirty="0">
+                <a:latin typeface="Aharoni" panose="02010803020104030203" pitchFamily="2" charset="-79"/>
+                <a:cs typeface="Aharoni" panose="02010803020104030203" pitchFamily="2" charset="-79"/>
+              </a:rPr>
+              <a:t>Social</a:t>
+            </a:r>
+          </a:p>
+        </p:txBody>
+      </p:sp>
+      <p:sp>
+        <p:nvSpPr>
+          <p:cNvPr id="146" name="Rectangle 145">
+            <a:hlinkClick r:id="rId3" action="ppaction://hlinksldjump"/>
+            <a:extLst>
+              <a:ext uri="{FF2B5EF4-FFF2-40B4-BE49-F238E27FC236}">
+                <a16:creationId xmlns:a16="http://schemas.microsoft.com/office/drawing/2014/main" id="{A4364AD3-E157-4666-9CE0-B2218902F109}"/>
+              </a:ext>
+            </a:extLst>
+          </p:cNvPr>
+          <p:cNvSpPr/>
+          <p:nvPr/>
+        </p:nvSpPr>
+        <p:spPr>
+          <a:xfrm>
+            <a:off x="4287188" y="10073390"/>
+            <a:ext cx="2912126" cy="749887"/>
+          </a:xfrm>
+          <a:prstGeom prst="rect">
+            <a:avLst/>
+          </a:prstGeom>
+          <a:solidFill>
+            <a:schemeClr val="accent2"/>
+          </a:solidFill>
+          <a:ln>
+            <a:solidFill>
+              <a:schemeClr val="tx1"/>
+            </a:solidFill>
+          </a:ln>
+        </p:spPr>
+        <p:style>
+          <a:lnRef idx="2">
+            <a:schemeClr val="accent1">
+              <a:shade val="50000"/>
+            </a:schemeClr>
+          </a:lnRef>
+          <a:fillRef idx="1">
+            <a:schemeClr val="accent1"/>
+          </a:fillRef>
+          <a:effectRef idx="0">
+            <a:schemeClr val="accent1"/>
+          </a:effectRef>
+          <a:fontRef idx="minor">
+            <a:schemeClr val="lt1"/>
+          </a:fontRef>
+        </p:style>
+        <p:txBody>
+          <a:bodyPr rtlCol="0" anchor="ctr"/>
+          <a:lstStyle/>
+          <a:p>
+            <a:pPr algn="ctr"/>
+            <a:endParaRPr lang="en-GB"/>
+          </a:p>
+        </p:txBody>
+      </p:sp>
+      <p:sp>
+        <p:nvSpPr>
+          <p:cNvPr id="147" name="TextBox 146">
+            <a:hlinkClick r:id="rId3" action="ppaction://hlinksldjump"/>
+            <a:extLst>
+              <a:ext uri="{FF2B5EF4-FFF2-40B4-BE49-F238E27FC236}">
+                <a16:creationId xmlns:a16="http://schemas.microsoft.com/office/drawing/2014/main" id="{3E154F54-F301-4D0C-A154-07EA2BCD6FE5}"/>
+              </a:ext>
+            </a:extLst>
+          </p:cNvPr>
+          <p:cNvSpPr txBox="1"/>
+          <p:nvPr/>
+        </p:nvSpPr>
+        <p:spPr>
+          <a:xfrm>
+            <a:off x="4746405" y="10155945"/>
+            <a:ext cx="1993692" cy="584775"/>
+          </a:xfrm>
+          <a:prstGeom prst="rect">
+            <a:avLst/>
+          </a:prstGeom>
+          <a:noFill/>
+        </p:spPr>
+        <p:txBody>
+          <a:bodyPr wrap="square" rtlCol="0">
+            <a:spAutoFit/>
+          </a:bodyPr>
+          <a:lstStyle/>
+          <a:p>
+            <a:pPr algn="ctr"/>
+            <a:r>
+              <a:rPr lang="en-GB" sz="3200" dirty="0"/>
+              <a:t>Next</a:t>
+            </a:r>
+          </a:p>
+        </p:txBody>
+      </p:sp>
+      <p:sp>
+        <p:nvSpPr>
+          <p:cNvPr id="150" name="Rectangle 149">
+            <a:hlinkClick r:id="rId4" action="ppaction://hlinksldjump"/>
+            <a:extLst>
+              <a:ext uri="{FF2B5EF4-FFF2-40B4-BE49-F238E27FC236}">
+                <a16:creationId xmlns:a16="http://schemas.microsoft.com/office/drawing/2014/main" id="{7FF5D918-E295-4D51-A999-F0D4365C60A6}"/>
+              </a:ext>
+            </a:extLst>
+          </p:cNvPr>
+          <p:cNvSpPr/>
+          <p:nvPr/>
+        </p:nvSpPr>
+        <p:spPr>
+          <a:xfrm>
+            <a:off x="0" y="10073390"/>
+            <a:ext cx="2912126" cy="749887"/>
+          </a:xfrm>
+          <a:prstGeom prst="rect">
+            <a:avLst/>
+          </a:prstGeom>
+          <a:solidFill>
+            <a:schemeClr val="accent2"/>
+          </a:solidFill>
+          <a:ln>
+            <a:solidFill>
+              <a:schemeClr val="tx1"/>
+            </a:solidFill>
+          </a:ln>
+        </p:spPr>
+        <p:style>
+          <a:lnRef idx="2">
+            <a:schemeClr val="accent1">
+              <a:shade val="50000"/>
+            </a:schemeClr>
+          </a:lnRef>
+          <a:fillRef idx="1">
+            <a:schemeClr val="accent1"/>
+          </a:fillRef>
+          <a:effectRef idx="0">
+            <a:schemeClr val="accent1"/>
+          </a:effectRef>
+          <a:fontRef idx="minor">
+            <a:schemeClr val="lt1"/>
+          </a:fontRef>
+        </p:style>
+        <p:txBody>
+          <a:bodyPr rtlCol="0" anchor="ctr"/>
+          <a:lstStyle/>
+          <a:p>
+            <a:pPr algn="ctr"/>
+            <a:endParaRPr lang="en-GB"/>
+          </a:p>
+        </p:txBody>
+      </p:sp>
+      <p:sp>
+        <p:nvSpPr>
+          <p:cNvPr id="151" name="TextBox 150">
+            <a:hlinkClick r:id="rId4" action="ppaction://hlinksldjump"/>
+            <a:extLst>
+              <a:ext uri="{FF2B5EF4-FFF2-40B4-BE49-F238E27FC236}">
+                <a16:creationId xmlns:a16="http://schemas.microsoft.com/office/drawing/2014/main" id="{4C9AA2AF-5B06-430D-9141-E8B561D11934}"/>
+              </a:ext>
+            </a:extLst>
+          </p:cNvPr>
+          <p:cNvSpPr txBox="1"/>
+          <p:nvPr/>
+        </p:nvSpPr>
+        <p:spPr>
+          <a:xfrm>
+            <a:off x="417807" y="10099747"/>
+            <a:ext cx="1993692" cy="584775"/>
+          </a:xfrm>
+          <a:prstGeom prst="rect">
+            <a:avLst/>
+          </a:prstGeom>
+          <a:noFill/>
+        </p:spPr>
+        <p:txBody>
+          <a:bodyPr wrap="square" rtlCol="0">
+            <a:spAutoFit/>
+          </a:bodyPr>
+          <a:lstStyle/>
+          <a:p>
+            <a:pPr algn="ctr"/>
+            <a:r>
+              <a:rPr lang="en-GB" sz="3200" dirty="0"/>
+              <a:t>Back</a:t>
+            </a:r>
+          </a:p>
+        </p:txBody>
+      </p:sp>
+      <p:sp>
+        <p:nvSpPr>
+          <p:cNvPr id="152" name="TextBox 151">
+            <a:extLst>
+              <a:ext uri="{FF2B5EF4-FFF2-40B4-BE49-F238E27FC236}">
+                <a16:creationId xmlns:a16="http://schemas.microsoft.com/office/drawing/2014/main" id="{32A7A01C-EC5F-4B42-A1EC-88AA7358017A}"/>
+              </a:ext>
+            </a:extLst>
+          </p:cNvPr>
+          <p:cNvSpPr txBox="1"/>
+          <p:nvPr/>
+        </p:nvSpPr>
+        <p:spPr>
+          <a:xfrm>
+            <a:off x="768533" y="187361"/>
+            <a:ext cx="5673777" cy="646331"/>
           </a:xfrm>
           <a:prstGeom prst="rect">
             <a:avLst/>
@@ -6745,15 +7586,110 @@
                 <a:latin typeface="Aharoni" panose="02010803020104030203" pitchFamily="2" charset="-79"/>
                 <a:cs typeface="Aharoni" panose="02010803020104030203" pitchFamily="2" charset="-79"/>
               </a:rPr>
-              <a:t>Statistics</a:t>
-            </a:r>
+              <a:t>Rate needs fulfilled</a:t>
+            </a:r>
+          </a:p>
+        </p:txBody>
+      </p:sp>
+      <p:sp>
+        <p:nvSpPr>
+          <p:cNvPr id="2" name="Rectangle 1">
+            <a:extLst>
+              <a:ext uri="{FF2B5EF4-FFF2-40B4-BE49-F238E27FC236}">
+                <a16:creationId xmlns:a16="http://schemas.microsoft.com/office/drawing/2014/main" id="{EEF1942E-1BA5-4B21-B54A-058257E1C5F8}"/>
+              </a:ext>
+            </a:extLst>
+          </p:cNvPr>
+          <p:cNvSpPr/>
+          <p:nvPr/>
+        </p:nvSpPr>
+        <p:spPr>
+          <a:xfrm>
+            <a:off x="6843010" y="959363"/>
+            <a:ext cx="227823" cy="9054439"/>
+          </a:xfrm>
+          <a:prstGeom prst="rect">
+            <a:avLst/>
+          </a:prstGeom>
+          <a:solidFill>
+            <a:schemeClr val="bg1"/>
+          </a:solidFill>
+        </p:spPr>
+        <p:style>
+          <a:lnRef idx="2">
+            <a:schemeClr val="accent1">
+              <a:shade val="50000"/>
+            </a:schemeClr>
+          </a:lnRef>
+          <a:fillRef idx="1">
+            <a:schemeClr val="accent1"/>
+          </a:fillRef>
+          <a:effectRef idx="0">
+            <a:schemeClr val="accent1"/>
+          </a:effectRef>
+          <a:fontRef idx="minor">
+            <a:schemeClr val="lt1"/>
+          </a:fontRef>
+        </p:style>
+        <p:txBody>
+          <a:bodyPr rtlCol="0" anchor="ctr"/>
+          <a:lstStyle/>
+          <a:p>
+            <a:pPr algn="ctr"/>
+            <a:endParaRPr lang="en-GB"/>
+          </a:p>
+        </p:txBody>
+      </p:sp>
+      <p:sp>
+        <p:nvSpPr>
+          <p:cNvPr id="63" name="Rectangle 62">
+            <a:extLst>
+              <a:ext uri="{FF2B5EF4-FFF2-40B4-BE49-F238E27FC236}">
+                <a16:creationId xmlns:a16="http://schemas.microsoft.com/office/drawing/2014/main" id="{480DC6FA-EE2D-4C19-B7AE-8202AF3313B2}"/>
+              </a:ext>
+            </a:extLst>
+          </p:cNvPr>
+          <p:cNvSpPr/>
+          <p:nvPr/>
+        </p:nvSpPr>
+        <p:spPr>
+          <a:xfrm>
+            <a:off x="6846999" y="1133556"/>
+            <a:ext cx="219844" cy="2065486"/>
+          </a:xfrm>
+          <a:prstGeom prst="rect">
+            <a:avLst/>
+          </a:prstGeom>
+        </p:spPr>
+        <p:style>
+          <a:lnRef idx="2">
+            <a:schemeClr val="dk1">
+              <a:shade val="50000"/>
+            </a:schemeClr>
+          </a:lnRef>
+          <a:fillRef idx="1">
+            <a:schemeClr val="dk1"/>
+          </a:fillRef>
+          <a:effectRef idx="0">
+            <a:schemeClr val="dk1"/>
+          </a:effectRef>
+          <a:fontRef idx="minor">
+            <a:schemeClr val="lt1"/>
+          </a:fontRef>
+        </p:style>
+        <p:txBody>
+          <a:bodyPr rtlCol="0" anchor="ctr"/>
+          <a:lstStyle/>
+          <a:p>
+            <a:pPr algn="ctr"/>
+            <a:endParaRPr lang="en-GB"/>
           </a:p>
         </p:txBody>
       </p:sp>
     </p:spTree>
     <p:extLst>
       <p:ext uri="{BB962C8B-B14F-4D97-AF65-F5344CB8AC3E}">
-        <p14:creationId xmlns:p14="http://schemas.microsoft.com/office/powerpoint/2010/main" val="2451454128"/>
+        <p14:creationId xmlns:p14="http://schemas.microsoft.com/office/powerpoint/2010/main" val="4047637774"/>
       </p:ext>
     </p:extLst>
   </p:cSld>
@@ -6782,31 +7718,6 @@
       </p:grpSpPr>
       <p:sp>
         <p:nvSpPr>
-          <p:cNvPr id="3" name="Content Placeholder 2">
-            <a:extLst>
-              <a:ext uri="{FF2B5EF4-FFF2-40B4-BE49-F238E27FC236}">
-                <a16:creationId xmlns:a16="http://schemas.microsoft.com/office/drawing/2014/main" id="{CAE59CD3-B5DE-4554-B40A-DCB7EDB319AE}"/>
-              </a:ext>
-            </a:extLst>
-          </p:cNvPr>
-          <p:cNvSpPr>
-            <a:spLocks noGrp="1"/>
-          </p:cNvSpPr>
-          <p:nvPr>
-            <p:ph idx="1"/>
-          </p:nvPr>
-        </p:nvSpPr>
-        <p:spPr/>
-        <p:txBody>
-          <a:bodyPr/>
-          <a:lstStyle/>
-          <a:p>
-            <a:endParaRPr lang="en-GB"/>
-          </a:p>
-        </p:txBody>
-      </p:sp>
-      <p:sp>
-        <p:nvSpPr>
           <p:cNvPr id="4" name="Title 3">
             <a:extLst>
               <a:ext uri="{FF2B5EF4-FFF2-40B4-BE49-F238E27FC236}">
@@ -6843,7 +7754,758 @@
                 <a:latin typeface="Aharoni" panose="02010803020104030203" pitchFamily="2" charset="-79"/>
                 <a:cs typeface="Aharoni" panose="02010803020104030203" pitchFamily="2" charset="-79"/>
               </a:rPr>
-              <a:t>About</a:t>
+              <a:t>Statistics</a:t>
+            </a:r>
+          </a:p>
+        </p:txBody>
+      </p:sp>
+      <p:sp>
+        <p:nvSpPr>
+          <p:cNvPr id="5" name="Title 3">
+            <a:extLst>
+              <a:ext uri="{FF2B5EF4-FFF2-40B4-BE49-F238E27FC236}">
+                <a16:creationId xmlns:a16="http://schemas.microsoft.com/office/drawing/2014/main" id="{640E7D39-64C0-4504-B499-E5908874AF45}"/>
+              </a:ext>
+            </a:extLst>
+          </p:cNvPr>
+          <p:cNvSpPr txBox="1">
+            <a:spLocks/>
+          </p:cNvSpPr>
+          <p:nvPr/>
+        </p:nvSpPr>
+        <p:spPr>
+          <a:xfrm>
+            <a:off x="495299" y="1652905"/>
+            <a:ext cx="6208713" cy="547842"/>
+          </a:xfrm>
+          <a:prstGeom prst="rect">
+            <a:avLst/>
+          </a:prstGeom>
+          <a:noFill/>
+        </p:spPr>
+        <p:txBody>
+          <a:bodyPr vert="horz" wrap="square" lIns="91440" tIns="45720" rIns="91440" bIns="45720" rtlCol="0" anchor="ctr">
+            <a:spAutoFit/>
+          </a:bodyPr>
+          <a:lstStyle>
+            <a:lvl1pPr algn="l" defTabSz="719907" rtl="0" eaLnBrk="1" latinLnBrk="0" hangingPunct="1">
+              <a:lnSpc>
+                <a:spcPct val="90000"/>
+              </a:lnSpc>
+              <a:spcBef>
+                <a:spcPct val="0"/>
+              </a:spcBef>
+              <a:buNone/>
+              <a:defRPr sz="3464" kern="1200">
+                <a:solidFill>
+                  <a:schemeClr val="tx1"/>
+                </a:solidFill>
+                <a:latin typeface="+mj-lt"/>
+                <a:ea typeface="+mj-ea"/>
+                <a:cs typeface="+mj-cs"/>
+              </a:defRPr>
+            </a:lvl1pPr>
+          </a:lstStyle>
+          <a:p>
+            <a:pPr algn="ctr"/>
+            <a:r>
+              <a:rPr lang="en-GB" sz="3200" dirty="0">
+                <a:latin typeface="Aharoni" panose="02010803020104030203" pitchFamily="2" charset="-79"/>
+                <a:cs typeface="Aharoni" panose="02010803020104030203" pitchFamily="2" charset="-79"/>
+              </a:rPr>
+              <a:t>Personalize Importance</a:t>
+            </a:r>
+          </a:p>
+        </p:txBody>
+      </p:sp>
+      <p:sp>
+        <p:nvSpPr>
+          <p:cNvPr id="2" name="Rectangle 1">
+            <a:extLst>
+              <a:ext uri="{FF2B5EF4-FFF2-40B4-BE49-F238E27FC236}">
+                <a16:creationId xmlns:a16="http://schemas.microsoft.com/office/drawing/2014/main" id="{6D90A900-37B2-4EE2-99B1-DF29A3818F0E}"/>
+              </a:ext>
+            </a:extLst>
+          </p:cNvPr>
+          <p:cNvSpPr/>
+          <p:nvPr/>
+        </p:nvSpPr>
+        <p:spPr>
+          <a:xfrm>
+            <a:off x="520699" y="2471087"/>
+            <a:ext cx="6208713" cy="2833141"/>
+          </a:xfrm>
+          <a:prstGeom prst="rect">
+            <a:avLst/>
+          </a:prstGeom>
+        </p:spPr>
+        <p:style>
+          <a:lnRef idx="2">
+            <a:schemeClr val="accent6">
+              <a:shade val="50000"/>
+            </a:schemeClr>
+          </a:lnRef>
+          <a:fillRef idx="1">
+            <a:schemeClr val="accent6"/>
+          </a:fillRef>
+          <a:effectRef idx="0">
+            <a:schemeClr val="accent6"/>
+          </a:effectRef>
+          <a:fontRef idx="minor">
+            <a:schemeClr val="lt1"/>
+          </a:fontRef>
+        </p:style>
+        <p:txBody>
+          <a:bodyPr rtlCol="0" anchor="ctr"/>
+          <a:lstStyle/>
+          <a:p>
+            <a:pPr algn="ctr"/>
+            <a:endParaRPr lang="en-GB" dirty="0"/>
+          </a:p>
+        </p:txBody>
+      </p:sp>
+      <p:sp>
+        <p:nvSpPr>
+          <p:cNvPr id="6" name="TextBox 5">
+            <a:extLst>
+              <a:ext uri="{FF2B5EF4-FFF2-40B4-BE49-F238E27FC236}">
+                <a16:creationId xmlns:a16="http://schemas.microsoft.com/office/drawing/2014/main" id="{E4E0E36A-87F8-46C2-9079-7F0F89DED43F}"/>
+              </a:ext>
+            </a:extLst>
+          </p:cNvPr>
+          <p:cNvSpPr txBox="1"/>
+          <p:nvPr/>
+        </p:nvSpPr>
+        <p:spPr>
+          <a:xfrm>
+            <a:off x="642414" y="4771325"/>
+            <a:ext cx="1019331" cy="369332"/>
+          </a:xfrm>
+          <a:prstGeom prst="rect">
+            <a:avLst/>
+          </a:prstGeom>
+          <a:noFill/>
+        </p:spPr>
+        <p:txBody>
+          <a:bodyPr wrap="square" rtlCol="0">
+            <a:spAutoFit/>
+          </a:bodyPr>
+          <a:lstStyle/>
+          <a:p>
+            <a:pPr algn="ctr"/>
+            <a:r>
+              <a:rPr lang="en-GB" dirty="0"/>
+              <a:t>Sleep</a:t>
+            </a:r>
+          </a:p>
+        </p:txBody>
+      </p:sp>
+      <p:sp>
+        <p:nvSpPr>
+          <p:cNvPr id="7" name="TextBox 6">
+            <a:extLst>
+              <a:ext uri="{FF2B5EF4-FFF2-40B4-BE49-F238E27FC236}">
+                <a16:creationId xmlns:a16="http://schemas.microsoft.com/office/drawing/2014/main" id="{2E605D9E-9D9F-448A-BCB0-CFE05EFD713C}"/>
+              </a:ext>
+            </a:extLst>
+          </p:cNvPr>
+          <p:cNvSpPr txBox="1"/>
+          <p:nvPr/>
+        </p:nvSpPr>
+        <p:spPr>
+          <a:xfrm>
+            <a:off x="1577337" y="4768860"/>
+            <a:ext cx="1215415" cy="369332"/>
+          </a:xfrm>
+          <a:prstGeom prst="rect">
+            <a:avLst/>
+          </a:prstGeom>
+          <a:noFill/>
+        </p:spPr>
+        <p:txBody>
+          <a:bodyPr wrap="square" rtlCol="0">
+            <a:spAutoFit/>
+          </a:bodyPr>
+          <a:lstStyle/>
+          <a:p>
+            <a:pPr algn="ctr"/>
+            <a:r>
+              <a:rPr lang="en-GB" dirty="0"/>
+              <a:t>Movement</a:t>
+            </a:r>
+          </a:p>
+        </p:txBody>
+      </p:sp>
+      <p:sp>
+        <p:nvSpPr>
+          <p:cNvPr id="8" name="TextBox 7">
+            <a:extLst>
+              <a:ext uri="{FF2B5EF4-FFF2-40B4-BE49-F238E27FC236}">
+                <a16:creationId xmlns:a16="http://schemas.microsoft.com/office/drawing/2014/main" id="{9227F1EB-A1C6-427D-B4C3-8DB7C802C351}"/>
+              </a:ext>
+            </a:extLst>
+          </p:cNvPr>
+          <p:cNvSpPr txBox="1"/>
+          <p:nvPr/>
+        </p:nvSpPr>
+        <p:spPr>
+          <a:xfrm>
+            <a:off x="2741614" y="4770312"/>
+            <a:ext cx="1019331" cy="369332"/>
+          </a:xfrm>
+          <a:prstGeom prst="rect">
+            <a:avLst/>
+          </a:prstGeom>
+          <a:noFill/>
+        </p:spPr>
+        <p:txBody>
+          <a:bodyPr wrap="square" rtlCol="0">
+            <a:spAutoFit/>
+          </a:bodyPr>
+          <a:lstStyle/>
+          <a:p>
+            <a:pPr algn="ctr"/>
+            <a:r>
+              <a:rPr lang="en-GB" dirty="0"/>
+              <a:t>Food</a:t>
+            </a:r>
+          </a:p>
+        </p:txBody>
+      </p:sp>
+      <p:sp>
+        <p:nvSpPr>
+          <p:cNvPr id="9" name="TextBox 8">
+            <a:extLst>
+              <a:ext uri="{FF2B5EF4-FFF2-40B4-BE49-F238E27FC236}">
+                <a16:creationId xmlns:a16="http://schemas.microsoft.com/office/drawing/2014/main" id="{B3CB3FC6-97DF-451C-B9DB-D997C8268B7A}"/>
+              </a:ext>
+            </a:extLst>
+          </p:cNvPr>
+          <p:cNvSpPr txBox="1"/>
+          <p:nvPr/>
+        </p:nvSpPr>
+        <p:spPr>
+          <a:xfrm>
+            <a:off x="3805123" y="4768860"/>
+            <a:ext cx="1019331" cy="369332"/>
+          </a:xfrm>
+          <a:prstGeom prst="rect">
+            <a:avLst/>
+          </a:prstGeom>
+          <a:noFill/>
+        </p:spPr>
+        <p:txBody>
+          <a:bodyPr wrap="square" rtlCol="0">
+            <a:spAutoFit/>
+          </a:bodyPr>
+          <a:lstStyle/>
+          <a:p>
+            <a:pPr algn="ctr"/>
+            <a:r>
+              <a:rPr lang="en-GB" dirty="0"/>
+              <a:t>Social</a:t>
+            </a:r>
+          </a:p>
+        </p:txBody>
+      </p:sp>
+      <p:sp>
+        <p:nvSpPr>
+          <p:cNvPr id="10" name="TextBox 9">
+            <a:extLst>
+              <a:ext uri="{FF2B5EF4-FFF2-40B4-BE49-F238E27FC236}">
+                <a16:creationId xmlns:a16="http://schemas.microsoft.com/office/drawing/2014/main" id="{E2F7A17B-E0E3-48A4-B031-DA9B9D4D49CF}"/>
+              </a:ext>
+            </a:extLst>
+          </p:cNvPr>
+          <p:cNvSpPr txBox="1"/>
+          <p:nvPr/>
+        </p:nvSpPr>
+        <p:spPr>
+          <a:xfrm>
+            <a:off x="4773316" y="4768860"/>
+            <a:ext cx="1215415" cy="369332"/>
+          </a:xfrm>
+          <a:prstGeom prst="rect">
+            <a:avLst/>
+          </a:prstGeom>
+          <a:noFill/>
+        </p:spPr>
+        <p:txBody>
+          <a:bodyPr wrap="square" rtlCol="0">
+            <a:spAutoFit/>
+          </a:bodyPr>
+          <a:lstStyle/>
+          <a:p>
+            <a:pPr algn="ctr"/>
+            <a:r>
+              <a:rPr lang="en-GB" dirty="0"/>
+              <a:t>Recreation </a:t>
+            </a:r>
+          </a:p>
+        </p:txBody>
+      </p:sp>
+      <p:cxnSp>
+        <p:nvCxnSpPr>
+          <p:cNvPr id="15" name="Straight Connector 14">
+            <a:extLst>
+              <a:ext uri="{FF2B5EF4-FFF2-40B4-BE49-F238E27FC236}">
+                <a16:creationId xmlns:a16="http://schemas.microsoft.com/office/drawing/2014/main" id="{AB1A4864-C0E6-48CE-9397-9737140F614B}"/>
+              </a:ext>
+            </a:extLst>
+          </p:cNvPr>
+          <p:cNvCxnSpPr/>
+          <p:nvPr/>
+        </p:nvCxnSpPr>
+        <p:spPr>
+          <a:xfrm>
+            <a:off x="816964" y="3814997"/>
+            <a:ext cx="5463915" cy="0"/>
+          </a:xfrm>
+          <a:prstGeom prst="line">
+            <a:avLst/>
+          </a:prstGeom>
+        </p:spPr>
+        <p:style>
+          <a:lnRef idx="1">
+            <a:schemeClr val="accent2"/>
+          </a:lnRef>
+          <a:fillRef idx="0">
+            <a:schemeClr val="accent2"/>
+          </a:fillRef>
+          <a:effectRef idx="0">
+            <a:schemeClr val="accent2"/>
+          </a:effectRef>
+          <a:fontRef idx="minor">
+            <a:schemeClr val="tx1"/>
+          </a:fontRef>
+        </p:style>
+      </p:cxnSp>
+      <p:cxnSp>
+        <p:nvCxnSpPr>
+          <p:cNvPr id="16" name="Straight Connector 15">
+            <a:extLst>
+              <a:ext uri="{FF2B5EF4-FFF2-40B4-BE49-F238E27FC236}">
+                <a16:creationId xmlns:a16="http://schemas.microsoft.com/office/drawing/2014/main" id="{1484C170-35EC-44C3-8FE4-A2A6C3DF9866}"/>
+              </a:ext>
+            </a:extLst>
+          </p:cNvPr>
+          <p:cNvCxnSpPr/>
+          <p:nvPr/>
+        </p:nvCxnSpPr>
+        <p:spPr>
+          <a:xfrm>
+            <a:off x="774494" y="4319662"/>
+            <a:ext cx="5463915" cy="0"/>
+          </a:xfrm>
+          <a:prstGeom prst="line">
+            <a:avLst/>
+          </a:prstGeom>
+        </p:spPr>
+        <p:style>
+          <a:lnRef idx="1">
+            <a:schemeClr val="accent2"/>
+          </a:lnRef>
+          <a:fillRef idx="0">
+            <a:schemeClr val="accent2"/>
+          </a:fillRef>
+          <a:effectRef idx="0">
+            <a:schemeClr val="accent2"/>
+          </a:effectRef>
+          <a:fontRef idx="minor">
+            <a:schemeClr val="tx1"/>
+          </a:fontRef>
+        </p:style>
+      </p:cxnSp>
+      <p:cxnSp>
+        <p:nvCxnSpPr>
+          <p:cNvPr id="17" name="Straight Connector 16">
+            <a:extLst>
+              <a:ext uri="{FF2B5EF4-FFF2-40B4-BE49-F238E27FC236}">
+                <a16:creationId xmlns:a16="http://schemas.microsoft.com/office/drawing/2014/main" id="{C81A0290-5ABD-43DC-9124-631FE9AF98B3}"/>
+              </a:ext>
+            </a:extLst>
+          </p:cNvPr>
+          <p:cNvCxnSpPr/>
+          <p:nvPr/>
+        </p:nvCxnSpPr>
+        <p:spPr>
+          <a:xfrm>
+            <a:off x="867697" y="3385275"/>
+            <a:ext cx="5463915" cy="0"/>
+          </a:xfrm>
+          <a:prstGeom prst="line">
+            <a:avLst/>
+          </a:prstGeom>
+        </p:spPr>
+        <p:style>
+          <a:lnRef idx="1">
+            <a:schemeClr val="accent2"/>
+          </a:lnRef>
+          <a:fillRef idx="0">
+            <a:schemeClr val="accent2"/>
+          </a:fillRef>
+          <a:effectRef idx="0">
+            <a:schemeClr val="accent2"/>
+          </a:effectRef>
+          <a:fontRef idx="minor">
+            <a:schemeClr val="tx1"/>
+          </a:fontRef>
+        </p:style>
+      </p:cxnSp>
+      <p:cxnSp>
+        <p:nvCxnSpPr>
+          <p:cNvPr id="18" name="Straight Connector 17">
+            <a:extLst>
+              <a:ext uri="{FF2B5EF4-FFF2-40B4-BE49-F238E27FC236}">
+                <a16:creationId xmlns:a16="http://schemas.microsoft.com/office/drawing/2014/main" id="{0F980A70-9CC2-4B55-8DAE-453A8E38F31E}"/>
+              </a:ext>
+            </a:extLst>
+          </p:cNvPr>
+          <p:cNvCxnSpPr/>
+          <p:nvPr/>
+        </p:nvCxnSpPr>
+        <p:spPr>
+          <a:xfrm>
+            <a:off x="867697" y="2928076"/>
+            <a:ext cx="5463915" cy="0"/>
+          </a:xfrm>
+          <a:prstGeom prst="line">
+            <a:avLst/>
+          </a:prstGeom>
+        </p:spPr>
+        <p:style>
+          <a:lnRef idx="1">
+            <a:schemeClr val="accent2"/>
+          </a:lnRef>
+          <a:fillRef idx="0">
+            <a:schemeClr val="accent2"/>
+          </a:fillRef>
+          <a:effectRef idx="0">
+            <a:schemeClr val="accent2"/>
+          </a:effectRef>
+          <a:fontRef idx="minor">
+            <a:schemeClr val="tx1"/>
+          </a:fontRef>
+        </p:style>
+      </p:cxnSp>
+      <p:sp>
+        <p:nvSpPr>
+          <p:cNvPr id="13" name="Rectangle 12">
+            <a:extLst>
+              <a:ext uri="{FF2B5EF4-FFF2-40B4-BE49-F238E27FC236}">
+                <a16:creationId xmlns:a16="http://schemas.microsoft.com/office/drawing/2014/main" id="{2DF4B498-C33F-4749-B664-BD308B901171}"/>
+              </a:ext>
+            </a:extLst>
+          </p:cNvPr>
+          <p:cNvSpPr/>
+          <p:nvPr/>
+        </p:nvSpPr>
+        <p:spPr>
+          <a:xfrm>
+            <a:off x="1977909" y="3357884"/>
+            <a:ext cx="419725" cy="1259086"/>
+          </a:xfrm>
+          <a:prstGeom prst="rect">
+            <a:avLst/>
+          </a:prstGeom>
+        </p:spPr>
+        <p:style>
+          <a:lnRef idx="2">
+            <a:schemeClr val="dk1">
+              <a:shade val="50000"/>
+            </a:schemeClr>
+          </a:lnRef>
+          <a:fillRef idx="1">
+            <a:schemeClr val="dk1"/>
+          </a:fillRef>
+          <a:effectRef idx="0">
+            <a:schemeClr val="dk1"/>
+          </a:effectRef>
+          <a:fontRef idx="minor">
+            <a:schemeClr val="lt1"/>
+          </a:fontRef>
+        </p:style>
+        <p:txBody>
+          <a:bodyPr rtlCol="0" anchor="ctr"/>
+          <a:lstStyle/>
+          <a:p>
+            <a:pPr algn="ctr"/>
+            <a:endParaRPr lang="en-GB"/>
+          </a:p>
+        </p:txBody>
+      </p:sp>
+      <p:sp>
+        <p:nvSpPr>
+          <p:cNvPr id="12" name="Rectangle 11">
+            <a:extLst>
+              <a:ext uri="{FF2B5EF4-FFF2-40B4-BE49-F238E27FC236}">
+                <a16:creationId xmlns:a16="http://schemas.microsoft.com/office/drawing/2014/main" id="{B92B8773-4388-4265-9A02-9F9EA25A9C58}"/>
+              </a:ext>
+            </a:extLst>
+          </p:cNvPr>
+          <p:cNvSpPr/>
+          <p:nvPr/>
+        </p:nvSpPr>
+        <p:spPr>
+          <a:xfrm>
+            <a:off x="914400" y="4208780"/>
+            <a:ext cx="419725" cy="408190"/>
+          </a:xfrm>
+          <a:prstGeom prst="rect">
+            <a:avLst/>
+          </a:prstGeom>
+        </p:spPr>
+        <p:style>
+          <a:lnRef idx="2">
+            <a:schemeClr val="dk1">
+              <a:shade val="50000"/>
+            </a:schemeClr>
+          </a:lnRef>
+          <a:fillRef idx="1">
+            <a:schemeClr val="dk1"/>
+          </a:fillRef>
+          <a:effectRef idx="0">
+            <a:schemeClr val="dk1"/>
+          </a:effectRef>
+          <a:fontRef idx="minor">
+            <a:schemeClr val="lt1"/>
+          </a:fontRef>
+        </p:style>
+        <p:txBody>
+          <a:bodyPr rtlCol="0" anchor="ctr"/>
+          <a:lstStyle/>
+          <a:p>
+            <a:pPr algn="ctr"/>
+            <a:endParaRPr lang="en-GB"/>
+          </a:p>
+        </p:txBody>
+      </p:sp>
+      <p:sp>
+        <p:nvSpPr>
+          <p:cNvPr id="24" name="Rectangle 23">
+            <a:extLst>
+              <a:ext uri="{FF2B5EF4-FFF2-40B4-BE49-F238E27FC236}">
+                <a16:creationId xmlns:a16="http://schemas.microsoft.com/office/drawing/2014/main" id="{6B4C529F-EC01-4671-93F7-A323E47259F8}"/>
+              </a:ext>
+            </a:extLst>
+          </p:cNvPr>
+          <p:cNvSpPr/>
+          <p:nvPr/>
+        </p:nvSpPr>
+        <p:spPr>
+          <a:xfrm>
+            <a:off x="3041418" y="4107182"/>
+            <a:ext cx="419725" cy="509788"/>
+          </a:xfrm>
+          <a:prstGeom prst="rect">
+            <a:avLst/>
+          </a:prstGeom>
+        </p:spPr>
+        <p:style>
+          <a:lnRef idx="2">
+            <a:schemeClr val="dk1">
+              <a:shade val="50000"/>
+            </a:schemeClr>
+          </a:lnRef>
+          <a:fillRef idx="1">
+            <a:schemeClr val="dk1"/>
+          </a:fillRef>
+          <a:effectRef idx="0">
+            <a:schemeClr val="dk1"/>
+          </a:effectRef>
+          <a:fontRef idx="minor">
+            <a:schemeClr val="lt1"/>
+          </a:fontRef>
+        </p:style>
+        <p:txBody>
+          <a:bodyPr rtlCol="0" anchor="ctr"/>
+          <a:lstStyle/>
+          <a:p>
+            <a:pPr algn="ctr"/>
+            <a:endParaRPr lang="en-GB"/>
+          </a:p>
+        </p:txBody>
+      </p:sp>
+      <p:sp>
+        <p:nvSpPr>
+          <p:cNvPr id="26" name="Rectangle 25">
+            <a:extLst>
+              <a:ext uri="{FF2B5EF4-FFF2-40B4-BE49-F238E27FC236}">
+                <a16:creationId xmlns:a16="http://schemas.microsoft.com/office/drawing/2014/main" id="{610F09A4-6B0B-42C3-A059-90FA0B2DB196}"/>
+              </a:ext>
+            </a:extLst>
+          </p:cNvPr>
+          <p:cNvSpPr/>
+          <p:nvPr/>
+        </p:nvSpPr>
+        <p:spPr>
+          <a:xfrm>
+            <a:off x="4103144" y="3677923"/>
+            <a:ext cx="419725" cy="948616"/>
+          </a:xfrm>
+          <a:prstGeom prst="rect">
+            <a:avLst/>
+          </a:prstGeom>
+        </p:spPr>
+        <p:style>
+          <a:lnRef idx="2">
+            <a:schemeClr val="dk1">
+              <a:shade val="50000"/>
+            </a:schemeClr>
+          </a:lnRef>
+          <a:fillRef idx="1">
+            <a:schemeClr val="dk1"/>
+          </a:fillRef>
+          <a:effectRef idx="0">
+            <a:schemeClr val="dk1"/>
+          </a:effectRef>
+          <a:fontRef idx="minor">
+            <a:schemeClr val="lt1"/>
+          </a:fontRef>
+        </p:style>
+        <p:txBody>
+          <a:bodyPr rtlCol="0" anchor="ctr"/>
+          <a:lstStyle/>
+          <a:p>
+            <a:pPr algn="ctr"/>
+            <a:endParaRPr lang="en-GB"/>
+          </a:p>
+        </p:txBody>
+      </p:sp>
+      <p:sp>
+        <p:nvSpPr>
+          <p:cNvPr id="28" name="Rectangle 27">
+            <a:extLst>
+              <a:ext uri="{FF2B5EF4-FFF2-40B4-BE49-F238E27FC236}">
+                <a16:creationId xmlns:a16="http://schemas.microsoft.com/office/drawing/2014/main" id="{00013D4D-FAF0-48DD-B88A-CC0A948993A5}"/>
+              </a:ext>
+            </a:extLst>
+          </p:cNvPr>
+          <p:cNvSpPr/>
+          <p:nvPr/>
+        </p:nvSpPr>
+        <p:spPr>
+          <a:xfrm>
+            <a:off x="5171162" y="3942082"/>
+            <a:ext cx="419725" cy="684456"/>
+          </a:xfrm>
+          <a:prstGeom prst="rect">
+            <a:avLst/>
+          </a:prstGeom>
+        </p:spPr>
+        <p:style>
+          <a:lnRef idx="2">
+            <a:schemeClr val="dk1">
+              <a:shade val="50000"/>
+            </a:schemeClr>
+          </a:lnRef>
+          <a:fillRef idx="1">
+            <a:schemeClr val="dk1"/>
+          </a:fillRef>
+          <a:effectRef idx="0">
+            <a:schemeClr val="dk1"/>
+          </a:effectRef>
+          <a:fontRef idx="minor">
+            <a:schemeClr val="lt1"/>
+          </a:fontRef>
+        </p:style>
+        <p:txBody>
+          <a:bodyPr rtlCol="0" anchor="ctr"/>
+          <a:lstStyle/>
+          <a:p>
+            <a:pPr algn="ctr"/>
+            <a:endParaRPr lang="en-GB"/>
+          </a:p>
+        </p:txBody>
+      </p:sp>
+      <p:sp>
+        <p:nvSpPr>
+          <p:cNvPr id="36" name="Rectangle 35">
+            <a:hlinkClick r:id="" action="ppaction://hlinkshowjump?jump=firstslide"/>
+            <a:extLst>
+              <a:ext uri="{FF2B5EF4-FFF2-40B4-BE49-F238E27FC236}">
+                <a16:creationId xmlns:a16="http://schemas.microsoft.com/office/drawing/2014/main" id="{BDB51A35-6C1C-41E8-803A-1ED28A2448A1}"/>
+              </a:ext>
+            </a:extLst>
+          </p:cNvPr>
+          <p:cNvSpPr/>
+          <p:nvPr/>
+        </p:nvSpPr>
+        <p:spPr>
+          <a:xfrm>
+            <a:off x="0" y="10099747"/>
+            <a:ext cx="2912126" cy="749887"/>
+          </a:xfrm>
+          <a:prstGeom prst="rect">
+            <a:avLst/>
+          </a:prstGeom>
+          <a:solidFill>
+            <a:schemeClr val="accent2"/>
+          </a:solidFill>
+          <a:ln>
+            <a:solidFill>
+              <a:schemeClr val="tx1"/>
+            </a:solidFill>
+          </a:ln>
+        </p:spPr>
+        <p:style>
+          <a:lnRef idx="2">
+            <a:schemeClr val="accent1">
+              <a:shade val="50000"/>
+            </a:schemeClr>
+          </a:lnRef>
+          <a:fillRef idx="1">
+            <a:schemeClr val="accent1"/>
+          </a:fillRef>
+          <a:effectRef idx="0">
+            <a:schemeClr val="accent1"/>
+          </a:effectRef>
+          <a:fontRef idx="minor">
+            <a:schemeClr val="lt1"/>
+          </a:fontRef>
+        </p:style>
+        <p:txBody>
+          <a:bodyPr rtlCol="0" anchor="ctr"/>
+          <a:lstStyle/>
+          <a:p>
+            <a:pPr algn="ctr"/>
+            <a:endParaRPr lang="en-GB"/>
+          </a:p>
+        </p:txBody>
+      </p:sp>
+      <p:sp>
+        <p:nvSpPr>
+          <p:cNvPr id="37" name="TextBox 36">
+            <a:hlinkClick r:id="" action="ppaction://hlinkshowjump?jump=firstslide"/>
+            <a:extLst>
+              <a:ext uri="{FF2B5EF4-FFF2-40B4-BE49-F238E27FC236}">
+                <a16:creationId xmlns:a16="http://schemas.microsoft.com/office/drawing/2014/main" id="{9B3D64E7-1A73-41DB-9276-258436DAF436}"/>
+              </a:ext>
+            </a:extLst>
+          </p:cNvPr>
+          <p:cNvSpPr txBox="1"/>
+          <p:nvPr/>
+        </p:nvSpPr>
+        <p:spPr>
+          <a:xfrm>
+            <a:off x="417807" y="10099747"/>
+            <a:ext cx="1993692" cy="584775"/>
+          </a:xfrm>
+          <a:prstGeom prst="rect">
+            <a:avLst/>
+          </a:prstGeom>
+          <a:noFill/>
+        </p:spPr>
+        <p:txBody>
+          <a:bodyPr wrap="square" rtlCol="0">
+            <a:spAutoFit/>
+          </a:bodyPr>
+          <a:lstStyle/>
+          <a:p>
+            <a:pPr algn="ctr"/>
+            <a:r>
+              <a:rPr lang="en-GB" sz="3200" dirty="0"/>
+              <a:t>Home</a:t>
             </a:r>
           </a:p>
         </p:txBody>
@@ -6851,7 +8513,7 @@
     </p:spTree>
     <p:extLst>
       <p:ext uri="{BB962C8B-B14F-4D97-AF65-F5344CB8AC3E}">
-        <p14:creationId xmlns:p14="http://schemas.microsoft.com/office/powerpoint/2010/main" val="2903370352"/>
+        <p14:creationId xmlns:p14="http://schemas.microsoft.com/office/powerpoint/2010/main" val="2451454128"/>
       </p:ext>
     </p:extLst>
   </p:cSld>
@@ -6880,31 +8542,6 @@
       </p:grpSpPr>
       <p:sp>
         <p:nvSpPr>
-          <p:cNvPr id="3" name="Content Placeholder 2">
-            <a:extLst>
-              <a:ext uri="{FF2B5EF4-FFF2-40B4-BE49-F238E27FC236}">
-                <a16:creationId xmlns:a16="http://schemas.microsoft.com/office/drawing/2014/main" id="{CAE59CD3-B5DE-4554-B40A-DCB7EDB319AE}"/>
-              </a:ext>
-            </a:extLst>
-          </p:cNvPr>
-          <p:cNvSpPr>
-            <a:spLocks noGrp="1"/>
-          </p:cNvSpPr>
-          <p:nvPr>
-            <p:ph idx="1"/>
-          </p:nvPr>
-        </p:nvSpPr>
-        <p:spPr/>
-        <p:txBody>
-          <a:bodyPr/>
-          <a:lstStyle/>
-          <a:p>
-            <a:endParaRPr lang="en-GB"/>
-          </a:p>
-        </p:txBody>
-      </p:sp>
-      <p:sp>
-        <p:nvSpPr>
           <p:cNvPr id="4" name="Title 3">
             <a:extLst>
               <a:ext uri="{FF2B5EF4-FFF2-40B4-BE49-F238E27FC236}">
@@ -6946,10 +8583,477 @@
           </a:p>
         </p:txBody>
       </p:sp>
+      <p:sp>
+        <p:nvSpPr>
+          <p:cNvPr id="5" name="Rectangle: Rounded Corners 4">
+            <a:extLst>
+              <a:ext uri="{FF2B5EF4-FFF2-40B4-BE49-F238E27FC236}">
+                <a16:creationId xmlns:a16="http://schemas.microsoft.com/office/drawing/2014/main" id="{DC2B3381-2DC3-474B-9F5B-6C7B63ECEFC2}"/>
+              </a:ext>
+            </a:extLst>
+          </p:cNvPr>
+          <p:cNvSpPr/>
+          <p:nvPr/>
+        </p:nvSpPr>
+        <p:spPr>
+          <a:xfrm>
+            <a:off x="1379095" y="7877333"/>
+            <a:ext cx="4429594" cy="891914"/>
+          </a:xfrm>
+          <a:prstGeom prst="roundRect">
+            <a:avLst/>
+          </a:prstGeom>
+        </p:spPr>
+        <p:style>
+          <a:lnRef idx="2">
+            <a:schemeClr val="accent2">
+              <a:shade val="50000"/>
+            </a:schemeClr>
+          </a:lnRef>
+          <a:fillRef idx="1">
+            <a:schemeClr val="accent2"/>
+          </a:fillRef>
+          <a:effectRef idx="0">
+            <a:schemeClr val="accent2"/>
+          </a:effectRef>
+          <a:fontRef idx="minor">
+            <a:schemeClr val="lt1"/>
+          </a:fontRef>
+        </p:style>
+        <p:txBody>
+          <a:bodyPr rtlCol="0" anchor="ctr"/>
+          <a:lstStyle/>
+          <a:p>
+            <a:pPr algn="ctr"/>
+            <a:endParaRPr lang="en-GB"/>
+          </a:p>
+        </p:txBody>
+      </p:sp>
+      <p:sp>
+        <p:nvSpPr>
+          <p:cNvPr id="6" name="TextBox 5">
+            <a:extLst>
+              <a:ext uri="{FF2B5EF4-FFF2-40B4-BE49-F238E27FC236}">
+                <a16:creationId xmlns:a16="http://schemas.microsoft.com/office/drawing/2014/main" id="{BDB6BC47-92C7-473C-86EF-B9450BA4D402}"/>
+              </a:ext>
+            </a:extLst>
+          </p:cNvPr>
+          <p:cNvSpPr txBox="1"/>
+          <p:nvPr/>
+        </p:nvSpPr>
+        <p:spPr>
+          <a:xfrm>
+            <a:off x="1516802" y="8030902"/>
+            <a:ext cx="4154179" cy="584775"/>
+          </a:xfrm>
+          <a:prstGeom prst="rect">
+            <a:avLst/>
+          </a:prstGeom>
+          <a:noFill/>
+        </p:spPr>
+        <p:txBody>
+          <a:bodyPr wrap="square" rtlCol="0">
+            <a:spAutoFit/>
+          </a:bodyPr>
+          <a:lstStyle/>
+          <a:p>
+            <a:pPr algn="ctr"/>
+            <a:r>
+              <a:rPr lang="en-GB" sz="3200" dirty="0">
+                <a:latin typeface="Aharoni" panose="02010803020104030203" pitchFamily="2" charset="-79"/>
+                <a:cs typeface="Aharoni" panose="02010803020104030203" pitchFamily="2" charset="-79"/>
+              </a:rPr>
+              <a:t>Add Need</a:t>
+            </a:r>
+          </a:p>
+        </p:txBody>
+      </p:sp>
+      <p:sp>
+        <p:nvSpPr>
+          <p:cNvPr id="15" name="Rectangle 14">
+            <a:hlinkClick r:id="" action="ppaction://hlinkshowjump?jump=firstslide"/>
+            <a:extLst>
+              <a:ext uri="{FF2B5EF4-FFF2-40B4-BE49-F238E27FC236}">
+                <a16:creationId xmlns:a16="http://schemas.microsoft.com/office/drawing/2014/main" id="{6DC77232-8E69-433E-80F6-8528D17DE184}"/>
+              </a:ext>
+            </a:extLst>
+          </p:cNvPr>
+          <p:cNvSpPr/>
+          <p:nvPr/>
+        </p:nvSpPr>
+        <p:spPr>
+          <a:xfrm>
+            <a:off x="0" y="10073390"/>
+            <a:ext cx="2912126" cy="749887"/>
+          </a:xfrm>
+          <a:prstGeom prst="rect">
+            <a:avLst/>
+          </a:prstGeom>
+          <a:solidFill>
+            <a:schemeClr val="accent2"/>
+          </a:solidFill>
+          <a:ln>
+            <a:solidFill>
+              <a:schemeClr val="tx1"/>
+            </a:solidFill>
+          </a:ln>
+        </p:spPr>
+        <p:style>
+          <a:lnRef idx="2">
+            <a:schemeClr val="accent1">
+              <a:shade val="50000"/>
+            </a:schemeClr>
+          </a:lnRef>
+          <a:fillRef idx="1">
+            <a:schemeClr val="accent1"/>
+          </a:fillRef>
+          <a:effectRef idx="0">
+            <a:schemeClr val="accent1"/>
+          </a:effectRef>
+          <a:fontRef idx="minor">
+            <a:schemeClr val="lt1"/>
+          </a:fontRef>
+        </p:style>
+        <p:txBody>
+          <a:bodyPr rtlCol="0" anchor="ctr"/>
+          <a:lstStyle/>
+          <a:p>
+            <a:pPr algn="ctr"/>
+            <a:endParaRPr lang="en-GB"/>
+          </a:p>
+        </p:txBody>
+      </p:sp>
+      <p:sp>
+        <p:nvSpPr>
+          <p:cNvPr id="16" name="TextBox 15">
+            <a:hlinkClick r:id="" action="ppaction://hlinkshowjump?jump=firstslide"/>
+            <a:extLst>
+              <a:ext uri="{FF2B5EF4-FFF2-40B4-BE49-F238E27FC236}">
+                <a16:creationId xmlns:a16="http://schemas.microsoft.com/office/drawing/2014/main" id="{2FFEFD2A-A4A6-438D-8397-43B201F61EC4}"/>
+              </a:ext>
+            </a:extLst>
+          </p:cNvPr>
+          <p:cNvSpPr txBox="1"/>
+          <p:nvPr/>
+        </p:nvSpPr>
+        <p:spPr>
+          <a:xfrm>
+            <a:off x="417807" y="10099747"/>
+            <a:ext cx="1993692" cy="584775"/>
+          </a:xfrm>
+          <a:prstGeom prst="rect">
+            <a:avLst/>
+          </a:prstGeom>
+          <a:noFill/>
+        </p:spPr>
+        <p:txBody>
+          <a:bodyPr wrap="square" rtlCol="0">
+            <a:spAutoFit/>
+          </a:bodyPr>
+          <a:lstStyle/>
+          <a:p>
+            <a:pPr algn="ctr"/>
+            <a:r>
+              <a:rPr lang="en-GB" sz="3200" dirty="0"/>
+              <a:t>Back</a:t>
+            </a:r>
+          </a:p>
+        </p:txBody>
+      </p:sp>
+      <p:sp>
+        <p:nvSpPr>
+          <p:cNvPr id="7" name="Rectangle: Rounded Corners 6">
+            <a:extLst>
+              <a:ext uri="{FF2B5EF4-FFF2-40B4-BE49-F238E27FC236}">
+                <a16:creationId xmlns:a16="http://schemas.microsoft.com/office/drawing/2014/main" id="{DB7213EB-9641-4888-BE90-3B416F0898AA}"/>
+              </a:ext>
+            </a:extLst>
+          </p:cNvPr>
+          <p:cNvSpPr/>
+          <p:nvPr/>
+        </p:nvSpPr>
+        <p:spPr>
+          <a:xfrm>
+            <a:off x="1384859" y="6462678"/>
+            <a:ext cx="4429594" cy="891914"/>
+          </a:xfrm>
+          <a:prstGeom prst="roundRect">
+            <a:avLst/>
+          </a:prstGeom>
+        </p:spPr>
+        <p:style>
+          <a:lnRef idx="2">
+            <a:schemeClr val="accent2">
+              <a:shade val="50000"/>
+            </a:schemeClr>
+          </a:lnRef>
+          <a:fillRef idx="1">
+            <a:schemeClr val="accent2"/>
+          </a:fillRef>
+          <a:effectRef idx="0">
+            <a:schemeClr val="accent2"/>
+          </a:effectRef>
+          <a:fontRef idx="minor">
+            <a:schemeClr val="lt1"/>
+          </a:fontRef>
+        </p:style>
+        <p:txBody>
+          <a:bodyPr rtlCol="0" anchor="ctr"/>
+          <a:lstStyle/>
+          <a:p>
+            <a:pPr algn="ctr"/>
+            <a:endParaRPr lang="en-GB"/>
+          </a:p>
+        </p:txBody>
+      </p:sp>
+      <p:sp>
+        <p:nvSpPr>
+          <p:cNvPr id="8" name="TextBox 7">
+            <a:extLst>
+              <a:ext uri="{FF2B5EF4-FFF2-40B4-BE49-F238E27FC236}">
+                <a16:creationId xmlns:a16="http://schemas.microsoft.com/office/drawing/2014/main" id="{4E4ED0FA-2DF9-4F54-945D-03A3C2FC21A7}"/>
+              </a:ext>
+            </a:extLst>
+          </p:cNvPr>
+          <p:cNvSpPr txBox="1"/>
+          <p:nvPr/>
+        </p:nvSpPr>
+        <p:spPr>
+          <a:xfrm>
+            <a:off x="1522566" y="6616247"/>
+            <a:ext cx="4154179" cy="584775"/>
+          </a:xfrm>
+          <a:prstGeom prst="rect">
+            <a:avLst/>
+          </a:prstGeom>
+          <a:noFill/>
+        </p:spPr>
+        <p:txBody>
+          <a:bodyPr wrap="square" rtlCol="0">
+            <a:spAutoFit/>
+          </a:bodyPr>
+          <a:lstStyle/>
+          <a:p>
+            <a:pPr algn="ctr"/>
+            <a:r>
+              <a:rPr lang="en-GB" sz="3200" dirty="0" err="1">
+                <a:latin typeface="Aharoni" panose="02010803020104030203" pitchFamily="2" charset="-79"/>
+                <a:cs typeface="Aharoni" panose="02010803020104030203" pitchFamily="2" charset="-79"/>
+              </a:rPr>
+              <a:t>Opt</a:t>
+            </a:r>
+            <a:r>
+              <a:rPr lang="en-GB" sz="3200" dirty="0">
+                <a:latin typeface="Aharoni" panose="02010803020104030203" pitchFamily="2" charset="-79"/>
+                <a:cs typeface="Aharoni" panose="02010803020104030203" pitchFamily="2" charset="-79"/>
+              </a:rPr>
+              <a:t> in share data</a:t>
+            </a:r>
+          </a:p>
+        </p:txBody>
+      </p:sp>
     </p:spTree>
     <p:extLst>
       <p:ext uri="{BB962C8B-B14F-4D97-AF65-F5344CB8AC3E}">
         <p14:creationId xmlns:p14="http://schemas.microsoft.com/office/powerpoint/2010/main" val="2618757964"/>
+      </p:ext>
+    </p:extLst>
+  </p:cSld>
+  <p:clrMapOvr>
+    <a:masterClrMapping/>
+  </p:clrMapOvr>
+</p:sld>
+</file>
+
+<file path=ppt/slides/slide6.xml><?xml version="1.0" encoding="utf-8"?>
+<p:sld xmlns:a="http://schemas.openxmlformats.org/drawingml/2006/main" xmlns:r="http://schemas.openxmlformats.org/officeDocument/2006/relationships" xmlns:p="http://schemas.openxmlformats.org/presentationml/2006/main">
+  <p:cSld>
+    <p:spTree>
+      <p:nvGrpSpPr>
+        <p:cNvPr id="1" name=""/>
+        <p:cNvGrpSpPr/>
+        <p:nvPr/>
+      </p:nvGrpSpPr>
+      <p:grpSpPr>
+        <a:xfrm>
+          <a:off x="0" y="0"/>
+          <a:ext cx="0" cy="0"/>
+          <a:chOff x="0" y="0"/>
+          <a:chExt cx="0" cy="0"/>
+        </a:xfrm>
+      </p:grpSpPr>
+      <p:sp>
+        <p:nvSpPr>
+          <p:cNvPr id="4" name="Title 3">
+            <a:extLst>
+              <a:ext uri="{FF2B5EF4-FFF2-40B4-BE49-F238E27FC236}">
+                <a16:creationId xmlns:a16="http://schemas.microsoft.com/office/drawing/2014/main" id="{CD6D1FC5-0C0D-4F57-A2D4-D234D5F69653}"/>
+              </a:ext>
+            </a:extLst>
+          </p:cNvPr>
+          <p:cNvSpPr txBox="1">
+            <a:spLocks noGrp="1"/>
+          </p:cNvSpPr>
+          <p:nvPr>
+            <p:ph type="title"/>
+          </p:nvPr>
+        </p:nvSpPr>
+        <p:spPr>
+          <a:xfrm>
+            <a:off x="495647" y="467695"/>
+            <a:ext cx="6208713" cy="604781"/>
+          </a:xfrm>
+          <a:prstGeom prst="rect">
+            <a:avLst/>
+          </a:prstGeom>
+          <a:noFill/>
+        </p:spPr>
+        <p:txBody>
+          <a:bodyPr wrap="square" rtlCol="0">
+            <a:spAutoFit/>
+          </a:bodyPr>
+          <a:lstStyle/>
+          <a:p>
+            <a:pPr algn="ctr"/>
+            <a:r>
+              <a:rPr lang="en-GB" sz="3600" dirty="0">
+                <a:latin typeface="Aharoni" panose="02010803020104030203" pitchFamily="2" charset="-79"/>
+                <a:cs typeface="Aharoni" panose="02010803020104030203" pitchFamily="2" charset="-79"/>
+              </a:rPr>
+              <a:t>About</a:t>
+            </a:r>
+          </a:p>
+        </p:txBody>
+      </p:sp>
+      <p:sp>
+        <p:nvSpPr>
+          <p:cNvPr id="7" name="Rectangle 6">
+            <a:extLst>
+              <a:ext uri="{FF2B5EF4-FFF2-40B4-BE49-F238E27FC236}">
+                <a16:creationId xmlns:a16="http://schemas.microsoft.com/office/drawing/2014/main" id="{3F3AA6C9-2EE3-4790-8024-F6F9D5DDE9CB}"/>
+              </a:ext>
+            </a:extLst>
+          </p:cNvPr>
+          <p:cNvSpPr/>
+          <p:nvPr/>
+        </p:nvSpPr>
+        <p:spPr>
+          <a:xfrm>
+            <a:off x="0" y="10073390"/>
+            <a:ext cx="2912126" cy="749887"/>
+          </a:xfrm>
+          <a:prstGeom prst="rect">
+            <a:avLst/>
+          </a:prstGeom>
+          <a:solidFill>
+            <a:schemeClr val="accent2"/>
+          </a:solidFill>
+          <a:ln>
+            <a:solidFill>
+              <a:schemeClr val="tx1"/>
+            </a:solidFill>
+          </a:ln>
+        </p:spPr>
+        <p:style>
+          <a:lnRef idx="2">
+            <a:schemeClr val="accent1">
+              <a:shade val="50000"/>
+            </a:schemeClr>
+          </a:lnRef>
+          <a:fillRef idx="1">
+            <a:schemeClr val="accent1"/>
+          </a:fillRef>
+          <a:effectRef idx="0">
+            <a:schemeClr val="accent1"/>
+          </a:effectRef>
+          <a:fontRef idx="minor">
+            <a:schemeClr val="lt1"/>
+          </a:fontRef>
+        </p:style>
+        <p:txBody>
+          <a:bodyPr rtlCol="0" anchor="ctr"/>
+          <a:lstStyle/>
+          <a:p>
+            <a:pPr algn="ctr"/>
+            <a:endParaRPr lang="en-GB"/>
+          </a:p>
+        </p:txBody>
+      </p:sp>
+      <p:sp>
+        <p:nvSpPr>
+          <p:cNvPr id="8" name="TextBox 7">
+            <a:extLst>
+              <a:ext uri="{FF2B5EF4-FFF2-40B4-BE49-F238E27FC236}">
+                <a16:creationId xmlns:a16="http://schemas.microsoft.com/office/drawing/2014/main" id="{5F16753B-7504-47ED-8ADD-2445A5A0ED90}"/>
+              </a:ext>
+            </a:extLst>
+          </p:cNvPr>
+          <p:cNvSpPr txBox="1"/>
+          <p:nvPr/>
+        </p:nvSpPr>
+        <p:spPr>
+          <a:xfrm>
+            <a:off x="417807" y="10099747"/>
+            <a:ext cx="1993692" cy="584775"/>
+          </a:xfrm>
+          <a:prstGeom prst="rect">
+            <a:avLst/>
+          </a:prstGeom>
+          <a:noFill/>
+        </p:spPr>
+        <p:txBody>
+          <a:bodyPr wrap="square" rtlCol="0">
+            <a:spAutoFit/>
+          </a:bodyPr>
+          <a:lstStyle/>
+          <a:p>
+            <a:pPr algn="ctr"/>
+            <a:r>
+              <a:rPr lang="en-GB" sz="3200" dirty="0"/>
+              <a:t>Back</a:t>
+            </a:r>
+          </a:p>
+        </p:txBody>
+      </p:sp>
+      <p:sp>
+        <p:nvSpPr>
+          <p:cNvPr id="2" name="TextBox 1">
+            <a:extLst>
+              <a:ext uri="{FF2B5EF4-FFF2-40B4-BE49-F238E27FC236}">
+                <a16:creationId xmlns:a16="http://schemas.microsoft.com/office/drawing/2014/main" id="{B6315B3C-C34E-4565-9965-A5FEC74EC04C}"/>
+              </a:ext>
+            </a:extLst>
+          </p:cNvPr>
+          <p:cNvSpPr txBox="1"/>
+          <p:nvPr/>
+        </p:nvSpPr>
+        <p:spPr>
+          <a:xfrm>
+            <a:off x="1602216" y="2049810"/>
+            <a:ext cx="3994879" cy="646331"/>
+          </a:xfrm>
+          <a:prstGeom prst="rect">
+            <a:avLst/>
+          </a:prstGeom>
+          <a:noFill/>
+        </p:spPr>
+        <p:txBody>
+          <a:bodyPr wrap="square" rtlCol="0">
+            <a:spAutoFit/>
+          </a:bodyPr>
+          <a:lstStyle/>
+          <a:p>
+            <a:r>
+              <a:rPr lang="en-GB" dirty="0"/>
+              <a:t>This app was made as by Runar Reve as his Major Project for his degree</a:t>
+            </a:r>
+          </a:p>
+        </p:txBody>
+      </p:sp>
+    </p:spTree>
+    <p:extLst>
+      <p:ext uri="{BB962C8B-B14F-4D97-AF65-F5344CB8AC3E}">
+        <p14:creationId xmlns:p14="http://schemas.microsoft.com/office/powerpoint/2010/main" val="2903370352"/>
       </p:ext>
     </p:extLst>
   </p:cSld>

--- a/Documents/UI.pptx
+++ b/Documents/UI.pptx
@@ -216,7 +216,7 @@
           <a:p>
             <a:fld id="{65D2CF22-5DE7-4573-B2C7-F2FD6A1B0721}" type="datetimeFigureOut">
               <a:rPr lang="en-GB" smtClean="0"/>
-              <a:t>05/02/2021</a:t>
+              <a:t>06/02/2021</a:t>
             </a:fld>
             <a:endParaRPr lang="en-GB"/>
           </a:p>
@@ -867,7 +867,7 @@
           <a:p>
             <a:fld id="{7728408F-BD63-4741-B54F-A0ABC6703005}" type="datetimeFigureOut">
               <a:rPr lang="en-GB" smtClean="0"/>
-              <a:t>05/02/2021</a:t>
+              <a:t>06/02/2021</a:t>
             </a:fld>
             <a:endParaRPr lang="en-GB"/>
           </a:p>
@@ -1037,7 +1037,7 @@
           <a:p>
             <a:fld id="{7728408F-BD63-4741-B54F-A0ABC6703005}" type="datetimeFigureOut">
               <a:rPr lang="en-GB" smtClean="0"/>
-              <a:t>05/02/2021</a:t>
+              <a:t>06/02/2021</a:t>
             </a:fld>
             <a:endParaRPr lang="en-GB"/>
           </a:p>
@@ -1217,7 +1217,7 @@
           <a:p>
             <a:fld id="{7728408F-BD63-4741-B54F-A0ABC6703005}" type="datetimeFigureOut">
               <a:rPr lang="en-GB" smtClean="0"/>
-              <a:t>05/02/2021</a:t>
+              <a:t>06/02/2021</a:t>
             </a:fld>
             <a:endParaRPr lang="en-GB"/>
           </a:p>
@@ -1387,7 +1387,7 @@
           <a:p>
             <a:fld id="{7728408F-BD63-4741-B54F-A0ABC6703005}" type="datetimeFigureOut">
               <a:rPr lang="en-GB" smtClean="0"/>
-              <a:t>05/02/2021</a:t>
+              <a:t>06/02/2021</a:t>
             </a:fld>
             <a:endParaRPr lang="en-GB"/>
           </a:p>
@@ -1631,7 +1631,7 @@
           <a:p>
             <a:fld id="{7728408F-BD63-4741-B54F-A0ABC6703005}" type="datetimeFigureOut">
               <a:rPr lang="en-GB" smtClean="0"/>
-              <a:t>05/02/2021</a:t>
+              <a:t>06/02/2021</a:t>
             </a:fld>
             <a:endParaRPr lang="en-GB"/>
           </a:p>
@@ -1863,7 +1863,7 @@
           <a:p>
             <a:fld id="{7728408F-BD63-4741-B54F-A0ABC6703005}" type="datetimeFigureOut">
               <a:rPr lang="en-GB" smtClean="0"/>
-              <a:t>05/02/2021</a:t>
+              <a:t>06/02/2021</a:t>
             </a:fld>
             <a:endParaRPr lang="en-GB"/>
           </a:p>
@@ -2230,7 +2230,7 @@
           <a:p>
             <a:fld id="{7728408F-BD63-4741-B54F-A0ABC6703005}" type="datetimeFigureOut">
               <a:rPr lang="en-GB" smtClean="0"/>
-              <a:t>05/02/2021</a:t>
+              <a:t>06/02/2021</a:t>
             </a:fld>
             <a:endParaRPr lang="en-GB"/>
           </a:p>
@@ -2348,7 +2348,7 @@
           <a:p>
             <a:fld id="{7728408F-BD63-4741-B54F-A0ABC6703005}" type="datetimeFigureOut">
               <a:rPr lang="en-GB" smtClean="0"/>
-              <a:t>05/02/2021</a:t>
+              <a:t>06/02/2021</a:t>
             </a:fld>
             <a:endParaRPr lang="en-GB"/>
           </a:p>
@@ -2443,7 +2443,7 @@
           <a:p>
             <a:fld id="{7728408F-BD63-4741-B54F-A0ABC6703005}" type="datetimeFigureOut">
               <a:rPr lang="en-GB" smtClean="0"/>
-              <a:t>05/02/2021</a:t>
+              <a:t>06/02/2021</a:t>
             </a:fld>
             <a:endParaRPr lang="en-GB"/>
           </a:p>
@@ -2720,7 +2720,7 @@
           <a:p>
             <a:fld id="{7728408F-BD63-4741-B54F-A0ABC6703005}" type="datetimeFigureOut">
               <a:rPr lang="en-GB" smtClean="0"/>
-              <a:t>05/02/2021</a:t>
+              <a:t>06/02/2021</a:t>
             </a:fld>
             <a:endParaRPr lang="en-GB"/>
           </a:p>
@@ -2977,7 +2977,7 @@
           <a:p>
             <a:fld id="{7728408F-BD63-4741-B54F-A0ABC6703005}" type="datetimeFigureOut">
               <a:rPr lang="en-GB" smtClean="0"/>
-              <a:t>05/02/2021</a:t>
+              <a:t>06/02/2021</a:t>
             </a:fld>
             <a:endParaRPr lang="en-GB"/>
           </a:p>
@@ -3190,7 +3190,7 @@
           <a:p>
             <a:fld id="{7728408F-BD63-4741-B54F-A0ABC6703005}" type="datetimeFigureOut">
               <a:rPr lang="en-GB" smtClean="0"/>
-              <a:t>05/02/2021</a:t>
+              <a:t>06/02/2021</a:t>
             </a:fld>
             <a:endParaRPr lang="en-GB"/>
           </a:p>
@@ -7654,7 +7654,7 @@
         </p:nvSpPr>
         <p:spPr>
           <a:xfrm>
-            <a:off x="6846999" y="1133556"/>
+            <a:off x="6850989" y="1202136"/>
             <a:ext cx="219844" cy="2065486"/>
           </a:xfrm>
           <a:prstGeom prst="rect">

--- a/Documents/UI.pptx
+++ b/Documents/UI.pptx
@@ -224,7 +224,7 @@
           <a:p>
             <a:fld id="{65D2CF22-5DE7-4573-B2C7-F2FD6A1B0721}" type="datetimeFigureOut">
               <a:rPr lang="en-GB" smtClean="0"/>
-              <a:t>23/04/2021</a:t>
+              <a:t>29/04/2021</a:t>
             </a:fld>
             <a:endParaRPr lang="en-GB"/>
           </a:p>
@@ -959,7 +959,7 @@
           <a:p>
             <a:fld id="{7728408F-BD63-4741-B54F-A0ABC6703005}" type="datetimeFigureOut">
               <a:rPr lang="en-GB" smtClean="0"/>
-              <a:t>23/04/2021</a:t>
+              <a:t>29/04/2021</a:t>
             </a:fld>
             <a:endParaRPr lang="en-GB"/>
           </a:p>
@@ -1129,7 +1129,7 @@
           <a:p>
             <a:fld id="{7728408F-BD63-4741-B54F-A0ABC6703005}" type="datetimeFigureOut">
               <a:rPr lang="en-GB" smtClean="0"/>
-              <a:t>23/04/2021</a:t>
+              <a:t>29/04/2021</a:t>
             </a:fld>
             <a:endParaRPr lang="en-GB"/>
           </a:p>
@@ -1309,7 +1309,7 @@
           <a:p>
             <a:fld id="{7728408F-BD63-4741-B54F-A0ABC6703005}" type="datetimeFigureOut">
               <a:rPr lang="en-GB" smtClean="0"/>
-              <a:t>23/04/2021</a:t>
+              <a:t>29/04/2021</a:t>
             </a:fld>
             <a:endParaRPr lang="en-GB"/>
           </a:p>
@@ -1479,7 +1479,7 @@
           <a:p>
             <a:fld id="{7728408F-BD63-4741-B54F-A0ABC6703005}" type="datetimeFigureOut">
               <a:rPr lang="en-GB" smtClean="0"/>
-              <a:t>23/04/2021</a:t>
+              <a:t>29/04/2021</a:t>
             </a:fld>
             <a:endParaRPr lang="en-GB"/>
           </a:p>
@@ -1723,7 +1723,7 @@
           <a:p>
             <a:fld id="{7728408F-BD63-4741-B54F-A0ABC6703005}" type="datetimeFigureOut">
               <a:rPr lang="en-GB" smtClean="0"/>
-              <a:t>23/04/2021</a:t>
+              <a:t>29/04/2021</a:t>
             </a:fld>
             <a:endParaRPr lang="en-GB"/>
           </a:p>
@@ -1955,7 +1955,7 @@
           <a:p>
             <a:fld id="{7728408F-BD63-4741-B54F-A0ABC6703005}" type="datetimeFigureOut">
               <a:rPr lang="en-GB" smtClean="0"/>
-              <a:t>23/04/2021</a:t>
+              <a:t>29/04/2021</a:t>
             </a:fld>
             <a:endParaRPr lang="en-GB"/>
           </a:p>
@@ -2322,7 +2322,7 @@
           <a:p>
             <a:fld id="{7728408F-BD63-4741-B54F-A0ABC6703005}" type="datetimeFigureOut">
               <a:rPr lang="en-GB" smtClean="0"/>
-              <a:t>23/04/2021</a:t>
+              <a:t>29/04/2021</a:t>
             </a:fld>
             <a:endParaRPr lang="en-GB"/>
           </a:p>
@@ -2440,7 +2440,7 @@
           <a:p>
             <a:fld id="{7728408F-BD63-4741-B54F-A0ABC6703005}" type="datetimeFigureOut">
               <a:rPr lang="en-GB" smtClean="0"/>
-              <a:t>23/04/2021</a:t>
+              <a:t>29/04/2021</a:t>
             </a:fld>
             <a:endParaRPr lang="en-GB"/>
           </a:p>
@@ -2535,7 +2535,7 @@
           <a:p>
             <a:fld id="{7728408F-BD63-4741-B54F-A0ABC6703005}" type="datetimeFigureOut">
               <a:rPr lang="en-GB" smtClean="0"/>
-              <a:t>23/04/2021</a:t>
+              <a:t>29/04/2021</a:t>
             </a:fld>
             <a:endParaRPr lang="en-GB"/>
           </a:p>
@@ -2812,7 +2812,7 @@
           <a:p>
             <a:fld id="{7728408F-BD63-4741-B54F-A0ABC6703005}" type="datetimeFigureOut">
               <a:rPr lang="en-GB" smtClean="0"/>
-              <a:t>23/04/2021</a:t>
+              <a:t>29/04/2021</a:t>
             </a:fld>
             <a:endParaRPr lang="en-GB"/>
           </a:p>
@@ -3069,7 +3069,7 @@
           <a:p>
             <a:fld id="{7728408F-BD63-4741-B54F-A0ABC6703005}" type="datetimeFigureOut">
               <a:rPr lang="en-GB" smtClean="0"/>
-              <a:t>23/04/2021</a:t>
+              <a:t>29/04/2021</a:t>
             </a:fld>
             <a:endParaRPr lang="en-GB"/>
           </a:p>
@@ -3282,7 +3282,7 @@
           <a:p>
             <a:fld id="{7728408F-BD63-4741-B54F-A0ABC6703005}" type="datetimeFigureOut">
               <a:rPr lang="en-GB" smtClean="0"/>
-              <a:t>23/04/2021</a:t>
+              <a:t>29/04/2021</a:t>
             </a:fld>
             <a:endParaRPr lang="en-GB"/>
           </a:p>
@@ -4014,6 +4014,58 @@
           </a:sp3d>
         </p:spPr>
       </p:pic>
+      <p:sp>
+        <p:nvSpPr>
+          <p:cNvPr id="2" name="Rectangle 1">
+            <a:extLst>
+              <a:ext uri="{FF2B5EF4-FFF2-40B4-BE49-F238E27FC236}">
+                <a16:creationId xmlns:a16="http://schemas.microsoft.com/office/drawing/2014/main" id="{F23E795B-03A1-4932-864F-EBDE2F04EE78}"/>
+              </a:ext>
+            </a:extLst>
+          </p:cNvPr>
+          <p:cNvSpPr/>
+          <p:nvPr/>
+        </p:nvSpPr>
+        <p:spPr>
+          <a:xfrm>
+            <a:off x="-1" y="0"/>
+            <a:ext cx="7199313" cy="10799763"/>
+          </a:xfrm>
+          <a:prstGeom prst="rect">
+            <a:avLst/>
+          </a:prstGeom>
+          <a:noFill/>
+          <a:ln w="38100">
+            <a:solidFill>
+              <a:schemeClr val="tx1"/>
+            </a:solidFill>
+          </a:ln>
+        </p:spPr>
+        <p:style>
+          <a:lnRef idx="2">
+            <a:schemeClr val="accent1">
+              <a:shade val="50000"/>
+            </a:schemeClr>
+          </a:lnRef>
+          <a:fillRef idx="1">
+            <a:schemeClr val="accent1"/>
+          </a:fillRef>
+          <a:effectRef idx="0">
+            <a:schemeClr val="accent1"/>
+          </a:effectRef>
+          <a:fontRef idx="minor">
+            <a:schemeClr val="lt1"/>
+          </a:fontRef>
+        </p:style>
+        <p:txBody>
+          <a:bodyPr rtlCol="0" anchor="ctr"/>
+          <a:lstStyle/>
+          <a:p>
+            <a:pPr algn="ctr"/>
+            <a:endParaRPr lang="en-GB"/>
+          </a:p>
+        </p:txBody>
+      </p:sp>
     </p:spTree>
     <p:extLst>
       <p:ext uri="{BB962C8B-B14F-4D97-AF65-F5344CB8AC3E}">
@@ -4212,6 +4264,58 @@
           </a:p>
         </p:txBody>
       </p:sp>
+      <p:sp>
+        <p:nvSpPr>
+          <p:cNvPr id="6" name="Rectangle 5">
+            <a:extLst>
+              <a:ext uri="{FF2B5EF4-FFF2-40B4-BE49-F238E27FC236}">
+                <a16:creationId xmlns:a16="http://schemas.microsoft.com/office/drawing/2014/main" id="{3932030C-D2CE-4359-AF0C-CEC78FA47228}"/>
+              </a:ext>
+            </a:extLst>
+          </p:cNvPr>
+          <p:cNvSpPr/>
+          <p:nvPr/>
+        </p:nvSpPr>
+        <p:spPr>
+          <a:xfrm>
+            <a:off x="-1" y="0"/>
+            <a:ext cx="7199313" cy="10799763"/>
+          </a:xfrm>
+          <a:prstGeom prst="rect">
+            <a:avLst/>
+          </a:prstGeom>
+          <a:noFill/>
+          <a:ln w="38100">
+            <a:solidFill>
+              <a:schemeClr val="tx1"/>
+            </a:solidFill>
+          </a:ln>
+        </p:spPr>
+        <p:style>
+          <a:lnRef idx="2">
+            <a:schemeClr val="accent1">
+              <a:shade val="50000"/>
+            </a:schemeClr>
+          </a:lnRef>
+          <a:fillRef idx="1">
+            <a:schemeClr val="accent1"/>
+          </a:fillRef>
+          <a:effectRef idx="0">
+            <a:schemeClr val="accent1"/>
+          </a:effectRef>
+          <a:fontRef idx="minor">
+            <a:schemeClr val="lt1"/>
+          </a:fontRef>
+        </p:style>
+        <p:txBody>
+          <a:bodyPr rtlCol="0" anchor="ctr"/>
+          <a:lstStyle/>
+          <a:p>
+            <a:pPr algn="ctr"/>
+            <a:endParaRPr lang="en-GB"/>
+          </a:p>
+        </p:txBody>
+      </p:sp>
     </p:spTree>
     <p:extLst>
       <p:ext uri="{BB962C8B-B14F-4D97-AF65-F5344CB8AC3E}">
@@ -4569,6 +4673,58 @@
           </a:sp3d>
         </p:spPr>
       </p:pic>
+      <p:sp>
+        <p:nvSpPr>
+          <p:cNvPr id="11" name="Rectangle 10">
+            <a:extLst>
+              <a:ext uri="{FF2B5EF4-FFF2-40B4-BE49-F238E27FC236}">
+                <a16:creationId xmlns:a16="http://schemas.microsoft.com/office/drawing/2014/main" id="{26742305-A5E8-46DD-90CB-5D244015DC68}"/>
+              </a:ext>
+            </a:extLst>
+          </p:cNvPr>
+          <p:cNvSpPr/>
+          <p:nvPr/>
+        </p:nvSpPr>
+        <p:spPr>
+          <a:xfrm>
+            <a:off x="-1" y="0"/>
+            <a:ext cx="7199313" cy="10799763"/>
+          </a:xfrm>
+          <a:prstGeom prst="rect">
+            <a:avLst/>
+          </a:prstGeom>
+          <a:noFill/>
+          <a:ln w="38100">
+            <a:solidFill>
+              <a:schemeClr val="tx1"/>
+            </a:solidFill>
+          </a:ln>
+        </p:spPr>
+        <p:style>
+          <a:lnRef idx="2">
+            <a:schemeClr val="accent1">
+              <a:shade val="50000"/>
+            </a:schemeClr>
+          </a:lnRef>
+          <a:fillRef idx="1">
+            <a:schemeClr val="accent1"/>
+          </a:fillRef>
+          <a:effectRef idx="0">
+            <a:schemeClr val="accent1"/>
+          </a:effectRef>
+          <a:fontRef idx="minor">
+            <a:schemeClr val="lt1"/>
+          </a:fontRef>
+        </p:style>
+        <p:txBody>
+          <a:bodyPr rtlCol="0" anchor="ctr"/>
+          <a:lstStyle/>
+          <a:p>
+            <a:pPr algn="ctr"/>
+            <a:endParaRPr lang="en-GB"/>
+          </a:p>
+        </p:txBody>
+      </p:sp>
     </p:spTree>
     <p:extLst>
       <p:ext uri="{BB962C8B-B14F-4D97-AF65-F5344CB8AC3E}">
@@ -4613,7 +4769,7 @@
         </p:nvSpPr>
         <p:spPr>
           <a:xfrm>
-            <a:off x="1820778" y="450489"/>
+            <a:off x="1763030" y="314370"/>
             <a:ext cx="3545173" cy="646331"/>
           </a:xfrm>
           <a:prstGeom prst="rect">
@@ -4649,7 +4805,7 @@
         </p:nvSpPr>
         <p:spPr>
           <a:xfrm>
-            <a:off x="689548" y="1379095"/>
+            <a:off x="743397" y="2315492"/>
             <a:ext cx="5996065" cy="1266669"/>
           </a:xfrm>
           <a:prstGeom prst="roundRect">
@@ -4787,7 +4943,7 @@
         </p:nvSpPr>
         <p:spPr>
           <a:xfrm>
-            <a:off x="1534761" y="2170331"/>
+            <a:off x="1230899" y="3186301"/>
             <a:ext cx="252000" cy="253079"/>
           </a:xfrm>
           <a:prstGeom prst="ellipse">
@@ -4818,7 +4974,7 @@
           <a:lstStyle/>
           <a:p>
             <a:pPr algn="ctr"/>
-            <a:endParaRPr lang="en-GB"/>
+            <a:endParaRPr lang="en-GB" dirty="0"/>
           </a:p>
         </p:txBody>
       </p:sp>
@@ -4836,7 +4992,7 @@
         </p:nvSpPr>
         <p:spPr>
           <a:xfrm>
-            <a:off x="2803461" y="2181121"/>
+            <a:off x="2749747" y="3182874"/>
             <a:ext cx="252000" cy="253079"/>
           </a:xfrm>
           <a:prstGeom prst="ellipse">
@@ -4885,7 +5041,7 @@
         </p:nvSpPr>
         <p:spPr>
           <a:xfrm>
-            <a:off x="5617251" y="2170331"/>
+            <a:off x="5652663" y="3189865"/>
             <a:ext cx="252000" cy="253079"/>
           </a:xfrm>
           <a:prstGeom prst="ellipse">
@@ -4934,7 +5090,7 @@
         </p:nvSpPr>
         <p:spPr>
           <a:xfrm>
-            <a:off x="2821898" y="1373353"/>
+            <a:off x="2875747" y="2309750"/>
             <a:ext cx="1731364" cy="400110"/>
           </a:xfrm>
           <a:prstGeom prst="rect">
@@ -4970,7 +5126,7 @@
         </p:nvSpPr>
         <p:spPr>
           <a:xfrm>
-            <a:off x="1196065" y="1800999"/>
+            <a:off x="892203" y="2816969"/>
             <a:ext cx="1004341" cy="369332"/>
           </a:xfrm>
           <a:prstGeom prst="rect">
@@ -5006,7 +5162,7 @@
         </p:nvSpPr>
         <p:spPr>
           <a:xfrm>
-            <a:off x="2407747" y="1833396"/>
+            <a:off x="2354033" y="2835149"/>
             <a:ext cx="1004341" cy="369332"/>
           </a:xfrm>
           <a:prstGeom prst="rect">
@@ -5042,7 +5198,7 @@
         </p:nvSpPr>
         <p:spPr>
           <a:xfrm>
-            <a:off x="5202371" y="1573408"/>
+            <a:off x="5237783" y="2592942"/>
             <a:ext cx="1182522" cy="646331"/>
           </a:xfrm>
           <a:prstGeom prst="rect">
@@ -5078,8 +5234,8 @@
         </p:nvSpPr>
         <p:spPr>
           <a:xfrm>
-            <a:off x="744032" y="3127948"/>
-            <a:ext cx="5996065" cy="1266669"/>
+            <a:off x="744032" y="3910813"/>
+            <a:ext cx="5996065" cy="1195315"/>
           </a:xfrm>
           <a:prstGeom prst="roundRect">
             <a:avLst/>
@@ -5124,7 +5280,7 @@
         </p:nvSpPr>
         <p:spPr>
           <a:xfrm>
-            <a:off x="1589245" y="3919184"/>
+            <a:off x="1231534" y="4710268"/>
             <a:ext cx="252000" cy="253079"/>
           </a:xfrm>
           <a:prstGeom prst="ellipse">
@@ -5173,7 +5329,7 @@
         </p:nvSpPr>
         <p:spPr>
           <a:xfrm>
-            <a:off x="2835664" y="3922877"/>
+            <a:off x="2697143" y="4708541"/>
             <a:ext cx="252000" cy="253079"/>
           </a:xfrm>
           <a:prstGeom prst="ellipse">
@@ -5210,10 +5366,154 @@
       </p:sp>
       <p:sp>
         <p:nvSpPr>
-          <p:cNvPr id="21" name="Oval 20">
-            <a:extLst>
-              <a:ext uri="{FF2B5EF4-FFF2-40B4-BE49-F238E27FC236}">
-                <a16:creationId xmlns:a16="http://schemas.microsoft.com/office/drawing/2014/main" id="{A1DAA4B6-EA1C-4736-9E85-D1581A9D4FBB}"/>
+          <p:cNvPr id="22" name="TextBox 21">
+            <a:extLst>
+              <a:ext uri="{FF2B5EF4-FFF2-40B4-BE49-F238E27FC236}">
+                <a16:creationId xmlns:a16="http://schemas.microsoft.com/office/drawing/2014/main" id="{4630DFCA-4294-4E68-ACB7-DE6BE27E1AE7}"/>
+              </a:ext>
+            </a:extLst>
+          </p:cNvPr>
+          <p:cNvSpPr txBox="1"/>
+          <p:nvPr/>
+        </p:nvSpPr>
+        <p:spPr>
+          <a:xfrm>
+            <a:off x="2821898" y="3960706"/>
+            <a:ext cx="1731364" cy="400110"/>
+          </a:xfrm>
+          <a:prstGeom prst="rect">
+            <a:avLst/>
+          </a:prstGeom>
+          <a:noFill/>
+        </p:spPr>
+        <p:txBody>
+          <a:bodyPr wrap="square" rtlCol="0">
+            <a:spAutoFit/>
+          </a:bodyPr>
+          <a:lstStyle/>
+          <a:p>
+            <a:pPr algn="ctr"/>
+            <a:r>
+              <a:rPr lang="en-GB" sz="2000" b="1" dirty="0"/>
+              <a:t>Ethnicity</a:t>
+            </a:r>
+          </a:p>
+        </p:txBody>
+      </p:sp>
+      <p:sp>
+        <p:nvSpPr>
+          <p:cNvPr id="23" name="TextBox 22">
+            <a:extLst>
+              <a:ext uri="{FF2B5EF4-FFF2-40B4-BE49-F238E27FC236}">
+                <a16:creationId xmlns:a16="http://schemas.microsoft.com/office/drawing/2014/main" id="{5526A7E5-FCAC-496A-AA0C-EA2C88D9F06C}"/>
+              </a:ext>
+            </a:extLst>
+          </p:cNvPr>
+          <p:cNvSpPr txBox="1"/>
+          <p:nvPr/>
+        </p:nvSpPr>
+        <p:spPr>
+          <a:xfrm>
+            <a:off x="892838" y="4340936"/>
+            <a:ext cx="1004341" cy="369332"/>
+          </a:xfrm>
+          <a:prstGeom prst="rect">
+            <a:avLst/>
+          </a:prstGeom>
+          <a:noFill/>
+        </p:spPr>
+        <p:txBody>
+          <a:bodyPr wrap="square" rtlCol="0">
+            <a:spAutoFit/>
+          </a:bodyPr>
+          <a:lstStyle/>
+          <a:p>
+            <a:pPr algn="ctr"/>
+            <a:r>
+              <a:rPr lang="en-GB" dirty="0"/>
+              <a:t>White</a:t>
+            </a:r>
+          </a:p>
+        </p:txBody>
+      </p:sp>
+      <p:sp>
+        <p:nvSpPr>
+          <p:cNvPr id="24" name="TextBox 23">
+            <a:extLst>
+              <a:ext uri="{FF2B5EF4-FFF2-40B4-BE49-F238E27FC236}">
+                <a16:creationId xmlns:a16="http://schemas.microsoft.com/office/drawing/2014/main" id="{E965BD98-80BB-462F-893D-D3D3C4E153FA}"/>
+              </a:ext>
+            </a:extLst>
+          </p:cNvPr>
+          <p:cNvSpPr txBox="1"/>
+          <p:nvPr/>
+        </p:nvSpPr>
+        <p:spPr>
+          <a:xfrm>
+            <a:off x="2301429" y="4360816"/>
+            <a:ext cx="1004341" cy="369332"/>
+          </a:xfrm>
+          <a:prstGeom prst="rect">
+            <a:avLst/>
+          </a:prstGeom>
+          <a:noFill/>
+        </p:spPr>
+        <p:txBody>
+          <a:bodyPr wrap="square" rtlCol="0">
+            <a:spAutoFit/>
+          </a:bodyPr>
+          <a:lstStyle/>
+          <a:p>
+            <a:pPr algn="ctr"/>
+            <a:r>
+              <a:rPr lang="en-GB" dirty="0"/>
+              <a:t>Black</a:t>
+            </a:r>
+          </a:p>
+        </p:txBody>
+      </p:sp>
+      <p:sp>
+        <p:nvSpPr>
+          <p:cNvPr id="25" name="TextBox 24">
+            <a:extLst>
+              <a:ext uri="{FF2B5EF4-FFF2-40B4-BE49-F238E27FC236}">
+                <a16:creationId xmlns:a16="http://schemas.microsoft.com/office/drawing/2014/main" id="{11A8624C-DDCA-4F8F-8D16-C46630390FB5}"/>
+              </a:ext>
+            </a:extLst>
+          </p:cNvPr>
+          <p:cNvSpPr txBox="1"/>
+          <p:nvPr/>
+        </p:nvSpPr>
+        <p:spPr>
+          <a:xfrm>
+            <a:off x="5176011" y="4129477"/>
+            <a:ext cx="1182522" cy="646331"/>
+          </a:xfrm>
+          <a:prstGeom prst="rect">
+            <a:avLst/>
+          </a:prstGeom>
+          <a:noFill/>
+        </p:spPr>
+        <p:txBody>
+          <a:bodyPr wrap="square" rtlCol="0">
+            <a:spAutoFit/>
+          </a:bodyPr>
+          <a:lstStyle/>
+          <a:p>
+            <a:pPr algn="ctr"/>
+            <a:r>
+              <a:rPr lang="en-GB" dirty="0"/>
+              <a:t>Preferer not to say</a:t>
+            </a:r>
+          </a:p>
+        </p:txBody>
+      </p:sp>
+      <p:sp>
+        <p:nvSpPr>
+          <p:cNvPr id="26" name="Oval 25">
+            <a:extLst>
+              <a:ext uri="{FF2B5EF4-FFF2-40B4-BE49-F238E27FC236}">
+                <a16:creationId xmlns:a16="http://schemas.microsoft.com/office/drawing/2014/main" id="{BD51485C-E5BA-4603-9DF0-622BB6831F86}"/>
               </a:ext>
             </a:extLst>
           </p:cNvPr>
@@ -5222,7 +5522,7 @@
         </p:nvSpPr>
         <p:spPr>
           <a:xfrm>
-            <a:off x="5671735" y="3919184"/>
+            <a:off x="4137144" y="4640855"/>
             <a:ext cx="252000" cy="253079"/>
           </a:xfrm>
           <a:prstGeom prst="ellipse">
@@ -5259,10 +5559,10 @@
       </p:sp>
       <p:sp>
         <p:nvSpPr>
-          <p:cNvPr id="22" name="TextBox 21">
-            <a:extLst>
-              <a:ext uri="{FF2B5EF4-FFF2-40B4-BE49-F238E27FC236}">
-                <a16:creationId xmlns:a16="http://schemas.microsoft.com/office/drawing/2014/main" id="{4630DFCA-4294-4E68-ACB7-DE6BE27E1AE7}"/>
+          <p:cNvPr id="27" name="TextBox 26">
+            <a:extLst>
+              <a:ext uri="{FF2B5EF4-FFF2-40B4-BE49-F238E27FC236}">
+                <a16:creationId xmlns:a16="http://schemas.microsoft.com/office/drawing/2014/main" id="{333B95B6-6DA4-4ECD-847D-79A1EE77DFDD}"/>
               </a:ext>
             </a:extLst>
           </p:cNvPr>
@@ -5271,8 +5571,8 @@
         </p:nvSpPr>
         <p:spPr>
           <a:xfrm>
-            <a:off x="2876382" y="3122206"/>
-            <a:ext cx="1731364" cy="400110"/>
+            <a:off x="3741430" y="4293130"/>
+            <a:ext cx="1004341" cy="369332"/>
           </a:xfrm>
           <a:prstGeom prst="rect">
             <a:avLst/>
@@ -5287,18 +5587,211 @@
           <a:p>
             <a:pPr algn="ctr"/>
             <a:r>
-              <a:rPr lang="en-GB" sz="2000" b="1" dirty="0"/>
-              <a:t>Ethnicity</a:t>
+              <a:rPr lang="en-GB" dirty="0"/>
+              <a:t>Asian</a:t>
             </a:r>
           </a:p>
         </p:txBody>
       </p:sp>
       <p:sp>
         <p:nvSpPr>
-          <p:cNvPr id="23" name="TextBox 22">
-            <a:extLst>
-              <a:ext uri="{FF2B5EF4-FFF2-40B4-BE49-F238E27FC236}">
-                <a16:creationId xmlns:a16="http://schemas.microsoft.com/office/drawing/2014/main" id="{5526A7E5-FCAC-496A-AA0C-EA2C88D9F06C}"/>
+          <p:cNvPr id="28" name="Rectangle: Rounded Corners 27">
+            <a:extLst>
+              <a:ext uri="{FF2B5EF4-FFF2-40B4-BE49-F238E27FC236}">
+                <a16:creationId xmlns:a16="http://schemas.microsoft.com/office/drawing/2014/main" id="{F5E18529-87A0-4E1A-A9CF-E15CCAF97A68}"/>
+              </a:ext>
+            </a:extLst>
+          </p:cNvPr>
+          <p:cNvSpPr/>
+          <p:nvPr/>
+        </p:nvSpPr>
+        <p:spPr>
+          <a:xfrm>
+            <a:off x="689548" y="5479184"/>
+            <a:ext cx="5996065" cy="1195940"/>
+          </a:xfrm>
+          <a:prstGeom prst="roundRect">
+            <a:avLst/>
+          </a:prstGeom>
+        </p:spPr>
+        <p:style>
+          <a:lnRef idx="2">
+            <a:schemeClr val="accent2">
+              <a:shade val="50000"/>
+            </a:schemeClr>
+          </a:lnRef>
+          <a:fillRef idx="1">
+            <a:schemeClr val="accent2"/>
+          </a:fillRef>
+          <a:effectRef idx="0">
+            <a:schemeClr val="accent2"/>
+          </a:effectRef>
+          <a:fontRef idx="minor">
+            <a:schemeClr val="lt1"/>
+          </a:fontRef>
+        </p:style>
+        <p:txBody>
+          <a:bodyPr rtlCol="0" anchor="ctr"/>
+          <a:lstStyle/>
+          <a:p>
+            <a:pPr algn="ctr"/>
+            <a:endParaRPr lang="en-GB"/>
+          </a:p>
+        </p:txBody>
+      </p:sp>
+      <p:sp>
+        <p:nvSpPr>
+          <p:cNvPr id="29" name="Oval 28">
+            <a:extLst>
+              <a:ext uri="{FF2B5EF4-FFF2-40B4-BE49-F238E27FC236}">
+                <a16:creationId xmlns:a16="http://schemas.microsoft.com/office/drawing/2014/main" id="{45B05D2E-803E-4AFE-9C95-3D0A0400442C}"/>
+              </a:ext>
+            </a:extLst>
+          </p:cNvPr>
+          <p:cNvSpPr/>
+          <p:nvPr/>
+        </p:nvSpPr>
+        <p:spPr>
+          <a:xfrm>
+            <a:off x="1177050" y="6279264"/>
+            <a:ext cx="252000" cy="253079"/>
+          </a:xfrm>
+          <a:prstGeom prst="ellipse">
+            <a:avLst/>
+          </a:prstGeom>
+          <a:solidFill>
+            <a:schemeClr val="bg1"/>
+          </a:solidFill>
+        </p:spPr>
+        <p:style>
+          <a:lnRef idx="2">
+            <a:schemeClr val="dk1">
+              <a:shade val="50000"/>
+            </a:schemeClr>
+          </a:lnRef>
+          <a:fillRef idx="1">
+            <a:schemeClr val="dk1"/>
+          </a:fillRef>
+          <a:effectRef idx="0">
+            <a:schemeClr val="dk1"/>
+          </a:effectRef>
+          <a:fontRef idx="minor">
+            <a:schemeClr val="lt1"/>
+          </a:fontRef>
+        </p:style>
+        <p:txBody>
+          <a:bodyPr rtlCol="0" anchor="ctr"/>
+          <a:lstStyle/>
+          <a:p>
+            <a:pPr algn="ctr"/>
+            <a:endParaRPr lang="en-GB"/>
+          </a:p>
+        </p:txBody>
+      </p:sp>
+      <p:sp>
+        <p:nvSpPr>
+          <p:cNvPr id="30" name="Oval 29">
+            <a:extLst>
+              <a:ext uri="{FF2B5EF4-FFF2-40B4-BE49-F238E27FC236}">
+                <a16:creationId xmlns:a16="http://schemas.microsoft.com/office/drawing/2014/main" id="{0ECAFB55-7BD5-47B8-BC3C-909DC41E38E9}"/>
+              </a:ext>
+            </a:extLst>
+          </p:cNvPr>
+          <p:cNvSpPr/>
+          <p:nvPr/>
+        </p:nvSpPr>
+        <p:spPr>
+          <a:xfrm>
+            <a:off x="2195027" y="6249099"/>
+            <a:ext cx="252000" cy="253079"/>
+          </a:xfrm>
+          <a:prstGeom prst="ellipse">
+            <a:avLst/>
+          </a:prstGeom>
+          <a:solidFill>
+            <a:schemeClr val="bg1"/>
+          </a:solidFill>
+        </p:spPr>
+        <p:style>
+          <a:lnRef idx="2">
+            <a:schemeClr val="dk1">
+              <a:shade val="50000"/>
+            </a:schemeClr>
+          </a:lnRef>
+          <a:fillRef idx="1">
+            <a:schemeClr val="dk1"/>
+          </a:fillRef>
+          <a:effectRef idx="0">
+            <a:schemeClr val="dk1"/>
+          </a:effectRef>
+          <a:fontRef idx="minor">
+            <a:schemeClr val="lt1"/>
+          </a:fontRef>
+        </p:style>
+        <p:txBody>
+          <a:bodyPr rtlCol="0" anchor="ctr"/>
+          <a:lstStyle/>
+          <a:p>
+            <a:pPr algn="ctr"/>
+            <a:endParaRPr lang="en-GB"/>
+          </a:p>
+        </p:txBody>
+      </p:sp>
+      <p:sp>
+        <p:nvSpPr>
+          <p:cNvPr id="31" name="Oval 30">
+            <a:extLst>
+              <a:ext uri="{FF2B5EF4-FFF2-40B4-BE49-F238E27FC236}">
+                <a16:creationId xmlns:a16="http://schemas.microsoft.com/office/drawing/2014/main" id="{754DF105-7BD8-426D-977C-3F4DA0544215}"/>
+              </a:ext>
+            </a:extLst>
+          </p:cNvPr>
+          <p:cNvSpPr/>
+          <p:nvPr/>
+        </p:nvSpPr>
+        <p:spPr>
+          <a:xfrm>
+            <a:off x="5617251" y="6199691"/>
+            <a:ext cx="252000" cy="253079"/>
+          </a:xfrm>
+          <a:prstGeom prst="ellipse">
+            <a:avLst/>
+          </a:prstGeom>
+          <a:solidFill>
+            <a:schemeClr val="bg1"/>
+          </a:solidFill>
+        </p:spPr>
+        <p:style>
+          <a:lnRef idx="2">
+            <a:schemeClr val="dk1">
+              <a:shade val="50000"/>
+            </a:schemeClr>
+          </a:lnRef>
+          <a:fillRef idx="1">
+            <a:schemeClr val="dk1"/>
+          </a:fillRef>
+          <a:effectRef idx="0">
+            <a:schemeClr val="dk1"/>
+          </a:effectRef>
+          <a:fontRef idx="minor">
+            <a:schemeClr val="lt1"/>
+          </a:fontRef>
+        </p:style>
+        <p:txBody>
+          <a:bodyPr rtlCol="0" anchor="ctr"/>
+          <a:lstStyle/>
+          <a:p>
+            <a:pPr algn="ctr"/>
+            <a:endParaRPr lang="en-GB"/>
+          </a:p>
+        </p:txBody>
+      </p:sp>
+      <p:sp>
+        <p:nvSpPr>
+          <p:cNvPr id="32" name="TextBox 31">
+            <a:extLst>
+              <a:ext uri="{FF2B5EF4-FFF2-40B4-BE49-F238E27FC236}">
+                <a16:creationId xmlns:a16="http://schemas.microsoft.com/office/drawing/2014/main" id="{1154A125-1823-4755-81F9-FEF3B651AB5F}"/>
               </a:ext>
             </a:extLst>
           </p:cNvPr>
@@ -5307,8 +5800,8 @@
         </p:nvSpPr>
         <p:spPr>
           <a:xfrm>
-            <a:off x="1250549" y="3549852"/>
-            <a:ext cx="1004341" cy="369332"/>
+            <a:off x="2821898" y="5492706"/>
+            <a:ext cx="1731364" cy="400110"/>
           </a:xfrm>
           <a:prstGeom prst="rect">
             <a:avLst/>
@@ -5323,18 +5816,18 @@
           <a:p>
             <a:pPr algn="ctr"/>
             <a:r>
-              <a:rPr lang="en-GB" dirty="0"/>
-              <a:t>White</a:t>
+              <a:rPr lang="en-GB" sz="2000" b="1" dirty="0"/>
+              <a:t>Age Group</a:t>
             </a:r>
           </a:p>
         </p:txBody>
       </p:sp>
       <p:sp>
         <p:nvSpPr>
-          <p:cNvPr id="24" name="TextBox 23">
-            <a:extLst>
-              <a:ext uri="{FF2B5EF4-FFF2-40B4-BE49-F238E27FC236}">
-                <a16:creationId xmlns:a16="http://schemas.microsoft.com/office/drawing/2014/main" id="{E965BD98-80BB-462F-893D-D3D3C4E153FA}"/>
+          <p:cNvPr id="33" name="TextBox 32">
+            <a:extLst>
+              <a:ext uri="{FF2B5EF4-FFF2-40B4-BE49-F238E27FC236}">
+                <a16:creationId xmlns:a16="http://schemas.microsoft.com/office/drawing/2014/main" id="{6B1B07F7-CC58-43FC-AC13-A2B762AAB5D3}"/>
               </a:ext>
             </a:extLst>
           </p:cNvPr>
@@ -5343,7 +5836,7 @@
         </p:nvSpPr>
         <p:spPr>
           <a:xfrm>
-            <a:off x="2439950" y="3575152"/>
+            <a:off x="838354" y="5909932"/>
             <a:ext cx="1004341" cy="369332"/>
           </a:xfrm>
           <a:prstGeom prst="rect">
@@ -5360,17 +5853,17 @@
             <a:pPr algn="ctr"/>
             <a:r>
               <a:rPr lang="en-GB" dirty="0"/>
-              <a:t>Black</a:t>
+              <a:t>Child</a:t>
             </a:r>
           </a:p>
         </p:txBody>
       </p:sp>
       <p:sp>
         <p:nvSpPr>
-          <p:cNvPr id="25" name="TextBox 24">
-            <a:extLst>
-              <a:ext uri="{FF2B5EF4-FFF2-40B4-BE49-F238E27FC236}">
-                <a16:creationId xmlns:a16="http://schemas.microsoft.com/office/drawing/2014/main" id="{11A8624C-DDCA-4F8F-8D16-C46630390FB5}"/>
+          <p:cNvPr id="34" name="TextBox 33">
+            <a:extLst>
+              <a:ext uri="{FF2B5EF4-FFF2-40B4-BE49-F238E27FC236}">
+                <a16:creationId xmlns:a16="http://schemas.microsoft.com/office/drawing/2014/main" id="{C1C55292-D52D-4B39-B60C-F40A29B31F25}"/>
               </a:ext>
             </a:extLst>
           </p:cNvPr>
@@ -5379,7 +5872,43 @@
         </p:nvSpPr>
         <p:spPr>
           <a:xfrm>
-            <a:off x="5256855" y="3322261"/>
+            <a:off x="1799313" y="5901374"/>
+            <a:ext cx="1054844" cy="369332"/>
+          </a:xfrm>
+          <a:prstGeom prst="rect">
+            <a:avLst/>
+          </a:prstGeom>
+          <a:noFill/>
+        </p:spPr>
+        <p:txBody>
+          <a:bodyPr wrap="square" rtlCol="0">
+            <a:spAutoFit/>
+          </a:bodyPr>
+          <a:lstStyle/>
+          <a:p>
+            <a:pPr algn="ctr"/>
+            <a:r>
+              <a:rPr lang="en-GB" dirty="0"/>
+              <a:t>Teenager</a:t>
+            </a:r>
+          </a:p>
+        </p:txBody>
+      </p:sp>
+      <p:sp>
+        <p:nvSpPr>
+          <p:cNvPr id="35" name="TextBox 34">
+            <a:extLst>
+              <a:ext uri="{FF2B5EF4-FFF2-40B4-BE49-F238E27FC236}">
+                <a16:creationId xmlns:a16="http://schemas.microsoft.com/office/drawing/2014/main" id="{9BDE626D-F348-4959-B48D-E2C83847A1D5}"/>
+              </a:ext>
+            </a:extLst>
+          </p:cNvPr>
+          <p:cNvSpPr txBox="1"/>
+          <p:nvPr/>
+        </p:nvSpPr>
+        <p:spPr>
+          <a:xfrm>
+            <a:off x="5202371" y="5602768"/>
             <a:ext cx="1182522" cy="646331"/>
           </a:xfrm>
           <a:prstGeom prst="rect">
@@ -5403,10 +5932,10 @@
       </p:sp>
       <p:sp>
         <p:nvSpPr>
-          <p:cNvPr id="26" name="Oval 25">
-            <a:extLst>
-              <a:ext uri="{FF2B5EF4-FFF2-40B4-BE49-F238E27FC236}">
-                <a16:creationId xmlns:a16="http://schemas.microsoft.com/office/drawing/2014/main" id="{BD51485C-E5BA-4603-9DF0-622BB6831F86}"/>
+          <p:cNvPr id="36" name="Oval 35">
+            <a:extLst>
+              <a:ext uri="{FF2B5EF4-FFF2-40B4-BE49-F238E27FC236}">
+                <a16:creationId xmlns:a16="http://schemas.microsoft.com/office/drawing/2014/main" id="{61A487DC-A893-40C3-8268-2D0F1816ED71}"/>
               </a:ext>
             </a:extLst>
           </p:cNvPr>
@@ -5415,7 +5944,7 @@
         </p:nvSpPr>
         <p:spPr>
           <a:xfrm>
-            <a:off x="4406150" y="3922877"/>
+            <a:off x="3429161" y="6259939"/>
             <a:ext cx="252000" cy="253079"/>
           </a:xfrm>
           <a:prstGeom prst="ellipse">
@@ -5452,10 +5981,10 @@
       </p:sp>
       <p:sp>
         <p:nvSpPr>
-          <p:cNvPr id="27" name="TextBox 26">
-            <a:extLst>
-              <a:ext uri="{FF2B5EF4-FFF2-40B4-BE49-F238E27FC236}">
-                <a16:creationId xmlns:a16="http://schemas.microsoft.com/office/drawing/2014/main" id="{333B95B6-6DA4-4ECD-847D-79A1EE77DFDD}"/>
+          <p:cNvPr id="37" name="TextBox 36">
+            <a:extLst>
+              <a:ext uri="{FF2B5EF4-FFF2-40B4-BE49-F238E27FC236}">
+                <a16:creationId xmlns:a16="http://schemas.microsoft.com/office/drawing/2014/main" id="{BFE317C3-5F1C-46E3-BB75-804ED2A9E706}"/>
               </a:ext>
             </a:extLst>
           </p:cNvPr>
@@ -5464,7 +5993,7 @@
         </p:nvSpPr>
         <p:spPr>
           <a:xfrm>
-            <a:off x="4010436" y="3575152"/>
+            <a:off x="3033447" y="5912214"/>
             <a:ext cx="1004341" cy="369332"/>
           </a:xfrm>
           <a:prstGeom prst="rect">
@@ -5481,17 +6010,17 @@
             <a:pPr algn="ctr"/>
             <a:r>
               <a:rPr lang="en-GB" dirty="0"/>
-              <a:t>Asian</a:t>
+              <a:t>Adult</a:t>
             </a:r>
           </a:p>
         </p:txBody>
       </p:sp>
       <p:sp>
         <p:nvSpPr>
-          <p:cNvPr id="28" name="Rectangle: Rounded Corners 27">
-            <a:extLst>
-              <a:ext uri="{FF2B5EF4-FFF2-40B4-BE49-F238E27FC236}">
-                <a16:creationId xmlns:a16="http://schemas.microsoft.com/office/drawing/2014/main" id="{F5E18529-87A0-4E1A-A9CF-E15CCAF97A68}"/>
+          <p:cNvPr id="38" name="Oval 37">
+            <a:extLst>
+              <a:ext uri="{FF2B5EF4-FFF2-40B4-BE49-F238E27FC236}">
+                <a16:creationId xmlns:a16="http://schemas.microsoft.com/office/drawing/2014/main" id="{24917541-EE29-4829-92EE-2965344DACCC}"/>
               </a:ext>
             </a:extLst>
           </p:cNvPr>
@@ -5500,8 +6029,93 @@
         </p:nvSpPr>
         <p:spPr>
           <a:xfrm>
-            <a:off x="671111" y="4880920"/>
-            <a:ext cx="5996065" cy="1266669"/>
+            <a:off x="4746694" y="6258829"/>
+            <a:ext cx="252000" cy="253079"/>
+          </a:xfrm>
+          <a:prstGeom prst="ellipse">
+            <a:avLst/>
+          </a:prstGeom>
+          <a:solidFill>
+            <a:schemeClr val="bg1"/>
+          </a:solidFill>
+        </p:spPr>
+        <p:style>
+          <a:lnRef idx="2">
+            <a:schemeClr val="dk1">
+              <a:shade val="50000"/>
+            </a:schemeClr>
+          </a:lnRef>
+          <a:fillRef idx="1">
+            <a:schemeClr val="dk1"/>
+          </a:fillRef>
+          <a:effectRef idx="0">
+            <a:schemeClr val="dk1"/>
+          </a:effectRef>
+          <a:fontRef idx="minor">
+            <a:schemeClr val="lt1"/>
+          </a:fontRef>
+        </p:style>
+        <p:txBody>
+          <a:bodyPr rtlCol="0" anchor="ctr"/>
+          <a:lstStyle/>
+          <a:p>
+            <a:pPr algn="ctr"/>
+            <a:endParaRPr lang="en-GB"/>
+          </a:p>
+        </p:txBody>
+      </p:sp>
+      <p:sp>
+        <p:nvSpPr>
+          <p:cNvPr id="39" name="TextBox 38">
+            <a:extLst>
+              <a:ext uri="{FF2B5EF4-FFF2-40B4-BE49-F238E27FC236}">
+                <a16:creationId xmlns:a16="http://schemas.microsoft.com/office/drawing/2014/main" id="{434702F6-99DB-4DE1-A8F9-5F0155DB6386}"/>
+              </a:ext>
+            </a:extLst>
+          </p:cNvPr>
+          <p:cNvSpPr txBox="1"/>
+          <p:nvPr/>
+        </p:nvSpPr>
+        <p:spPr>
+          <a:xfrm>
+            <a:off x="4350980" y="5911104"/>
+            <a:ext cx="1004341" cy="369332"/>
+          </a:xfrm>
+          <a:prstGeom prst="rect">
+            <a:avLst/>
+          </a:prstGeom>
+          <a:noFill/>
+        </p:spPr>
+        <p:txBody>
+          <a:bodyPr wrap="square" rtlCol="0">
+            <a:spAutoFit/>
+          </a:bodyPr>
+          <a:lstStyle/>
+          <a:p>
+            <a:pPr algn="ctr"/>
+            <a:r>
+              <a:rPr lang="en-GB" dirty="0"/>
+              <a:t>Old</a:t>
+            </a:r>
+          </a:p>
+        </p:txBody>
+      </p:sp>
+      <p:sp>
+        <p:nvSpPr>
+          <p:cNvPr id="53" name="Rectangle: Rounded Corners 52">
+            <a:extLst>
+              <a:ext uri="{FF2B5EF4-FFF2-40B4-BE49-F238E27FC236}">
+                <a16:creationId xmlns:a16="http://schemas.microsoft.com/office/drawing/2014/main" id="{0ADEB49C-016F-4676-88D1-8633C9240A6A}"/>
+              </a:ext>
+            </a:extLst>
+          </p:cNvPr>
+          <p:cNvSpPr/>
+          <p:nvPr/>
+        </p:nvSpPr>
+        <p:spPr>
+          <a:xfrm>
+            <a:off x="744032" y="7084360"/>
+            <a:ext cx="5996065" cy="1113496"/>
           </a:xfrm>
           <a:prstGeom prst="roundRect">
             <a:avLst/>
@@ -5534,10 +6148,10 @@
       </p:sp>
       <p:sp>
         <p:nvSpPr>
-          <p:cNvPr id="29" name="Oval 28">
-            <a:extLst>
-              <a:ext uri="{FF2B5EF4-FFF2-40B4-BE49-F238E27FC236}">
-                <a16:creationId xmlns:a16="http://schemas.microsoft.com/office/drawing/2014/main" id="{45B05D2E-803E-4AFE-9C95-3D0A0400442C}"/>
+          <p:cNvPr id="56" name="Oval 55">
+            <a:extLst>
+              <a:ext uri="{FF2B5EF4-FFF2-40B4-BE49-F238E27FC236}">
+                <a16:creationId xmlns:a16="http://schemas.microsoft.com/office/drawing/2014/main" id="{17DC1A83-84C4-44FA-9470-37751A1F9D60}"/>
               </a:ext>
             </a:extLst>
           </p:cNvPr>
@@ -5546,7 +6160,7 @@
         </p:nvSpPr>
         <p:spPr>
           <a:xfrm>
-            <a:off x="1516324" y="5672156"/>
+            <a:off x="5671735" y="7797057"/>
             <a:ext cx="252000" cy="253079"/>
           </a:xfrm>
           <a:prstGeom prst="ellipse">
@@ -5583,108 +6197,10 @@
       </p:sp>
       <p:sp>
         <p:nvSpPr>
-          <p:cNvPr id="30" name="Oval 29">
-            <a:extLst>
-              <a:ext uri="{FF2B5EF4-FFF2-40B4-BE49-F238E27FC236}">
-                <a16:creationId xmlns:a16="http://schemas.microsoft.com/office/drawing/2014/main" id="{0ECAFB55-7BD5-47B8-BC3C-909DC41E38E9}"/>
-              </a:ext>
-            </a:extLst>
-          </p:cNvPr>
-          <p:cNvSpPr/>
-          <p:nvPr/>
-        </p:nvSpPr>
-        <p:spPr>
-          <a:xfrm>
-            <a:off x="2762743" y="5675849"/>
-            <a:ext cx="252000" cy="253079"/>
-          </a:xfrm>
-          <a:prstGeom prst="ellipse">
-            <a:avLst/>
-          </a:prstGeom>
-          <a:solidFill>
-            <a:schemeClr val="bg1"/>
-          </a:solidFill>
-        </p:spPr>
-        <p:style>
-          <a:lnRef idx="2">
-            <a:schemeClr val="dk1">
-              <a:shade val="50000"/>
-            </a:schemeClr>
-          </a:lnRef>
-          <a:fillRef idx="1">
-            <a:schemeClr val="dk1"/>
-          </a:fillRef>
-          <a:effectRef idx="0">
-            <a:schemeClr val="dk1"/>
-          </a:effectRef>
-          <a:fontRef idx="minor">
-            <a:schemeClr val="lt1"/>
-          </a:fontRef>
-        </p:style>
-        <p:txBody>
-          <a:bodyPr rtlCol="0" anchor="ctr"/>
-          <a:lstStyle/>
-          <a:p>
-            <a:pPr algn="ctr"/>
-            <a:endParaRPr lang="en-GB"/>
-          </a:p>
-        </p:txBody>
-      </p:sp>
-      <p:sp>
-        <p:nvSpPr>
-          <p:cNvPr id="31" name="Oval 30">
-            <a:extLst>
-              <a:ext uri="{FF2B5EF4-FFF2-40B4-BE49-F238E27FC236}">
-                <a16:creationId xmlns:a16="http://schemas.microsoft.com/office/drawing/2014/main" id="{754DF105-7BD8-426D-977C-3F4DA0544215}"/>
-              </a:ext>
-            </a:extLst>
-          </p:cNvPr>
-          <p:cNvSpPr/>
-          <p:nvPr/>
-        </p:nvSpPr>
-        <p:spPr>
-          <a:xfrm>
-            <a:off x="5598814" y="5672156"/>
-            <a:ext cx="252000" cy="253079"/>
-          </a:xfrm>
-          <a:prstGeom prst="ellipse">
-            <a:avLst/>
-          </a:prstGeom>
-          <a:solidFill>
-            <a:schemeClr val="bg1"/>
-          </a:solidFill>
-        </p:spPr>
-        <p:style>
-          <a:lnRef idx="2">
-            <a:schemeClr val="dk1">
-              <a:shade val="50000"/>
-            </a:schemeClr>
-          </a:lnRef>
-          <a:fillRef idx="1">
-            <a:schemeClr val="dk1"/>
-          </a:fillRef>
-          <a:effectRef idx="0">
-            <a:schemeClr val="dk1"/>
-          </a:effectRef>
-          <a:fontRef idx="minor">
-            <a:schemeClr val="lt1"/>
-          </a:fontRef>
-        </p:style>
-        <p:txBody>
-          <a:bodyPr rtlCol="0" anchor="ctr"/>
-          <a:lstStyle/>
-          <a:p>
-            <a:pPr algn="ctr"/>
-            <a:endParaRPr lang="en-GB"/>
-          </a:p>
-        </p:txBody>
-      </p:sp>
-      <p:sp>
-        <p:nvSpPr>
-          <p:cNvPr id="32" name="TextBox 31">
-            <a:extLst>
-              <a:ext uri="{FF2B5EF4-FFF2-40B4-BE49-F238E27FC236}">
-                <a16:creationId xmlns:a16="http://schemas.microsoft.com/office/drawing/2014/main" id="{1154A125-1823-4755-81F9-FEF3B651AB5F}"/>
+          <p:cNvPr id="57" name="TextBox 56">
+            <a:extLst>
+              <a:ext uri="{FF2B5EF4-FFF2-40B4-BE49-F238E27FC236}">
+                <a16:creationId xmlns:a16="http://schemas.microsoft.com/office/drawing/2014/main" id="{C03038FD-42F4-4F4B-A991-18E1D3490EDB}"/>
               </a:ext>
             </a:extLst>
           </p:cNvPr>
@@ -5693,7 +6209,7 @@
         </p:nvSpPr>
         <p:spPr>
           <a:xfrm>
-            <a:off x="2803461" y="4875178"/>
+            <a:off x="2818157" y="7071006"/>
             <a:ext cx="1731364" cy="400110"/>
           </a:xfrm>
           <a:prstGeom prst="rect">
@@ -5710,17 +6226,17 @@
             <a:pPr algn="ctr"/>
             <a:r>
               <a:rPr lang="en-GB" sz="2000" b="1" dirty="0"/>
-              <a:t>Age Group</a:t>
+              <a:t>Nationality</a:t>
             </a:r>
           </a:p>
         </p:txBody>
       </p:sp>
       <p:sp>
         <p:nvSpPr>
-          <p:cNvPr id="33" name="TextBox 32">
-            <a:extLst>
-              <a:ext uri="{FF2B5EF4-FFF2-40B4-BE49-F238E27FC236}">
-                <a16:creationId xmlns:a16="http://schemas.microsoft.com/office/drawing/2014/main" id="{6B1B07F7-CC58-43FC-AC13-A2B762AAB5D3}"/>
+          <p:cNvPr id="60" name="TextBox 59">
+            <a:extLst>
+              <a:ext uri="{FF2B5EF4-FFF2-40B4-BE49-F238E27FC236}">
+                <a16:creationId xmlns:a16="http://schemas.microsoft.com/office/drawing/2014/main" id="{7B25E7B5-46CB-484D-B4A2-C6141CE27A41}"/>
               </a:ext>
             </a:extLst>
           </p:cNvPr>
@@ -5729,79 +6245,7 @@
         </p:nvSpPr>
         <p:spPr>
           <a:xfrm>
-            <a:off x="1177628" y="5302824"/>
-            <a:ext cx="1004341" cy="369332"/>
-          </a:xfrm>
-          <a:prstGeom prst="rect">
-            <a:avLst/>
-          </a:prstGeom>
-          <a:noFill/>
-        </p:spPr>
-        <p:txBody>
-          <a:bodyPr wrap="square" rtlCol="0">
-            <a:spAutoFit/>
-          </a:bodyPr>
-          <a:lstStyle/>
-          <a:p>
-            <a:pPr algn="ctr"/>
-            <a:r>
-              <a:rPr lang="en-GB" dirty="0"/>
-              <a:t>Child</a:t>
-            </a:r>
-          </a:p>
-        </p:txBody>
-      </p:sp>
-      <p:sp>
-        <p:nvSpPr>
-          <p:cNvPr id="34" name="TextBox 33">
-            <a:extLst>
-              <a:ext uri="{FF2B5EF4-FFF2-40B4-BE49-F238E27FC236}">
-                <a16:creationId xmlns:a16="http://schemas.microsoft.com/office/drawing/2014/main" id="{C1C55292-D52D-4B39-B60C-F40A29B31F25}"/>
-              </a:ext>
-            </a:extLst>
-          </p:cNvPr>
-          <p:cNvSpPr txBox="1"/>
-          <p:nvPr/>
-        </p:nvSpPr>
-        <p:spPr>
-          <a:xfrm>
-            <a:off x="2367029" y="5328124"/>
-            <a:ext cx="1054844" cy="369332"/>
-          </a:xfrm>
-          <a:prstGeom prst="rect">
-            <a:avLst/>
-          </a:prstGeom>
-          <a:noFill/>
-        </p:spPr>
-        <p:txBody>
-          <a:bodyPr wrap="square" rtlCol="0">
-            <a:spAutoFit/>
-          </a:bodyPr>
-          <a:lstStyle/>
-          <a:p>
-            <a:pPr algn="ctr"/>
-            <a:r>
-              <a:rPr lang="en-GB" dirty="0"/>
-              <a:t>Teenager</a:t>
-            </a:r>
-          </a:p>
-        </p:txBody>
-      </p:sp>
-      <p:sp>
-        <p:nvSpPr>
-          <p:cNvPr id="35" name="TextBox 34">
-            <a:extLst>
-              <a:ext uri="{FF2B5EF4-FFF2-40B4-BE49-F238E27FC236}">
-                <a16:creationId xmlns:a16="http://schemas.microsoft.com/office/drawing/2014/main" id="{9BDE626D-F348-4959-B48D-E2C83847A1D5}"/>
-              </a:ext>
-            </a:extLst>
-          </p:cNvPr>
-          <p:cNvSpPr txBox="1"/>
-          <p:nvPr/>
-        </p:nvSpPr>
-        <p:spPr>
-          <a:xfrm>
-            <a:off x="5183934" y="5075233"/>
+            <a:off x="5256855" y="7200134"/>
             <a:ext cx="1182522" cy="646331"/>
           </a:xfrm>
           <a:prstGeom prst="rect">
@@ -5825,10 +6269,10 @@
       </p:sp>
       <p:sp>
         <p:nvSpPr>
-          <p:cNvPr id="36" name="Oval 35">
-            <a:extLst>
-              <a:ext uri="{FF2B5EF4-FFF2-40B4-BE49-F238E27FC236}">
-                <a16:creationId xmlns:a16="http://schemas.microsoft.com/office/drawing/2014/main" id="{61A487DC-A893-40C3-8268-2D0F1816ED71}"/>
+          <p:cNvPr id="62" name="Rectangle 61">
+            <a:extLst>
+              <a:ext uri="{FF2B5EF4-FFF2-40B4-BE49-F238E27FC236}">
+                <a16:creationId xmlns:a16="http://schemas.microsoft.com/office/drawing/2014/main" id="{8B500B06-F0B3-4000-9844-3F9B55D1BC18}"/>
               </a:ext>
             </a:extLst>
           </p:cNvPr>
@@ -5837,344 +6281,7 @@
         </p:nvSpPr>
         <p:spPr>
           <a:xfrm>
-            <a:off x="3944635" y="5681723"/>
-            <a:ext cx="252000" cy="253079"/>
-          </a:xfrm>
-          <a:prstGeom prst="ellipse">
-            <a:avLst/>
-          </a:prstGeom>
-          <a:solidFill>
-            <a:schemeClr val="bg1"/>
-          </a:solidFill>
-        </p:spPr>
-        <p:style>
-          <a:lnRef idx="2">
-            <a:schemeClr val="dk1">
-              <a:shade val="50000"/>
-            </a:schemeClr>
-          </a:lnRef>
-          <a:fillRef idx="1">
-            <a:schemeClr val="dk1"/>
-          </a:fillRef>
-          <a:effectRef idx="0">
-            <a:schemeClr val="dk1"/>
-          </a:effectRef>
-          <a:fontRef idx="minor">
-            <a:schemeClr val="lt1"/>
-          </a:fontRef>
-        </p:style>
-        <p:txBody>
-          <a:bodyPr rtlCol="0" anchor="ctr"/>
-          <a:lstStyle/>
-          <a:p>
-            <a:pPr algn="ctr"/>
-            <a:endParaRPr lang="en-GB"/>
-          </a:p>
-        </p:txBody>
-      </p:sp>
-      <p:sp>
-        <p:nvSpPr>
-          <p:cNvPr id="37" name="TextBox 36">
-            <a:extLst>
-              <a:ext uri="{FF2B5EF4-FFF2-40B4-BE49-F238E27FC236}">
-                <a16:creationId xmlns:a16="http://schemas.microsoft.com/office/drawing/2014/main" id="{BFE317C3-5F1C-46E3-BB75-804ED2A9E706}"/>
-              </a:ext>
-            </a:extLst>
-          </p:cNvPr>
-          <p:cNvSpPr txBox="1"/>
-          <p:nvPr/>
-        </p:nvSpPr>
-        <p:spPr>
-          <a:xfrm>
-            <a:off x="3548921" y="5333998"/>
-            <a:ext cx="1004341" cy="369332"/>
-          </a:xfrm>
-          <a:prstGeom prst="rect">
-            <a:avLst/>
-          </a:prstGeom>
-          <a:noFill/>
-        </p:spPr>
-        <p:txBody>
-          <a:bodyPr wrap="square" rtlCol="0">
-            <a:spAutoFit/>
-          </a:bodyPr>
-          <a:lstStyle/>
-          <a:p>
-            <a:pPr algn="ctr"/>
-            <a:r>
-              <a:rPr lang="en-GB" dirty="0"/>
-              <a:t>Adult</a:t>
-            </a:r>
-          </a:p>
-        </p:txBody>
-      </p:sp>
-      <p:sp>
-        <p:nvSpPr>
-          <p:cNvPr id="38" name="Oval 37">
-            <a:extLst>
-              <a:ext uri="{FF2B5EF4-FFF2-40B4-BE49-F238E27FC236}">
-                <a16:creationId xmlns:a16="http://schemas.microsoft.com/office/drawing/2014/main" id="{24917541-EE29-4829-92EE-2965344DACCC}"/>
-              </a:ext>
-            </a:extLst>
-          </p:cNvPr>
-          <p:cNvSpPr/>
-          <p:nvPr/>
-        </p:nvSpPr>
-        <p:spPr>
-          <a:xfrm>
-            <a:off x="4723178" y="5692966"/>
-            <a:ext cx="252000" cy="253079"/>
-          </a:xfrm>
-          <a:prstGeom prst="ellipse">
-            <a:avLst/>
-          </a:prstGeom>
-          <a:solidFill>
-            <a:schemeClr val="bg1"/>
-          </a:solidFill>
-        </p:spPr>
-        <p:style>
-          <a:lnRef idx="2">
-            <a:schemeClr val="dk1">
-              <a:shade val="50000"/>
-            </a:schemeClr>
-          </a:lnRef>
-          <a:fillRef idx="1">
-            <a:schemeClr val="dk1"/>
-          </a:fillRef>
-          <a:effectRef idx="0">
-            <a:schemeClr val="dk1"/>
-          </a:effectRef>
-          <a:fontRef idx="minor">
-            <a:schemeClr val="lt1"/>
-          </a:fontRef>
-        </p:style>
-        <p:txBody>
-          <a:bodyPr rtlCol="0" anchor="ctr"/>
-          <a:lstStyle/>
-          <a:p>
-            <a:pPr algn="ctr"/>
-            <a:endParaRPr lang="en-GB"/>
-          </a:p>
-        </p:txBody>
-      </p:sp>
-      <p:sp>
-        <p:nvSpPr>
-          <p:cNvPr id="39" name="TextBox 38">
-            <a:extLst>
-              <a:ext uri="{FF2B5EF4-FFF2-40B4-BE49-F238E27FC236}">
-                <a16:creationId xmlns:a16="http://schemas.microsoft.com/office/drawing/2014/main" id="{434702F6-99DB-4DE1-A8F9-5F0155DB6386}"/>
-              </a:ext>
-            </a:extLst>
-          </p:cNvPr>
-          <p:cNvSpPr txBox="1"/>
-          <p:nvPr/>
-        </p:nvSpPr>
-        <p:spPr>
-          <a:xfrm>
-            <a:off x="4327464" y="5345241"/>
-            <a:ext cx="1004341" cy="369332"/>
-          </a:xfrm>
-          <a:prstGeom prst="rect">
-            <a:avLst/>
-          </a:prstGeom>
-          <a:noFill/>
-        </p:spPr>
-        <p:txBody>
-          <a:bodyPr wrap="square" rtlCol="0">
-            <a:spAutoFit/>
-          </a:bodyPr>
-          <a:lstStyle/>
-          <a:p>
-            <a:pPr algn="ctr"/>
-            <a:r>
-              <a:rPr lang="en-GB" dirty="0"/>
-              <a:t>Old</a:t>
-            </a:r>
-          </a:p>
-        </p:txBody>
-      </p:sp>
-      <p:sp>
-        <p:nvSpPr>
-          <p:cNvPr id="53" name="Rectangle: Rounded Corners 52">
-            <a:extLst>
-              <a:ext uri="{FF2B5EF4-FFF2-40B4-BE49-F238E27FC236}">
-                <a16:creationId xmlns:a16="http://schemas.microsoft.com/office/drawing/2014/main" id="{0ADEB49C-016F-4676-88D1-8633C9240A6A}"/>
-              </a:ext>
-            </a:extLst>
-          </p:cNvPr>
-          <p:cNvSpPr/>
-          <p:nvPr/>
-        </p:nvSpPr>
-        <p:spPr>
-          <a:xfrm>
-            <a:off x="744032" y="6581876"/>
-            <a:ext cx="5996065" cy="1266669"/>
-          </a:xfrm>
-          <a:prstGeom prst="roundRect">
-            <a:avLst/>
-          </a:prstGeom>
-        </p:spPr>
-        <p:style>
-          <a:lnRef idx="2">
-            <a:schemeClr val="accent2">
-              <a:shade val="50000"/>
-            </a:schemeClr>
-          </a:lnRef>
-          <a:fillRef idx="1">
-            <a:schemeClr val="accent2"/>
-          </a:fillRef>
-          <a:effectRef idx="0">
-            <a:schemeClr val="accent2"/>
-          </a:effectRef>
-          <a:fontRef idx="minor">
-            <a:schemeClr val="lt1"/>
-          </a:fontRef>
-        </p:style>
-        <p:txBody>
-          <a:bodyPr rtlCol="0" anchor="ctr"/>
-          <a:lstStyle/>
-          <a:p>
-            <a:pPr algn="ctr"/>
-            <a:endParaRPr lang="en-GB"/>
-          </a:p>
-        </p:txBody>
-      </p:sp>
-      <p:sp>
-        <p:nvSpPr>
-          <p:cNvPr id="56" name="Oval 55">
-            <a:extLst>
-              <a:ext uri="{FF2B5EF4-FFF2-40B4-BE49-F238E27FC236}">
-                <a16:creationId xmlns:a16="http://schemas.microsoft.com/office/drawing/2014/main" id="{17DC1A83-84C4-44FA-9470-37751A1F9D60}"/>
-              </a:ext>
-            </a:extLst>
-          </p:cNvPr>
-          <p:cNvSpPr/>
-          <p:nvPr/>
-        </p:nvSpPr>
-        <p:spPr>
-          <a:xfrm>
-            <a:off x="5671735" y="7373112"/>
-            <a:ext cx="252000" cy="253079"/>
-          </a:xfrm>
-          <a:prstGeom prst="ellipse">
-            <a:avLst/>
-          </a:prstGeom>
-          <a:solidFill>
-            <a:schemeClr val="bg1"/>
-          </a:solidFill>
-        </p:spPr>
-        <p:style>
-          <a:lnRef idx="2">
-            <a:schemeClr val="dk1">
-              <a:shade val="50000"/>
-            </a:schemeClr>
-          </a:lnRef>
-          <a:fillRef idx="1">
-            <a:schemeClr val="dk1"/>
-          </a:fillRef>
-          <a:effectRef idx="0">
-            <a:schemeClr val="dk1"/>
-          </a:effectRef>
-          <a:fontRef idx="minor">
-            <a:schemeClr val="lt1"/>
-          </a:fontRef>
-        </p:style>
-        <p:txBody>
-          <a:bodyPr rtlCol="0" anchor="ctr"/>
-          <a:lstStyle/>
-          <a:p>
-            <a:pPr algn="ctr"/>
-            <a:endParaRPr lang="en-GB"/>
-          </a:p>
-        </p:txBody>
-      </p:sp>
-      <p:sp>
-        <p:nvSpPr>
-          <p:cNvPr id="57" name="TextBox 56">
-            <a:extLst>
-              <a:ext uri="{FF2B5EF4-FFF2-40B4-BE49-F238E27FC236}">
-                <a16:creationId xmlns:a16="http://schemas.microsoft.com/office/drawing/2014/main" id="{C03038FD-42F4-4F4B-A991-18E1D3490EDB}"/>
-              </a:ext>
-            </a:extLst>
-          </p:cNvPr>
-          <p:cNvSpPr txBox="1"/>
-          <p:nvPr/>
-        </p:nvSpPr>
-        <p:spPr>
-          <a:xfrm>
-            <a:off x="2876382" y="6576134"/>
-            <a:ext cx="1731364" cy="400110"/>
-          </a:xfrm>
-          <a:prstGeom prst="rect">
-            <a:avLst/>
-          </a:prstGeom>
-          <a:noFill/>
-        </p:spPr>
-        <p:txBody>
-          <a:bodyPr wrap="square" rtlCol="0">
-            <a:spAutoFit/>
-          </a:bodyPr>
-          <a:lstStyle/>
-          <a:p>
-            <a:pPr algn="ctr"/>
-            <a:r>
-              <a:rPr lang="en-GB" sz="2000" b="1" dirty="0"/>
-              <a:t>Nationality</a:t>
-            </a:r>
-          </a:p>
-        </p:txBody>
-      </p:sp>
-      <p:sp>
-        <p:nvSpPr>
-          <p:cNvPr id="60" name="TextBox 59">
-            <a:extLst>
-              <a:ext uri="{FF2B5EF4-FFF2-40B4-BE49-F238E27FC236}">
-                <a16:creationId xmlns:a16="http://schemas.microsoft.com/office/drawing/2014/main" id="{7B25E7B5-46CB-484D-B4A2-C6141CE27A41}"/>
-              </a:ext>
-            </a:extLst>
-          </p:cNvPr>
-          <p:cNvSpPr txBox="1"/>
-          <p:nvPr/>
-        </p:nvSpPr>
-        <p:spPr>
-          <a:xfrm>
-            <a:off x="5256855" y="6776189"/>
-            <a:ext cx="1182522" cy="646331"/>
-          </a:xfrm>
-          <a:prstGeom prst="rect">
-            <a:avLst/>
-          </a:prstGeom>
-          <a:noFill/>
-        </p:spPr>
-        <p:txBody>
-          <a:bodyPr wrap="square" rtlCol="0">
-            <a:spAutoFit/>
-          </a:bodyPr>
-          <a:lstStyle/>
-          <a:p>
-            <a:pPr algn="ctr"/>
-            <a:r>
-              <a:rPr lang="en-GB" dirty="0"/>
-              <a:t>Preferer not to say</a:t>
-            </a:r>
-          </a:p>
-        </p:txBody>
-      </p:sp>
-      <p:sp>
-        <p:nvSpPr>
-          <p:cNvPr id="62" name="Rectangle 61">
-            <a:extLst>
-              <a:ext uri="{FF2B5EF4-FFF2-40B4-BE49-F238E27FC236}">
-                <a16:creationId xmlns:a16="http://schemas.microsoft.com/office/drawing/2014/main" id="{8B500B06-F0B3-4000-9844-3F9B55D1BC18}"/>
-              </a:ext>
-            </a:extLst>
-          </p:cNvPr>
-          <p:cNvSpPr/>
-          <p:nvPr/>
-        </p:nvSpPr>
-        <p:spPr>
-          <a:xfrm>
-            <a:off x="1177628" y="7037882"/>
+            <a:off x="1177628" y="7461827"/>
             <a:ext cx="3978465" cy="588309"/>
           </a:xfrm>
           <a:prstGeom prst="rect">
@@ -6228,7 +6335,7 @@
         </p:nvSpPr>
         <p:spPr>
           <a:xfrm>
-            <a:off x="1264409" y="7153547"/>
+            <a:off x="1264409" y="7577492"/>
             <a:ext cx="3407601" cy="369332"/>
           </a:xfrm>
           <a:prstGeom prst="rect">
@@ -6269,8 +6376,8 @@
         </p:nvSpPr>
         <p:spPr>
           <a:xfrm>
-            <a:off x="744032" y="8178329"/>
-            <a:ext cx="5996065" cy="1266669"/>
+            <a:off x="708324" y="8603650"/>
+            <a:ext cx="5996065" cy="1168806"/>
           </a:xfrm>
           <a:prstGeom prst="roundRect">
             <a:avLst/>
@@ -6315,7 +6422,7 @@
         </p:nvSpPr>
         <p:spPr>
           <a:xfrm>
-            <a:off x="5671735" y="8969565"/>
+            <a:off x="5636027" y="9350101"/>
             <a:ext cx="252000" cy="253079"/>
           </a:xfrm>
           <a:prstGeom prst="ellipse">
@@ -6364,7 +6471,7 @@
         </p:nvSpPr>
         <p:spPr>
           <a:xfrm>
-            <a:off x="2876382" y="8172587"/>
+            <a:off x="2840674" y="8613318"/>
             <a:ext cx="1731364" cy="400110"/>
           </a:xfrm>
           <a:prstGeom prst="rect">
@@ -6400,7 +6507,7 @@
         </p:nvSpPr>
         <p:spPr>
           <a:xfrm>
-            <a:off x="5256855" y="8372642"/>
+            <a:off x="5221147" y="8753178"/>
             <a:ext cx="1182522" cy="646331"/>
           </a:xfrm>
           <a:prstGeom prst="rect">
@@ -6436,7 +6543,7 @@
         </p:nvSpPr>
         <p:spPr>
           <a:xfrm>
-            <a:off x="1177628" y="8634335"/>
+            <a:off x="1141920" y="9014871"/>
             <a:ext cx="3978465" cy="588309"/>
           </a:xfrm>
           <a:prstGeom prst="rect">
@@ -6490,7 +6597,7 @@
         </p:nvSpPr>
         <p:spPr>
           <a:xfrm>
-            <a:off x="1264409" y="8750000"/>
+            <a:off x="1228701" y="9130536"/>
             <a:ext cx="3407601" cy="369332"/>
           </a:xfrm>
           <a:prstGeom prst="rect">
@@ -6531,7 +6638,7 @@
         </p:nvSpPr>
         <p:spPr>
           <a:xfrm>
-            <a:off x="5680251" y="2233870"/>
+            <a:off x="5717088" y="3252248"/>
             <a:ext cx="126000" cy="126000"/>
           </a:xfrm>
           <a:prstGeom prst="ellipse">
@@ -6577,7 +6684,7 @@
         </p:nvSpPr>
         <p:spPr>
           <a:xfrm>
-            <a:off x="4286777" y="2193822"/>
+            <a:off x="4098902" y="3185865"/>
             <a:ext cx="252000" cy="253079"/>
           </a:xfrm>
           <a:prstGeom prst="ellipse">
@@ -6626,7 +6733,7 @@
         </p:nvSpPr>
         <p:spPr>
           <a:xfrm>
-            <a:off x="3948081" y="1824490"/>
+            <a:off x="3760206" y="2816533"/>
             <a:ext cx="1004341" cy="369332"/>
           </a:xfrm>
           <a:prstGeom prst="rect">
@@ -6662,7 +6769,7 @@
         </p:nvSpPr>
         <p:spPr>
           <a:xfrm>
-            <a:off x="5679658" y="3919380"/>
+            <a:off x="5598814" y="4726596"/>
             <a:ext cx="252000" cy="253079"/>
           </a:xfrm>
           <a:prstGeom prst="ellipse">
@@ -6699,10 +6806,10 @@
       </p:sp>
       <p:sp>
         <p:nvSpPr>
-          <p:cNvPr id="77" name="Oval 76">
-            <a:extLst>
-              <a:ext uri="{FF2B5EF4-FFF2-40B4-BE49-F238E27FC236}">
-                <a16:creationId xmlns:a16="http://schemas.microsoft.com/office/drawing/2014/main" id="{B9A7113B-B1FE-41D6-BB65-D2FB33838EC4}"/>
+          <p:cNvPr id="78" name="Oval 77">
+            <a:extLst>
+              <a:ext uri="{FF2B5EF4-FFF2-40B4-BE49-F238E27FC236}">
+                <a16:creationId xmlns:a16="http://schemas.microsoft.com/office/drawing/2014/main" id="{5C828593-6F85-4DBD-9AF9-EB18C82F20BD}"/>
               </a:ext>
             </a:extLst>
           </p:cNvPr>
@@ -6711,12 +6818,15 @@
         </p:nvSpPr>
         <p:spPr>
           <a:xfrm>
-            <a:off x="5742658" y="3982919"/>
-            <a:ext cx="126000" cy="126000"/>
+            <a:off x="5617251" y="6198535"/>
+            <a:ext cx="252000" cy="253079"/>
           </a:xfrm>
           <a:prstGeom prst="ellipse">
             <a:avLst/>
           </a:prstGeom>
+          <a:solidFill>
+            <a:schemeClr val="bg1"/>
+          </a:solidFill>
         </p:spPr>
         <p:style>
           <a:lnRef idx="2">
@@ -6745,10 +6855,10 @@
       </p:sp>
       <p:sp>
         <p:nvSpPr>
-          <p:cNvPr id="78" name="Oval 77">
-            <a:extLst>
-              <a:ext uri="{FF2B5EF4-FFF2-40B4-BE49-F238E27FC236}">
-                <a16:creationId xmlns:a16="http://schemas.microsoft.com/office/drawing/2014/main" id="{5C828593-6F85-4DBD-9AF9-EB18C82F20BD}"/>
+          <p:cNvPr id="79" name="Oval 78">
+            <a:extLst>
+              <a:ext uri="{FF2B5EF4-FFF2-40B4-BE49-F238E27FC236}">
+                <a16:creationId xmlns:a16="http://schemas.microsoft.com/office/drawing/2014/main" id="{E2AB95E9-A619-4011-AEEE-1CCC14DA4624}"/>
               </a:ext>
             </a:extLst>
           </p:cNvPr>
@@ -6757,15 +6867,12 @@
         </p:nvSpPr>
         <p:spPr>
           <a:xfrm>
-            <a:off x="5598814" y="5671000"/>
-            <a:ext cx="252000" cy="253079"/>
+            <a:off x="5680251" y="6262074"/>
+            <a:ext cx="126000" cy="126000"/>
           </a:xfrm>
           <a:prstGeom prst="ellipse">
             <a:avLst/>
           </a:prstGeom>
-          <a:solidFill>
-            <a:schemeClr val="bg1"/>
-          </a:solidFill>
         </p:spPr>
         <p:style>
           <a:lnRef idx="2">
@@ -6794,10 +6901,10 @@
       </p:sp>
       <p:sp>
         <p:nvSpPr>
-          <p:cNvPr id="79" name="Oval 78">
-            <a:extLst>
-              <a:ext uri="{FF2B5EF4-FFF2-40B4-BE49-F238E27FC236}">
-                <a16:creationId xmlns:a16="http://schemas.microsoft.com/office/drawing/2014/main" id="{E2AB95E9-A619-4011-AEEE-1CCC14DA4624}"/>
+          <p:cNvPr id="80" name="Oval 79">
+            <a:extLst>
+              <a:ext uri="{FF2B5EF4-FFF2-40B4-BE49-F238E27FC236}">
+                <a16:creationId xmlns:a16="http://schemas.microsoft.com/office/drawing/2014/main" id="{4D49AB93-CE17-49D6-B580-DEA1C8470675}"/>
               </a:ext>
             </a:extLst>
           </p:cNvPr>
@@ -6806,12 +6913,15 @@
         </p:nvSpPr>
         <p:spPr>
           <a:xfrm>
-            <a:off x="5661814" y="5734539"/>
-            <a:ext cx="126000" cy="126000"/>
+            <a:off x="5668724" y="7799433"/>
+            <a:ext cx="252000" cy="253079"/>
           </a:xfrm>
           <a:prstGeom prst="ellipse">
             <a:avLst/>
           </a:prstGeom>
+          <a:solidFill>
+            <a:schemeClr val="bg1"/>
+          </a:solidFill>
         </p:spPr>
         <p:style>
           <a:lnRef idx="2">
@@ -6840,10 +6950,10 @@
       </p:sp>
       <p:sp>
         <p:nvSpPr>
-          <p:cNvPr id="80" name="Oval 79">
-            <a:extLst>
-              <a:ext uri="{FF2B5EF4-FFF2-40B4-BE49-F238E27FC236}">
-                <a16:creationId xmlns:a16="http://schemas.microsoft.com/office/drawing/2014/main" id="{4D49AB93-CE17-49D6-B580-DEA1C8470675}"/>
+          <p:cNvPr id="81" name="Oval 80">
+            <a:extLst>
+              <a:ext uri="{FF2B5EF4-FFF2-40B4-BE49-F238E27FC236}">
+                <a16:creationId xmlns:a16="http://schemas.microsoft.com/office/drawing/2014/main" id="{B5440A46-B9B2-4C67-B9C3-B57D8C02714F}"/>
               </a:ext>
             </a:extLst>
           </p:cNvPr>
@@ -6852,15 +6962,12 @@
         </p:nvSpPr>
         <p:spPr>
           <a:xfrm>
-            <a:off x="5668724" y="7375488"/>
-            <a:ext cx="252000" cy="253079"/>
+            <a:off x="5731724" y="7862972"/>
+            <a:ext cx="126000" cy="126000"/>
           </a:xfrm>
           <a:prstGeom prst="ellipse">
             <a:avLst/>
           </a:prstGeom>
-          <a:solidFill>
-            <a:schemeClr val="bg1"/>
-          </a:solidFill>
         </p:spPr>
         <p:style>
           <a:lnRef idx="2">
@@ -6889,10 +6996,10 @@
       </p:sp>
       <p:sp>
         <p:nvSpPr>
-          <p:cNvPr id="81" name="Oval 80">
-            <a:extLst>
-              <a:ext uri="{FF2B5EF4-FFF2-40B4-BE49-F238E27FC236}">
-                <a16:creationId xmlns:a16="http://schemas.microsoft.com/office/drawing/2014/main" id="{B5440A46-B9B2-4C67-B9C3-B57D8C02714F}"/>
+          <p:cNvPr id="82" name="Oval 81">
+            <a:extLst>
+              <a:ext uri="{FF2B5EF4-FFF2-40B4-BE49-F238E27FC236}">
+                <a16:creationId xmlns:a16="http://schemas.microsoft.com/office/drawing/2014/main" id="{C62DEA33-A43F-45D5-9FE7-52679662F93A}"/>
               </a:ext>
             </a:extLst>
           </p:cNvPr>
@@ -6901,12 +7008,15 @@
         </p:nvSpPr>
         <p:spPr>
           <a:xfrm>
-            <a:off x="5731724" y="7439027"/>
-            <a:ext cx="126000" cy="126000"/>
+            <a:off x="5636064" y="9352477"/>
+            <a:ext cx="252000" cy="253079"/>
           </a:xfrm>
           <a:prstGeom prst="ellipse">
             <a:avLst/>
           </a:prstGeom>
+          <a:solidFill>
+            <a:schemeClr val="bg1"/>
+          </a:solidFill>
         </p:spPr>
         <p:style>
           <a:lnRef idx="2">
@@ -6935,10 +7045,10 @@
       </p:sp>
       <p:sp>
         <p:nvSpPr>
-          <p:cNvPr id="82" name="Oval 81">
-            <a:extLst>
-              <a:ext uri="{FF2B5EF4-FFF2-40B4-BE49-F238E27FC236}">
-                <a16:creationId xmlns:a16="http://schemas.microsoft.com/office/drawing/2014/main" id="{C62DEA33-A43F-45D5-9FE7-52679662F93A}"/>
+          <p:cNvPr id="83" name="Oval 82">
+            <a:extLst>
+              <a:ext uri="{FF2B5EF4-FFF2-40B4-BE49-F238E27FC236}">
+                <a16:creationId xmlns:a16="http://schemas.microsoft.com/office/drawing/2014/main" id="{EA85BA03-DE9B-441C-A12E-41670981AE84}"/>
               </a:ext>
             </a:extLst>
           </p:cNvPr>
@@ -6947,15 +7057,12 @@
         </p:nvSpPr>
         <p:spPr>
           <a:xfrm>
-            <a:off x="5671772" y="8971941"/>
-            <a:ext cx="252000" cy="253079"/>
+            <a:off x="5699064" y="9416016"/>
+            <a:ext cx="126000" cy="126000"/>
           </a:xfrm>
           <a:prstGeom prst="ellipse">
             <a:avLst/>
           </a:prstGeom>
-          <a:solidFill>
-            <a:schemeClr val="bg1"/>
-          </a:solidFill>
         </p:spPr>
         <p:style>
           <a:lnRef idx="2">
@@ -6984,10 +7091,10 @@
       </p:sp>
       <p:sp>
         <p:nvSpPr>
-          <p:cNvPr id="83" name="Oval 82">
-            <a:extLst>
-              <a:ext uri="{FF2B5EF4-FFF2-40B4-BE49-F238E27FC236}">
-                <a16:creationId xmlns:a16="http://schemas.microsoft.com/office/drawing/2014/main" id="{EA85BA03-DE9B-441C-A12E-41670981AE84}"/>
+          <p:cNvPr id="58" name="Rectangle 57">
+            <a:extLst>
+              <a:ext uri="{FF2B5EF4-FFF2-40B4-BE49-F238E27FC236}">
+                <a16:creationId xmlns:a16="http://schemas.microsoft.com/office/drawing/2014/main" id="{EB395042-325C-441A-A27B-48091D2A56C1}"/>
               </a:ext>
             </a:extLst>
           </p:cNvPr>
@@ -6996,7 +7103,357 @@
         </p:nvSpPr>
         <p:spPr>
           <a:xfrm>
-            <a:off x="5734772" y="9035480"/>
+            <a:off x="-1" y="0"/>
+            <a:ext cx="7199313" cy="10799763"/>
+          </a:xfrm>
+          <a:prstGeom prst="rect">
+            <a:avLst/>
+          </a:prstGeom>
+          <a:noFill/>
+          <a:ln w="38100">
+            <a:solidFill>
+              <a:schemeClr val="tx1"/>
+            </a:solidFill>
+          </a:ln>
+        </p:spPr>
+        <p:style>
+          <a:lnRef idx="2">
+            <a:schemeClr val="accent1">
+              <a:shade val="50000"/>
+            </a:schemeClr>
+          </a:lnRef>
+          <a:fillRef idx="1">
+            <a:schemeClr val="accent1"/>
+          </a:fillRef>
+          <a:effectRef idx="0">
+            <a:schemeClr val="accent1"/>
+          </a:effectRef>
+          <a:fontRef idx="minor">
+            <a:schemeClr val="lt1"/>
+          </a:fontRef>
+        </p:style>
+        <p:txBody>
+          <a:bodyPr rtlCol="0" anchor="ctr"/>
+          <a:lstStyle/>
+          <a:p>
+            <a:pPr algn="ctr"/>
+            <a:endParaRPr lang="en-GB"/>
+          </a:p>
+        </p:txBody>
+      </p:sp>
+      <p:sp>
+        <p:nvSpPr>
+          <p:cNvPr id="73" name="Rectangle: Rounded Corners 72">
+            <a:extLst>
+              <a:ext uri="{FF2B5EF4-FFF2-40B4-BE49-F238E27FC236}">
+                <a16:creationId xmlns:a16="http://schemas.microsoft.com/office/drawing/2014/main" id="{561EDC5D-235D-4FD3-A668-B320B0894649}"/>
+              </a:ext>
+            </a:extLst>
+          </p:cNvPr>
+          <p:cNvSpPr/>
+          <p:nvPr/>
+        </p:nvSpPr>
+        <p:spPr>
+          <a:xfrm>
+            <a:off x="725861" y="1204642"/>
+            <a:ext cx="6031138" cy="770309"/>
+          </a:xfrm>
+          <a:prstGeom prst="roundRect">
+            <a:avLst/>
+          </a:prstGeom>
+        </p:spPr>
+        <p:style>
+          <a:lnRef idx="2">
+            <a:schemeClr val="accent2">
+              <a:shade val="50000"/>
+            </a:schemeClr>
+          </a:lnRef>
+          <a:fillRef idx="1">
+            <a:schemeClr val="accent2"/>
+          </a:fillRef>
+          <a:effectRef idx="0">
+            <a:schemeClr val="accent2"/>
+          </a:effectRef>
+          <a:fontRef idx="minor">
+            <a:schemeClr val="lt1"/>
+          </a:fontRef>
+        </p:style>
+        <p:txBody>
+          <a:bodyPr rtlCol="0" anchor="ctr"/>
+          <a:lstStyle/>
+          <a:p>
+            <a:pPr algn="ctr"/>
+            <a:endParaRPr lang="en-GB"/>
+          </a:p>
+        </p:txBody>
+      </p:sp>
+      <p:sp>
+        <p:nvSpPr>
+          <p:cNvPr id="84" name="TextBox 83">
+            <a:extLst>
+              <a:ext uri="{FF2B5EF4-FFF2-40B4-BE49-F238E27FC236}">
+                <a16:creationId xmlns:a16="http://schemas.microsoft.com/office/drawing/2014/main" id="{EA9E0B90-44CE-469A-BC30-4EA29990BFDE}"/>
+              </a:ext>
+            </a:extLst>
+          </p:cNvPr>
+          <p:cNvSpPr txBox="1"/>
+          <p:nvPr/>
+        </p:nvSpPr>
+        <p:spPr>
+          <a:xfrm>
+            <a:off x="776520" y="1259881"/>
+            <a:ext cx="2132350" cy="707886"/>
+          </a:xfrm>
+          <a:prstGeom prst="rect">
+            <a:avLst/>
+          </a:prstGeom>
+          <a:noFill/>
+        </p:spPr>
+        <p:txBody>
+          <a:bodyPr wrap="square" rtlCol="0">
+            <a:spAutoFit/>
+          </a:bodyPr>
+          <a:lstStyle/>
+          <a:p>
+            <a:pPr algn="ctr"/>
+            <a:r>
+              <a:rPr lang="en-GB" sz="2000" b="1" dirty="0"/>
+              <a:t>Allow data used for studies</a:t>
+            </a:r>
+          </a:p>
+        </p:txBody>
+      </p:sp>
+      <p:sp>
+        <p:nvSpPr>
+          <p:cNvPr id="85" name="Oval 84">
+            <a:extLst>
+              <a:ext uri="{FF2B5EF4-FFF2-40B4-BE49-F238E27FC236}">
+                <a16:creationId xmlns:a16="http://schemas.microsoft.com/office/drawing/2014/main" id="{3B0BD2FA-9906-412A-9810-8878450AB191}"/>
+              </a:ext>
+            </a:extLst>
+          </p:cNvPr>
+          <p:cNvSpPr/>
+          <p:nvPr/>
+        </p:nvSpPr>
+        <p:spPr>
+          <a:xfrm>
+            <a:off x="4444952" y="1615285"/>
+            <a:ext cx="252000" cy="253079"/>
+          </a:xfrm>
+          <a:prstGeom prst="ellipse">
+            <a:avLst/>
+          </a:prstGeom>
+          <a:solidFill>
+            <a:schemeClr val="bg1"/>
+          </a:solidFill>
+        </p:spPr>
+        <p:style>
+          <a:lnRef idx="2">
+            <a:schemeClr val="dk1">
+              <a:shade val="50000"/>
+            </a:schemeClr>
+          </a:lnRef>
+          <a:fillRef idx="1">
+            <a:schemeClr val="dk1"/>
+          </a:fillRef>
+          <a:effectRef idx="0">
+            <a:schemeClr val="dk1"/>
+          </a:effectRef>
+          <a:fontRef idx="minor">
+            <a:schemeClr val="lt1"/>
+          </a:fontRef>
+        </p:style>
+        <p:txBody>
+          <a:bodyPr rtlCol="0" anchor="ctr"/>
+          <a:lstStyle/>
+          <a:p>
+            <a:pPr algn="ctr"/>
+            <a:endParaRPr lang="en-GB"/>
+          </a:p>
+        </p:txBody>
+      </p:sp>
+      <p:sp>
+        <p:nvSpPr>
+          <p:cNvPr id="86" name="TextBox 85">
+            <a:extLst>
+              <a:ext uri="{FF2B5EF4-FFF2-40B4-BE49-F238E27FC236}">
+                <a16:creationId xmlns:a16="http://schemas.microsoft.com/office/drawing/2014/main" id="{675D2883-EB84-4CAC-9A6A-DF3A9D4221CD}"/>
+              </a:ext>
+            </a:extLst>
+          </p:cNvPr>
+          <p:cNvSpPr txBox="1"/>
+          <p:nvPr/>
+        </p:nvSpPr>
+        <p:spPr>
+          <a:xfrm>
+            <a:off x="4106256" y="1245953"/>
+            <a:ext cx="1004341" cy="369332"/>
+          </a:xfrm>
+          <a:prstGeom prst="rect">
+            <a:avLst/>
+          </a:prstGeom>
+          <a:noFill/>
+        </p:spPr>
+        <p:txBody>
+          <a:bodyPr wrap="square" rtlCol="0">
+            <a:spAutoFit/>
+          </a:bodyPr>
+          <a:lstStyle/>
+          <a:p>
+            <a:pPr algn="ctr"/>
+            <a:r>
+              <a:rPr lang="en-GB" dirty="0"/>
+              <a:t>Yes</a:t>
+            </a:r>
+          </a:p>
+        </p:txBody>
+      </p:sp>
+      <p:sp>
+        <p:nvSpPr>
+          <p:cNvPr id="87" name="Oval 86">
+            <a:extLst>
+              <a:ext uri="{FF2B5EF4-FFF2-40B4-BE49-F238E27FC236}">
+                <a16:creationId xmlns:a16="http://schemas.microsoft.com/office/drawing/2014/main" id="{FFD8CECD-368E-4E84-A984-9EDF2AD87613}"/>
+              </a:ext>
+            </a:extLst>
+          </p:cNvPr>
+          <p:cNvSpPr/>
+          <p:nvPr/>
+        </p:nvSpPr>
+        <p:spPr>
+          <a:xfrm>
+            <a:off x="5699064" y="1593218"/>
+            <a:ext cx="252000" cy="253079"/>
+          </a:xfrm>
+          <a:prstGeom prst="ellipse">
+            <a:avLst/>
+          </a:prstGeom>
+          <a:solidFill>
+            <a:schemeClr val="bg1"/>
+          </a:solidFill>
+        </p:spPr>
+        <p:style>
+          <a:lnRef idx="2">
+            <a:schemeClr val="dk1">
+              <a:shade val="50000"/>
+            </a:schemeClr>
+          </a:lnRef>
+          <a:fillRef idx="1">
+            <a:schemeClr val="dk1"/>
+          </a:fillRef>
+          <a:effectRef idx="0">
+            <a:schemeClr val="dk1"/>
+          </a:effectRef>
+          <a:fontRef idx="minor">
+            <a:schemeClr val="lt1"/>
+          </a:fontRef>
+        </p:style>
+        <p:txBody>
+          <a:bodyPr rtlCol="0" anchor="ctr"/>
+          <a:lstStyle/>
+          <a:p>
+            <a:pPr algn="ctr"/>
+            <a:endParaRPr lang="en-GB"/>
+          </a:p>
+        </p:txBody>
+      </p:sp>
+      <p:sp>
+        <p:nvSpPr>
+          <p:cNvPr id="88" name="TextBox 87">
+            <a:extLst>
+              <a:ext uri="{FF2B5EF4-FFF2-40B4-BE49-F238E27FC236}">
+                <a16:creationId xmlns:a16="http://schemas.microsoft.com/office/drawing/2014/main" id="{62E800CF-CB08-437C-BC3F-0066CA4A7018}"/>
+              </a:ext>
+            </a:extLst>
+          </p:cNvPr>
+          <p:cNvSpPr txBox="1"/>
+          <p:nvPr/>
+        </p:nvSpPr>
+        <p:spPr>
+          <a:xfrm>
+            <a:off x="5360368" y="1223886"/>
+            <a:ext cx="1004341" cy="369332"/>
+          </a:xfrm>
+          <a:prstGeom prst="rect">
+            <a:avLst/>
+          </a:prstGeom>
+          <a:noFill/>
+        </p:spPr>
+        <p:txBody>
+          <a:bodyPr wrap="square" rtlCol="0">
+            <a:spAutoFit/>
+          </a:bodyPr>
+          <a:lstStyle/>
+          <a:p>
+            <a:pPr algn="ctr"/>
+            <a:r>
+              <a:rPr lang="en-GB" dirty="0"/>
+              <a:t>No</a:t>
+            </a:r>
+          </a:p>
+        </p:txBody>
+      </p:sp>
+      <p:sp>
+        <p:nvSpPr>
+          <p:cNvPr id="89" name="Oval 88">
+            <a:extLst>
+              <a:ext uri="{FF2B5EF4-FFF2-40B4-BE49-F238E27FC236}">
+                <a16:creationId xmlns:a16="http://schemas.microsoft.com/office/drawing/2014/main" id="{5684C24F-ADCB-4D0C-8F2E-541810D79317}"/>
+              </a:ext>
+            </a:extLst>
+          </p:cNvPr>
+          <p:cNvSpPr/>
+          <p:nvPr/>
+        </p:nvSpPr>
+        <p:spPr>
+          <a:xfrm>
+            <a:off x="5660095" y="4798929"/>
+            <a:ext cx="126000" cy="126000"/>
+          </a:xfrm>
+          <a:prstGeom prst="ellipse">
+            <a:avLst/>
+          </a:prstGeom>
+        </p:spPr>
+        <p:style>
+          <a:lnRef idx="2">
+            <a:schemeClr val="dk1">
+              <a:shade val="50000"/>
+            </a:schemeClr>
+          </a:lnRef>
+          <a:fillRef idx="1">
+            <a:schemeClr val="dk1"/>
+          </a:fillRef>
+          <a:effectRef idx="0">
+            <a:schemeClr val="dk1"/>
+          </a:effectRef>
+          <a:fontRef idx="minor">
+            <a:schemeClr val="lt1"/>
+          </a:fontRef>
+        </p:style>
+        <p:txBody>
+          <a:bodyPr rtlCol="0" anchor="ctr"/>
+          <a:lstStyle/>
+          <a:p>
+            <a:pPr algn="ctr"/>
+            <a:endParaRPr lang="en-GB"/>
+          </a:p>
+        </p:txBody>
+      </p:sp>
+      <p:sp>
+        <p:nvSpPr>
+          <p:cNvPr id="90" name="Oval 89">
+            <a:extLst>
+              <a:ext uri="{FF2B5EF4-FFF2-40B4-BE49-F238E27FC236}">
+                <a16:creationId xmlns:a16="http://schemas.microsoft.com/office/drawing/2014/main" id="{271CF579-EB16-4812-BE2F-C8ED012B1636}"/>
+              </a:ext>
+            </a:extLst>
+          </p:cNvPr>
+          <p:cNvSpPr/>
+          <p:nvPr/>
+        </p:nvSpPr>
+        <p:spPr>
+          <a:xfrm>
+            <a:off x="5758920" y="1665551"/>
             <a:ext cx="126000" cy="126000"/>
           </a:xfrm>
           <a:prstGeom prst="ellipse">
@@ -7496,6 +7953,58 @@
           </a:p>
         </p:txBody>
       </p:sp>
+      <p:sp>
+        <p:nvSpPr>
+          <p:cNvPr id="12" name="Rectangle 11">
+            <a:extLst>
+              <a:ext uri="{FF2B5EF4-FFF2-40B4-BE49-F238E27FC236}">
+                <a16:creationId xmlns:a16="http://schemas.microsoft.com/office/drawing/2014/main" id="{3C4D71BE-FA6E-4EAB-8772-6EE29299859E}"/>
+              </a:ext>
+            </a:extLst>
+          </p:cNvPr>
+          <p:cNvSpPr/>
+          <p:nvPr/>
+        </p:nvSpPr>
+        <p:spPr>
+          <a:xfrm>
+            <a:off x="-1" y="0"/>
+            <a:ext cx="7199313" cy="10799763"/>
+          </a:xfrm>
+          <a:prstGeom prst="rect">
+            <a:avLst/>
+          </a:prstGeom>
+          <a:noFill/>
+          <a:ln w="38100">
+            <a:solidFill>
+              <a:schemeClr val="tx1"/>
+            </a:solidFill>
+          </a:ln>
+        </p:spPr>
+        <p:style>
+          <a:lnRef idx="2">
+            <a:schemeClr val="accent1">
+              <a:shade val="50000"/>
+            </a:schemeClr>
+          </a:lnRef>
+          <a:fillRef idx="1">
+            <a:schemeClr val="accent1"/>
+          </a:fillRef>
+          <a:effectRef idx="0">
+            <a:schemeClr val="accent1"/>
+          </a:effectRef>
+          <a:fontRef idx="minor">
+            <a:schemeClr val="lt1"/>
+          </a:fontRef>
+        </p:style>
+        <p:txBody>
+          <a:bodyPr rtlCol="0" anchor="ctr"/>
+          <a:lstStyle/>
+          <a:p>
+            <a:pPr algn="ctr"/>
+            <a:endParaRPr lang="en-GB"/>
+          </a:p>
+        </p:txBody>
+      </p:sp>
     </p:spTree>
     <p:extLst>
       <p:ext uri="{BB962C8B-B14F-4D97-AF65-F5344CB8AC3E}">
@@ -8751,6 +9260,58 @@
           </a:p>
         </p:txBody>
       </p:sp>
+      <p:sp>
+        <p:nvSpPr>
+          <p:cNvPr id="31" name="Rectangle 30">
+            <a:extLst>
+              <a:ext uri="{FF2B5EF4-FFF2-40B4-BE49-F238E27FC236}">
+                <a16:creationId xmlns:a16="http://schemas.microsoft.com/office/drawing/2014/main" id="{B898748A-FDF0-4F8D-8850-78FACBFA25FA}"/>
+              </a:ext>
+            </a:extLst>
+          </p:cNvPr>
+          <p:cNvSpPr/>
+          <p:nvPr/>
+        </p:nvSpPr>
+        <p:spPr>
+          <a:xfrm>
+            <a:off x="-1" y="0"/>
+            <a:ext cx="7199313" cy="10799763"/>
+          </a:xfrm>
+          <a:prstGeom prst="rect">
+            <a:avLst/>
+          </a:prstGeom>
+          <a:noFill/>
+          <a:ln w="38100">
+            <a:solidFill>
+              <a:schemeClr val="tx1"/>
+            </a:solidFill>
+          </a:ln>
+        </p:spPr>
+        <p:style>
+          <a:lnRef idx="2">
+            <a:schemeClr val="accent1">
+              <a:shade val="50000"/>
+            </a:schemeClr>
+          </a:lnRef>
+          <a:fillRef idx="1">
+            <a:schemeClr val="accent1"/>
+          </a:fillRef>
+          <a:effectRef idx="0">
+            <a:schemeClr val="accent1"/>
+          </a:effectRef>
+          <a:fontRef idx="minor">
+            <a:schemeClr val="lt1"/>
+          </a:fontRef>
+        </p:style>
+        <p:txBody>
+          <a:bodyPr rtlCol="0" anchor="ctr"/>
+          <a:lstStyle/>
+          <a:p>
+            <a:pPr algn="ctr"/>
+            <a:endParaRPr lang="en-GB"/>
+          </a:p>
+        </p:txBody>
+      </p:sp>
     </p:spTree>
     <p:extLst>
       <p:ext uri="{BB962C8B-B14F-4D97-AF65-F5344CB8AC3E}">
@@ -11008,6 +11569,58 @@
           </a:p>
         </p:txBody>
       </p:sp>
+      <p:sp>
+        <p:nvSpPr>
+          <p:cNvPr id="51" name="Rectangle 50">
+            <a:extLst>
+              <a:ext uri="{FF2B5EF4-FFF2-40B4-BE49-F238E27FC236}">
+                <a16:creationId xmlns:a16="http://schemas.microsoft.com/office/drawing/2014/main" id="{572AC013-DC85-4A1F-A55E-AE07AE9EB491}"/>
+              </a:ext>
+            </a:extLst>
+          </p:cNvPr>
+          <p:cNvSpPr/>
+          <p:nvPr/>
+        </p:nvSpPr>
+        <p:spPr>
+          <a:xfrm>
+            <a:off x="-1" y="0"/>
+            <a:ext cx="7199313" cy="10799763"/>
+          </a:xfrm>
+          <a:prstGeom prst="rect">
+            <a:avLst/>
+          </a:prstGeom>
+          <a:noFill/>
+          <a:ln w="38100">
+            <a:solidFill>
+              <a:schemeClr val="tx1"/>
+            </a:solidFill>
+          </a:ln>
+        </p:spPr>
+        <p:style>
+          <a:lnRef idx="2">
+            <a:schemeClr val="accent1">
+              <a:shade val="50000"/>
+            </a:schemeClr>
+          </a:lnRef>
+          <a:fillRef idx="1">
+            <a:schemeClr val="accent1"/>
+          </a:fillRef>
+          <a:effectRef idx="0">
+            <a:schemeClr val="accent1"/>
+          </a:effectRef>
+          <a:fontRef idx="minor">
+            <a:schemeClr val="lt1"/>
+          </a:fontRef>
+        </p:style>
+        <p:txBody>
+          <a:bodyPr rtlCol="0" anchor="ctr"/>
+          <a:lstStyle/>
+          <a:p>
+            <a:pPr algn="ctr"/>
+            <a:endParaRPr lang="en-GB"/>
+          </a:p>
+        </p:txBody>
+      </p:sp>
     </p:spTree>
     <p:extLst>
       <p:ext uri="{BB962C8B-B14F-4D97-AF65-F5344CB8AC3E}">
@@ -12977,6 +13590,58 @@
           </a:p>
         </p:txBody>
       </p:sp>
+      <p:sp>
+        <p:nvSpPr>
+          <p:cNvPr id="47" name="Rectangle 46">
+            <a:extLst>
+              <a:ext uri="{FF2B5EF4-FFF2-40B4-BE49-F238E27FC236}">
+                <a16:creationId xmlns:a16="http://schemas.microsoft.com/office/drawing/2014/main" id="{9A5B2A93-5326-4CBE-812B-1AA4D59726AA}"/>
+              </a:ext>
+            </a:extLst>
+          </p:cNvPr>
+          <p:cNvSpPr/>
+          <p:nvPr/>
+        </p:nvSpPr>
+        <p:spPr>
+          <a:xfrm>
+            <a:off x="-1" y="0"/>
+            <a:ext cx="7199313" cy="10799763"/>
+          </a:xfrm>
+          <a:prstGeom prst="rect">
+            <a:avLst/>
+          </a:prstGeom>
+          <a:noFill/>
+          <a:ln w="38100">
+            <a:solidFill>
+              <a:schemeClr val="tx1"/>
+            </a:solidFill>
+          </a:ln>
+        </p:spPr>
+        <p:style>
+          <a:lnRef idx="2">
+            <a:schemeClr val="accent1">
+              <a:shade val="50000"/>
+            </a:schemeClr>
+          </a:lnRef>
+          <a:fillRef idx="1">
+            <a:schemeClr val="accent1"/>
+          </a:fillRef>
+          <a:effectRef idx="0">
+            <a:schemeClr val="accent1"/>
+          </a:effectRef>
+          <a:fontRef idx="minor">
+            <a:schemeClr val="lt1"/>
+          </a:fontRef>
+        </p:style>
+        <p:txBody>
+          <a:bodyPr rtlCol="0" anchor="ctr"/>
+          <a:lstStyle/>
+          <a:p>
+            <a:pPr algn="ctr"/>
+            <a:endParaRPr lang="en-GB"/>
+          </a:p>
+        </p:txBody>
+      </p:sp>
     </p:spTree>
     <p:extLst>
       <p:ext uri="{BB962C8B-B14F-4D97-AF65-F5344CB8AC3E}">
@@ -13482,6 +14147,58 @@
           </a:p>
         </p:txBody>
       </p:sp>
+      <p:sp>
+        <p:nvSpPr>
+          <p:cNvPr id="17" name="Rectangle 16">
+            <a:extLst>
+              <a:ext uri="{FF2B5EF4-FFF2-40B4-BE49-F238E27FC236}">
+                <a16:creationId xmlns:a16="http://schemas.microsoft.com/office/drawing/2014/main" id="{092F7033-FFFB-4E5B-8D66-523AC309DD61}"/>
+              </a:ext>
+            </a:extLst>
+          </p:cNvPr>
+          <p:cNvSpPr/>
+          <p:nvPr/>
+        </p:nvSpPr>
+        <p:spPr>
+          <a:xfrm>
+            <a:off x="-1" y="0"/>
+            <a:ext cx="7199313" cy="10799763"/>
+          </a:xfrm>
+          <a:prstGeom prst="rect">
+            <a:avLst/>
+          </a:prstGeom>
+          <a:noFill/>
+          <a:ln w="38100">
+            <a:solidFill>
+              <a:schemeClr val="tx1"/>
+            </a:solidFill>
+          </a:ln>
+        </p:spPr>
+        <p:style>
+          <a:lnRef idx="2">
+            <a:schemeClr val="accent1">
+              <a:shade val="50000"/>
+            </a:schemeClr>
+          </a:lnRef>
+          <a:fillRef idx="1">
+            <a:schemeClr val="accent1"/>
+          </a:fillRef>
+          <a:effectRef idx="0">
+            <a:schemeClr val="accent1"/>
+          </a:effectRef>
+          <a:fontRef idx="minor">
+            <a:schemeClr val="lt1"/>
+          </a:fontRef>
+        </p:style>
+        <p:txBody>
+          <a:bodyPr rtlCol="0" anchor="ctr"/>
+          <a:lstStyle/>
+          <a:p>
+            <a:pPr algn="ctr"/>
+            <a:endParaRPr lang="en-GB"/>
+          </a:p>
+        </p:txBody>
+      </p:sp>
     </p:spTree>
     <p:extLst>
       <p:ext uri="{BB962C8B-B14F-4D97-AF65-F5344CB8AC3E}">
@@ -14067,6 +14784,58 @@
           </a:prstGeom>
         </p:spPr>
       </p:pic>
+      <p:sp>
+        <p:nvSpPr>
+          <p:cNvPr id="19" name="Rectangle 18">
+            <a:extLst>
+              <a:ext uri="{FF2B5EF4-FFF2-40B4-BE49-F238E27FC236}">
+                <a16:creationId xmlns:a16="http://schemas.microsoft.com/office/drawing/2014/main" id="{0C904593-DA8B-4014-A4CD-42E5D850AF69}"/>
+              </a:ext>
+            </a:extLst>
+          </p:cNvPr>
+          <p:cNvSpPr/>
+          <p:nvPr/>
+        </p:nvSpPr>
+        <p:spPr>
+          <a:xfrm>
+            <a:off x="-1" y="0"/>
+            <a:ext cx="7199313" cy="10799763"/>
+          </a:xfrm>
+          <a:prstGeom prst="rect">
+            <a:avLst/>
+          </a:prstGeom>
+          <a:noFill/>
+          <a:ln w="38100">
+            <a:solidFill>
+              <a:schemeClr val="tx1"/>
+            </a:solidFill>
+          </a:ln>
+        </p:spPr>
+        <p:style>
+          <a:lnRef idx="2">
+            <a:schemeClr val="accent1">
+              <a:shade val="50000"/>
+            </a:schemeClr>
+          </a:lnRef>
+          <a:fillRef idx="1">
+            <a:schemeClr val="accent1"/>
+          </a:fillRef>
+          <a:effectRef idx="0">
+            <a:schemeClr val="accent1"/>
+          </a:effectRef>
+          <a:fontRef idx="minor">
+            <a:schemeClr val="lt1"/>
+          </a:fontRef>
+        </p:style>
+        <p:txBody>
+          <a:bodyPr rtlCol="0" anchor="ctr"/>
+          <a:lstStyle/>
+          <a:p>
+            <a:pPr algn="ctr"/>
+            <a:endParaRPr lang="en-GB"/>
+          </a:p>
+        </p:txBody>
+      </p:sp>
     </p:spTree>
     <p:extLst>
       <p:ext uri="{BB962C8B-B14F-4D97-AF65-F5344CB8AC3E}">
